--- a/Presentation-Bruce.pptx
+++ b/Presentation-Bruce.pptx
@@ -6,12 +6,21 @@
   </p:sldMasterIdLst>
   <p:sldIdLst>
     <p:sldId id="256" r:id="rId2"/>
-    <p:sldId id="257" r:id="rId3"/>
-    <p:sldId id="258" r:id="rId4"/>
-    <p:sldId id="259" r:id="rId5"/>
-    <p:sldId id="261" r:id="rId6"/>
-    <p:sldId id="260" r:id="rId7"/>
-    <p:sldId id="262" r:id="rId8"/>
+    <p:sldId id="268" r:id="rId3"/>
+    <p:sldId id="270" r:id="rId4"/>
+    <p:sldId id="271" r:id="rId5"/>
+    <p:sldId id="272" r:id="rId6"/>
+    <p:sldId id="269" r:id="rId7"/>
+    <p:sldId id="257" r:id="rId8"/>
+    <p:sldId id="267" r:id="rId9"/>
+    <p:sldId id="265" r:id="rId10"/>
+    <p:sldId id="266" r:id="rId11"/>
+    <p:sldId id="264" r:id="rId12"/>
+    <p:sldId id="258" r:id="rId13"/>
+    <p:sldId id="259" r:id="rId14"/>
+    <p:sldId id="261" r:id="rId15"/>
+    <p:sldId id="260" r:id="rId16"/>
+    <p:sldId id="262" r:id="rId17"/>
   </p:sldIdLst>
   <p:sldSz cx="12192000" cy="6858000"/>
   <p:notesSz cx="6858000" cy="9144000"/>
@@ -253,7 +262,7 @@
           <a:p>
             <a:fld id="{2CB57C8A-F0DC-7741-B309-5CA3B2A6EE97}" type="datetimeFigureOut">
               <a:rPr lang="en-US" smtClean="0"/>
-              <a:t>1/10/2018</a:t>
+              <a:t>1/12/2018</a:t>
             </a:fld>
             <a:endParaRPr lang="en-US"/>
           </a:p>
@@ -423,7 +432,7 @@
           <a:p>
             <a:fld id="{2CB57C8A-F0DC-7741-B309-5CA3B2A6EE97}" type="datetimeFigureOut">
               <a:rPr lang="en-US" smtClean="0"/>
-              <a:t>1/10/2018</a:t>
+              <a:t>1/12/2018</a:t>
             </a:fld>
             <a:endParaRPr lang="en-US"/>
           </a:p>
@@ -603,7 +612,7 @@
           <a:p>
             <a:fld id="{2CB57C8A-F0DC-7741-B309-5CA3B2A6EE97}" type="datetimeFigureOut">
               <a:rPr lang="en-US" smtClean="0"/>
-              <a:t>1/10/2018</a:t>
+              <a:t>1/12/2018</a:t>
             </a:fld>
             <a:endParaRPr lang="en-US"/>
           </a:p>
@@ -773,7 +782,7 @@
           <a:p>
             <a:fld id="{2CB57C8A-F0DC-7741-B309-5CA3B2A6EE97}" type="datetimeFigureOut">
               <a:rPr lang="en-US" smtClean="0"/>
-              <a:t>1/10/2018</a:t>
+              <a:t>1/12/2018</a:t>
             </a:fld>
             <a:endParaRPr lang="en-US"/>
           </a:p>
@@ -1019,7 +1028,7 @@
           <a:p>
             <a:fld id="{2CB57C8A-F0DC-7741-B309-5CA3B2A6EE97}" type="datetimeFigureOut">
               <a:rPr lang="en-US" smtClean="0"/>
-              <a:t>1/10/2018</a:t>
+              <a:t>1/12/2018</a:t>
             </a:fld>
             <a:endParaRPr lang="en-US"/>
           </a:p>
@@ -1251,7 +1260,7 @@
           <a:p>
             <a:fld id="{2CB57C8A-F0DC-7741-B309-5CA3B2A6EE97}" type="datetimeFigureOut">
               <a:rPr lang="en-US" smtClean="0"/>
-              <a:t>1/10/2018</a:t>
+              <a:t>1/12/2018</a:t>
             </a:fld>
             <a:endParaRPr lang="en-US"/>
           </a:p>
@@ -1618,7 +1627,7 @@
           <a:p>
             <a:fld id="{2CB57C8A-F0DC-7741-B309-5CA3B2A6EE97}" type="datetimeFigureOut">
               <a:rPr lang="en-US" smtClean="0"/>
-              <a:t>1/10/2018</a:t>
+              <a:t>1/12/2018</a:t>
             </a:fld>
             <a:endParaRPr lang="en-US"/>
           </a:p>
@@ -1736,7 +1745,7 @@
           <a:p>
             <a:fld id="{2CB57C8A-F0DC-7741-B309-5CA3B2A6EE97}" type="datetimeFigureOut">
               <a:rPr lang="en-US" smtClean="0"/>
-              <a:t>1/10/2018</a:t>
+              <a:t>1/12/2018</a:t>
             </a:fld>
             <a:endParaRPr lang="en-US"/>
           </a:p>
@@ -1831,7 +1840,7 @@
           <a:p>
             <a:fld id="{2CB57C8A-F0DC-7741-B309-5CA3B2A6EE97}" type="datetimeFigureOut">
               <a:rPr lang="en-US" smtClean="0"/>
-              <a:t>1/10/2018</a:t>
+              <a:t>1/12/2018</a:t>
             </a:fld>
             <a:endParaRPr lang="en-US"/>
           </a:p>
@@ -2108,7 +2117,7 @@
           <a:p>
             <a:fld id="{2CB57C8A-F0DC-7741-B309-5CA3B2A6EE97}" type="datetimeFigureOut">
               <a:rPr lang="en-US" smtClean="0"/>
-              <a:t>1/10/2018</a:t>
+              <a:t>1/12/2018</a:t>
             </a:fld>
             <a:endParaRPr lang="en-US"/>
           </a:p>
@@ -2365,7 +2374,7 @@
           <a:p>
             <a:fld id="{2CB57C8A-F0DC-7741-B309-5CA3B2A6EE97}" type="datetimeFigureOut">
               <a:rPr lang="en-US" smtClean="0"/>
-              <a:t>1/10/2018</a:t>
+              <a:t>1/12/2018</a:t>
             </a:fld>
             <a:endParaRPr lang="en-US"/>
           </a:p>
@@ -2578,7 +2587,7 @@
           <a:p>
             <a:fld id="{2CB57C8A-F0DC-7741-B309-5CA3B2A6EE97}" type="datetimeFigureOut">
               <a:rPr lang="en-US" smtClean="0"/>
-              <a:t>1/10/2018</a:t>
+              <a:t>1/12/2018</a:t>
             </a:fld>
             <a:endParaRPr lang="en-US"/>
           </a:p>
@@ -3030,10 +3039,9 @@
           <a:p>
             <a:pPr algn="l"/>
             <a:r>
-              <a:rPr lang="en-US" dirty="0" err="1"/>
-              <a:t>Bootcamp</a:t>
-            </a:r>
-            <a:endParaRPr lang="en-US" dirty="0"/>
+              <a:rPr lang="en-US" dirty="0"/>
+              <a:t>Bruce</a:t>
+            </a:r>
           </a:p>
         </p:txBody>
       </p:sp>
@@ -3073,7 +3081,7 @@
 </p:sld>
 </file>
 
-<file path=ppt/slides/slide2.xml><?xml version="1.0" encoding="utf-8"?>
+<file path=ppt/slides/slide10.xml><?xml version="1.0" encoding="utf-8"?>
 <p:sld xmlns:a="http://schemas.openxmlformats.org/drawingml/2006/main" xmlns:r="http://schemas.openxmlformats.org/officeDocument/2006/relationships" xmlns:p="http://schemas.openxmlformats.org/presentationml/2006/main">
   <p:cSld>
     <p:spTree>
@@ -3107,7 +3115,7 @@
           <a:p>
             <a:r>
               <a:rPr lang="en-US" dirty="0"/>
-              <a:t>Problem 1</a:t>
+              <a:t>Problem 2 Array</a:t>
             </a:r>
           </a:p>
         </p:txBody>
@@ -3144,91 +3152,474 @@
       </p:pic>
       <p:sp>
         <p:nvSpPr>
-          <p:cNvPr id="4" name="内容占位符 3">
+          <p:cNvPr id="7" name="内容占位符 3">
             <a:extLst>
               <a:ext uri="{FF2B5EF4-FFF2-40B4-BE49-F238E27FC236}">
-                <a16:creationId xmlns:a16="http://schemas.microsoft.com/office/drawing/2014/main" id="{889CE1B0-099C-4482-BD06-5A8E6EAB34D3}"/>
+                <a16:creationId xmlns:a16="http://schemas.microsoft.com/office/drawing/2014/main" id="{511C4F7A-2DB6-48EA-89B8-BA4D6BAAD560}"/>
               </a:ext>
             </a:extLst>
           </p:cNvPr>
-          <p:cNvSpPr>
-            <a:spLocks noGrp="1"/>
+          <p:cNvSpPr txBox="1">
+            <a:spLocks/>
           </p:cNvSpPr>
-          <p:nvPr>
-            <p:ph idx="1"/>
-          </p:nvPr>
-        </p:nvSpPr>
-        <p:spPr/>
-        <p:txBody>
-          <a:bodyPr/>
-          <a:lstStyle/>
-          <a:p>
-            <a:r>
-              <a:rPr lang="en-NZ" dirty="0" err="1"/>
-              <a:t>uint</a:t>
-            </a:r>
+          <p:nvPr/>
+        </p:nvSpPr>
+        <p:spPr>
+          <a:xfrm>
+            <a:off x="838200" y="1825626"/>
+            <a:ext cx="9204960" cy="502788"/>
+          </a:xfrm>
+          <a:prstGeom prst="rect">
+            <a:avLst/>
+          </a:prstGeom>
+        </p:spPr>
+        <p:txBody>
+          <a:bodyPr vert="horz" lIns="91440" tIns="45720" rIns="91440" bIns="45720" rtlCol="0">
+            <a:normAutofit fontScale="85000" lnSpcReduction="10000"/>
+          </a:bodyPr>
+          <a:lstStyle>
+            <a:lvl1pPr marL="228600" indent="-228600" algn="l" defTabSz="914400" rtl="0" eaLnBrk="1" latinLnBrk="0" hangingPunct="1">
+              <a:lnSpc>
+                <a:spcPct val="90000"/>
+              </a:lnSpc>
+              <a:spcBef>
+                <a:spcPts val="1000"/>
+              </a:spcBef>
+              <a:buFont typeface="Arial" panose="020B0604020202020204" pitchFamily="34" charset="0"/>
+              <a:buChar char="•"/>
+              <a:defRPr sz="2800" kern="1200">
+                <a:solidFill>
+                  <a:schemeClr val="tx1"/>
+                </a:solidFill>
+                <a:latin typeface="+mn-lt"/>
+                <a:ea typeface="+mn-ea"/>
+                <a:cs typeface="+mn-cs"/>
+              </a:defRPr>
+            </a:lvl1pPr>
+            <a:lvl2pPr marL="685800" indent="-228600" algn="l" defTabSz="914400" rtl="0" eaLnBrk="1" latinLnBrk="0" hangingPunct="1">
+              <a:lnSpc>
+                <a:spcPct val="90000"/>
+              </a:lnSpc>
+              <a:spcBef>
+                <a:spcPts val="500"/>
+              </a:spcBef>
+              <a:buFont typeface="Arial" panose="020B0604020202020204" pitchFamily="34" charset="0"/>
+              <a:buChar char="•"/>
+              <a:defRPr sz="2400" kern="1200">
+                <a:solidFill>
+                  <a:schemeClr val="tx1"/>
+                </a:solidFill>
+                <a:latin typeface="+mn-lt"/>
+                <a:ea typeface="+mn-ea"/>
+                <a:cs typeface="+mn-cs"/>
+              </a:defRPr>
+            </a:lvl2pPr>
+            <a:lvl3pPr marL="1143000" indent="-228600" algn="l" defTabSz="914400" rtl="0" eaLnBrk="1" latinLnBrk="0" hangingPunct="1">
+              <a:lnSpc>
+                <a:spcPct val="90000"/>
+              </a:lnSpc>
+              <a:spcBef>
+                <a:spcPts val="500"/>
+              </a:spcBef>
+              <a:buFont typeface="Arial" panose="020B0604020202020204" pitchFamily="34" charset="0"/>
+              <a:buChar char="•"/>
+              <a:defRPr sz="2000" kern="1200">
+                <a:solidFill>
+                  <a:schemeClr val="tx1"/>
+                </a:solidFill>
+                <a:latin typeface="+mn-lt"/>
+                <a:ea typeface="+mn-ea"/>
+                <a:cs typeface="+mn-cs"/>
+              </a:defRPr>
+            </a:lvl3pPr>
+            <a:lvl4pPr marL="1600200" indent="-228600" algn="l" defTabSz="914400" rtl="0" eaLnBrk="1" latinLnBrk="0" hangingPunct="1">
+              <a:lnSpc>
+                <a:spcPct val="90000"/>
+              </a:lnSpc>
+              <a:spcBef>
+                <a:spcPts val="500"/>
+              </a:spcBef>
+              <a:buFont typeface="Arial" panose="020B0604020202020204" pitchFamily="34" charset="0"/>
+              <a:buChar char="•"/>
+              <a:defRPr sz="1800" kern="1200">
+                <a:solidFill>
+                  <a:schemeClr val="tx1"/>
+                </a:solidFill>
+                <a:latin typeface="+mn-lt"/>
+                <a:ea typeface="+mn-ea"/>
+                <a:cs typeface="+mn-cs"/>
+              </a:defRPr>
+            </a:lvl4pPr>
+            <a:lvl5pPr marL="2057400" indent="-228600" algn="l" defTabSz="914400" rtl="0" eaLnBrk="1" latinLnBrk="0" hangingPunct="1">
+              <a:lnSpc>
+                <a:spcPct val="90000"/>
+              </a:lnSpc>
+              <a:spcBef>
+                <a:spcPts val="500"/>
+              </a:spcBef>
+              <a:buFont typeface="Arial" panose="020B0604020202020204" pitchFamily="34" charset="0"/>
+              <a:buChar char="•"/>
+              <a:defRPr sz="1800" kern="1200">
+                <a:solidFill>
+                  <a:schemeClr val="tx1"/>
+                </a:solidFill>
+                <a:latin typeface="+mn-lt"/>
+                <a:ea typeface="+mn-ea"/>
+                <a:cs typeface="+mn-cs"/>
+              </a:defRPr>
+            </a:lvl5pPr>
+            <a:lvl6pPr marL="2514600" indent="-228600" algn="l" defTabSz="914400" rtl="0" eaLnBrk="1" latinLnBrk="0" hangingPunct="1">
+              <a:lnSpc>
+                <a:spcPct val="90000"/>
+              </a:lnSpc>
+              <a:spcBef>
+                <a:spcPts val="500"/>
+              </a:spcBef>
+              <a:buFont typeface="Arial" panose="020B0604020202020204" pitchFamily="34" charset="0"/>
+              <a:buChar char="•"/>
+              <a:defRPr sz="1800" kern="1200">
+                <a:solidFill>
+                  <a:schemeClr val="tx1"/>
+                </a:solidFill>
+                <a:latin typeface="+mn-lt"/>
+                <a:ea typeface="+mn-ea"/>
+                <a:cs typeface="+mn-cs"/>
+              </a:defRPr>
+            </a:lvl6pPr>
+            <a:lvl7pPr marL="2971800" indent="-228600" algn="l" defTabSz="914400" rtl="0" eaLnBrk="1" latinLnBrk="0" hangingPunct="1">
+              <a:lnSpc>
+                <a:spcPct val="90000"/>
+              </a:lnSpc>
+              <a:spcBef>
+                <a:spcPts val="500"/>
+              </a:spcBef>
+              <a:buFont typeface="Arial" panose="020B0604020202020204" pitchFamily="34" charset="0"/>
+              <a:buChar char="•"/>
+              <a:defRPr sz="1800" kern="1200">
+                <a:solidFill>
+                  <a:schemeClr val="tx1"/>
+                </a:solidFill>
+                <a:latin typeface="+mn-lt"/>
+                <a:ea typeface="+mn-ea"/>
+                <a:cs typeface="+mn-cs"/>
+              </a:defRPr>
+            </a:lvl7pPr>
+            <a:lvl8pPr marL="3429000" indent="-228600" algn="l" defTabSz="914400" rtl="0" eaLnBrk="1" latinLnBrk="0" hangingPunct="1">
+              <a:lnSpc>
+                <a:spcPct val="90000"/>
+              </a:lnSpc>
+              <a:spcBef>
+                <a:spcPts val="500"/>
+              </a:spcBef>
+              <a:buFont typeface="Arial" panose="020B0604020202020204" pitchFamily="34" charset="0"/>
+              <a:buChar char="•"/>
+              <a:defRPr sz="1800" kern="1200">
+                <a:solidFill>
+                  <a:schemeClr val="tx1"/>
+                </a:solidFill>
+                <a:latin typeface="+mn-lt"/>
+                <a:ea typeface="+mn-ea"/>
+                <a:cs typeface="+mn-cs"/>
+              </a:defRPr>
+            </a:lvl8pPr>
+            <a:lvl9pPr marL="3886200" indent="-228600" algn="l" defTabSz="914400" rtl="0" eaLnBrk="1" latinLnBrk="0" hangingPunct="1">
+              <a:lnSpc>
+                <a:spcPct val="90000"/>
+              </a:lnSpc>
+              <a:spcBef>
+                <a:spcPts val="500"/>
+              </a:spcBef>
+              <a:buFont typeface="Arial" panose="020B0604020202020204" pitchFamily="34" charset="0"/>
+              <a:buChar char="•"/>
+              <a:defRPr sz="1800" kern="1200">
+                <a:solidFill>
+                  <a:schemeClr val="tx1"/>
+                </a:solidFill>
+                <a:latin typeface="+mn-lt"/>
+                <a:ea typeface="+mn-ea"/>
+                <a:cs typeface="+mn-cs"/>
+              </a:defRPr>
+            </a:lvl9pPr>
+          </a:lstStyle>
+          <a:p>
             <a:r>
               <a:rPr lang="en-NZ" dirty="0"/>
-              <a:t>[] memory a = new </a:t>
-            </a:r>
-            <a:r>
-              <a:rPr lang="en-NZ" dirty="0" err="1"/>
-              <a:t>uint</a:t>
-            </a:r>
-            <a:r>
-              <a:rPr lang="en-NZ" dirty="0"/>
-              <a:t>[](</a:t>
-            </a:r>
-            <a:r>
-              <a:rPr lang="en-NZ" dirty="0">
-                <a:solidFill>
-                  <a:srgbClr val="FF0000"/>
-                </a:solidFill>
-              </a:rPr>
-              <a:t>7</a:t>
-            </a:r>
-            <a:r>
-              <a:rPr lang="en-NZ" dirty="0"/>
-              <a:t>);</a:t>
-            </a:r>
-          </a:p>
-          <a:p>
-            <a:pPr marL="0" indent="0">
-              <a:buNone/>
-            </a:pPr>
-            <a:r>
-              <a:rPr lang="en-NZ" dirty="0"/>
-              <a:t>What is this </a:t>
-            </a:r>
-            <a:r>
-              <a:rPr lang="en-NZ" dirty="0">
-                <a:solidFill>
-                  <a:srgbClr val="FF0000"/>
-                </a:solidFill>
-              </a:rPr>
-              <a:t>7 </a:t>
-            </a:r>
-            <a:r>
-              <a:rPr lang="en-NZ" dirty="0"/>
-              <a:t>stands for?</a:t>
-            </a:r>
-          </a:p>
-        </p:txBody>
-      </p:sp>
+              <a:t>Dynamically-sized array – allow to change length and push elements</a:t>
+            </a:r>
+          </a:p>
+        </p:txBody>
+      </p:sp>
+      <p:pic>
+        <p:nvPicPr>
+          <p:cNvPr id="3" name="图片 2">
+            <a:extLst>
+              <a:ext uri="{FF2B5EF4-FFF2-40B4-BE49-F238E27FC236}">
+                <a16:creationId xmlns:a16="http://schemas.microsoft.com/office/drawing/2014/main" id="{40E0E17F-AB01-4611-80D5-CEEAC993ACE5}"/>
+              </a:ext>
+            </a:extLst>
+          </p:cNvPr>
+          <p:cNvPicPr>
+            <a:picLocks noChangeAspect="1"/>
+          </p:cNvPicPr>
+          <p:nvPr/>
+        </p:nvPicPr>
+        <p:blipFill>
+          <a:blip r:embed="rId3"/>
+          <a:stretch>
+            <a:fillRect/>
+          </a:stretch>
+        </p:blipFill>
+        <p:spPr>
+          <a:xfrm>
+            <a:off x="959998" y="2331625"/>
+            <a:ext cx="9451583" cy="3718655"/>
+          </a:xfrm>
+          <a:prstGeom prst="rect">
+            <a:avLst/>
+          </a:prstGeom>
+          <a:ln>
+            <a:solidFill>
+              <a:schemeClr val="tx1"/>
+            </a:solidFill>
+          </a:ln>
+        </p:spPr>
+      </p:pic>
+      <p:cxnSp>
+        <p:nvCxnSpPr>
+          <p:cNvPr id="8" name="直接连接符 7">
+            <a:extLst>
+              <a:ext uri="{FF2B5EF4-FFF2-40B4-BE49-F238E27FC236}">
+                <a16:creationId xmlns:a16="http://schemas.microsoft.com/office/drawing/2014/main" id="{1A890A12-9D80-4769-B19C-C6DE2B119908}"/>
+              </a:ext>
+            </a:extLst>
+          </p:cNvPr>
+          <p:cNvCxnSpPr>
+            <a:cxnSpLocks/>
+          </p:cNvCxnSpPr>
+          <p:nvPr/>
+        </p:nvCxnSpPr>
+        <p:spPr>
+          <a:xfrm>
+            <a:off x="6522720" y="4336870"/>
+            <a:ext cx="1132114" cy="0"/>
+          </a:xfrm>
+          <a:prstGeom prst="line">
+            <a:avLst/>
+          </a:prstGeom>
+          <a:ln w="57150">
+            <a:solidFill>
+              <a:srgbClr val="C00000"/>
+            </a:solidFill>
+          </a:ln>
+        </p:spPr>
+        <p:style>
+          <a:lnRef idx="3">
+            <a:schemeClr val="accent2"/>
+          </a:lnRef>
+          <a:fillRef idx="0">
+            <a:schemeClr val="accent2"/>
+          </a:fillRef>
+          <a:effectRef idx="2">
+            <a:schemeClr val="accent2"/>
+          </a:effectRef>
+          <a:fontRef idx="minor">
+            <a:schemeClr val="tx1"/>
+          </a:fontRef>
+        </p:style>
+      </p:cxnSp>
+      <p:cxnSp>
+        <p:nvCxnSpPr>
+          <p:cNvPr id="11" name="直接连接符 10">
+            <a:extLst>
+              <a:ext uri="{FF2B5EF4-FFF2-40B4-BE49-F238E27FC236}">
+                <a16:creationId xmlns:a16="http://schemas.microsoft.com/office/drawing/2014/main" id="{AC4F4C72-22D5-4B93-AB16-336B52EEB50C}"/>
+              </a:ext>
+            </a:extLst>
+          </p:cNvPr>
+          <p:cNvCxnSpPr>
+            <a:cxnSpLocks/>
+          </p:cNvCxnSpPr>
+          <p:nvPr/>
+        </p:nvCxnSpPr>
+        <p:spPr>
+          <a:xfrm>
+            <a:off x="6335486" y="5769430"/>
+            <a:ext cx="1240971" cy="0"/>
+          </a:xfrm>
+          <a:prstGeom prst="line">
+            <a:avLst/>
+          </a:prstGeom>
+          <a:ln w="57150">
+            <a:solidFill>
+              <a:srgbClr val="C00000"/>
+            </a:solidFill>
+          </a:ln>
+        </p:spPr>
+        <p:style>
+          <a:lnRef idx="3">
+            <a:schemeClr val="accent2"/>
+          </a:lnRef>
+          <a:fillRef idx="0">
+            <a:schemeClr val="accent2"/>
+          </a:fillRef>
+          <a:effectRef idx="2">
+            <a:schemeClr val="accent2"/>
+          </a:effectRef>
+          <a:fontRef idx="minor">
+            <a:schemeClr val="tx1"/>
+          </a:fontRef>
+        </p:style>
+      </p:cxnSp>
     </p:spTree>
     <p:extLst>
       <p:ext uri="{BB962C8B-B14F-4D97-AF65-F5344CB8AC3E}">
-        <p14:creationId xmlns:p14="http://schemas.microsoft.com/office/powerpoint/2010/main" val="1687926652"/>
+        <p14:creationId xmlns:p14="http://schemas.microsoft.com/office/powerpoint/2010/main" val="1678834585"/>
       </p:ext>
     </p:extLst>
   </p:cSld>
   <p:clrMapOvr>
     <a:masterClrMapping/>
   </p:clrMapOvr>
+  <p:timing>
+    <p:tnLst>
+      <p:par>
+        <p:cTn id="1" dur="indefinite" restart="never" nodeType="tmRoot">
+          <p:childTnLst>
+            <p:seq concurrent="1" nextAc="seek">
+              <p:cTn id="2" dur="indefinite" nodeType="mainSeq">
+                <p:childTnLst>
+                  <p:par>
+                    <p:cTn id="3" fill="hold">
+                      <p:stCondLst>
+                        <p:cond delay="indefinite"/>
+                      </p:stCondLst>
+                      <p:childTnLst>
+                        <p:par>
+                          <p:cTn id="4" fill="hold">
+                            <p:stCondLst>
+                              <p:cond delay="0"/>
+                            </p:stCondLst>
+                            <p:childTnLst>
+                              <p:par>
+                                <p:cTn id="5" presetID="10" presetClass="entr" presetSubtype="0" fill="hold" nodeType="clickEffect">
+                                  <p:stCondLst>
+                                    <p:cond delay="0"/>
+                                  </p:stCondLst>
+                                  <p:childTnLst>
+                                    <p:set>
+                                      <p:cBhvr>
+                                        <p:cTn id="6" dur="1" fill="hold">
+                                          <p:stCondLst>
+                                            <p:cond delay="0"/>
+                                          </p:stCondLst>
+                                        </p:cTn>
+                                        <p:tgtEl>
+                                          <p:spTgt spid="8"/>
+                                        </p:tgtEl>
+                                        <p:attrNameLst>
+                                          <p:attrName>style.visibility</p:attrName>
+                                        </p:attrNameLst>
+                                      </p:cBhvr>
+                                      <p:to>
+                                        <p:strVal val="visible"/>
+                                      </p:to>
+                                    </p:set>
+                                    <p:animEffect transition="in" filter="fade">
+                                      <p:cBhvr>
+                                        <p:cTn id="7" dur="500"/>
+                                        <p:tgtEl>
+                                          <p:spTgt spid="8"/>
+                                        </p:tgtEl>
+                                      </p:cBhvr>
+                                    </p:animEffect>
+                                  </p:childTnLst>
+                                </p:cTn>
+                              </p:par>
+                            </p:childTnLst>
+                          </p:cTn>
+                        </p:par>
+                      </p:childTnLst>
+                    </p:cTn>
+                  </p:par>
+                  <p:par>
+                    <p:cTn id="8" fill="hold">
+                      <p:stCondLst>
+                        <p:cond delay="indefinite"/>
+                      </p:stCondLst>
+                      <p:childTnLst>
+                        <p:par>
+                          <p:cTn id="9" fill="hold">
+                            <p:stCondLst>
+                              <p:cond delay="0"/>
+                            </p:stCondLst>
+                            <p:childTnLst>
+                              <p:par>
+                                <p:cTn id="10" presetID="10" presetClass="entr" presetSubtype="0" fill="hold" nodeType="clickEffect">
+                                  <p:stCondLst>
+                                    <p:cond delay="0"/>
+                                  </p:stCondLst>
+                                  <p:childTnLst>
+                                    <p:set>
+                                      <p:cBhvr>
+                                        <p:cTn id="11" dur="1" fill="hold">
+                                          <p:stCondLst>
+                                            <p:cond delay="0"/>
+                                          </p:stCondLst>
+                                        </p:cTn>
+                                        <p:tgtEl>
+                                          <p:spTgt spid="11"/>
+                                        </p:tgtEl>
+                                        <p:attrNameLst>
+                                          <p:attrName>style.visibility</p:attrName>
+                                        </p:attrNameLst>
+                                      </p:cBhvr>
+                                      <p:to>
+                                        <p:strVal val="visible"/>
+                                      </p:to>
+                                    </p:set>
+                                    <p:animEffect transition="in" filter="fade">
+                                      <p:cBhvr>
+                                        <p:cTn id="12" dur="500"/>
+                                        <p:tgtEl>
+                                          <p:spTgt spid="11"/>
+                                        </p:tgtEl>
+                                      </p:cBhvr>
+                                    </p:animEffect>
+                                  </p:childTnLst>
+                                </p:cTn>
+                              </p:par>
+                            </p:childTnLst>
+                          </p:cTn>
+                        </p:par>
+                      </p:childTnLst>
+                    </p:cTn>
+                  </p:par>
+                </p:childTnLst>
+              </p:cTn>
+              <p:prevCondLst>
+                <p:cond evt="onPrev" delay="0">
+                  <p:tgtEl>
+                    <p:sldTgt/>
+                  </p:tgtEl>
+                </p:cond>
+              </p:prevCondLst>
+              <p:nextCondLst>
+                <p:cond evt="onNext" delay="0">
+                  <p:tgtEl>
+                    <p:sldTgt/>
+                  </p:tgtEl>
+                </p:cond>
+              </p:nextCondLst>
+            </p:seq>
+          </p:childTnLst>
+        </p:cTn>
+      </p:par>
+    </p:tnLst>
+  </p:timing>
 </p:sld>
 </file>
 
-<file path=ppt/slides/slide3.xml><?xml version="1.0" encoding="utf-8"?>
+<file path=ppt/slides/slide11.xml><?xml version="1.0" encoding="utf-8"?>
 <p:sld xmlns:a="http://schemas.openxmlformats.org/drawingml/2006/main" xmlns:r="http://schemas.openxmlformats.org/officeDocument/2006/relationships" xmlns:p="http://schemas.openxmlformats.org/presentationml/2006/main">
   <p:cSld>
     <p:spTree>
@@ -3262,7 +3653,7 @@
           <a:p>
             <a:r>
               <a:rPr lang="en-US" dirty="0"/>
-              <a:t>Problem 2</a:t>
+              <a:t>Problem 2 Array</a:t>
             </a:r>
           </a:p>
         </p:txBody>
@@ -3313,169 +3704,594 @@
             <p:ph idx="1"/>
           </p:nvPr>
         </p:nvSpPr>
-        <p:spPr/>
-        <p:txBody>
-          <a:bodyPr/>
+        <p:spPr>
+          <a:xfrm>
+            <a:off x="838200" y="1398906"/>
+            <a:ext cx="10515600" cy="633012"/>
+          </a:xfrm>
+        </p:spPr>
+        <p:txBody>
+          <a:bodyPr>
+            <a:normAutofit/>
+          </a:bodyPr>
           <a:lstStyle/>
           <a:p>
             <a:r>
+              <a:rPr lang="en-NZ" dirty="0" err="1"/>
+              <a:t>uint</a:t>
+            </a:r>
+            <a:r>
               <a:rPr lang="en-NZ" dirty="0"/>
-              <a:t>In what case do you use </a:t>
-            </a:r>
-            <a:r>
-              <a:rPr lang="en-US" altLang="zh-CN" dirty="0"/>
-              <a:t>e</a:t>
+              <a:t>[] </a:t>
+            </a:r>
+            <a:r>
+              <a:rPr lang="en-NZ" dirty="0" err="1"/>
+              <a:t>arrayName</a:t>
             </a:r>
             <a:r>
               <a:rPr lang="en-NZ" dirty="0"/>
-              <a:t>numeration?</a:t>
-            </a:r>
-          </a:p>
-          <a:p>
-            <a:pPr marL="0" indent="0">
-              <a:buNone/>
-            </a:pPr>
-            <a:r>
-              <a:rPr lang="en-NZ" dirty="0" err="1">
+              <a:t> = new </a:t>
+            </a:r>
+            <a:r>
+              <a:rPr lang="en-NZ" dirty="0" err="1"/>
+              <a:t>uint</a:t>
+            </a:r>
+            <a:r>
+              <a:rPr lang="en-NZ" dirty="0"/>
+              <a:t>[](</a:t>
+            </a:r>
+            <a:r>
+              <a:rPr lang="en-NZ" dirty="0">
                 <a:solidFill>
                   <a:srgbClr val="FF0000"/>
                 </a:solidFill>
               </a:rPr>
-              <a:t>enum</a:t>
+              <a:t>7</a:t>
             </a:r>
             <a:r>
               <a:rPr lang="en-NZ" dirty="0"/>
-              <a:t> </a:t>
-            </a:r>
-            <a:r>
-              <a:rPr lang="en-NZ" dirty="0" err="1"/>
-              <a:t>ActionChoices</a:t>
+              <a:t>);What is this </a:t>
+            </a:r>
+            <a:r>
+              <a:rPr lang="en-NZ" dirty="0">
+                <a:solidFill>
+                  <a:srgbClr val="FF0000"/>
+                </a:solidFill>
+              </a:rPr>
+              <a:t>7 </a:t>
             </a:r>
             <a:r>
               <a:rPr lang="en-NZ" dirty="0"/>
-              <a:t> { </a:t>
-            </a:r>
-            <a:r>
-              <a:rPr lang="en-NZ" dirty="0" err="1"/>
-              <a:t>GoLeft</a:t>
-            </a:r>
-            <a:r>
-              <a:rPr lang="en-NZ" dirty="0"/>
-              <a:t>, </a:t>
-            </a:r>
-            <a:r>
-              <a:rPr lang="en-NZ" dirty="0" err="1"/>
-              <a:t>GoRight</a:t>
-            </a:r>
-            <a:r>
-              <a:rPr lang="en-NZ" dirty="0"/>
-              <a:t>, </a:t>
-            </a:r>
-            <a:r>
-              <a:rPr lang="en-NZ" dirty="0" err="1"/>
-              <a:t>GoStraight</a:t>
-            </a:r>
-            <a:r>
-              <a:rPr lang="en-NZ" dirty="0"/>
-              <a:t>, </a:t>
-            </a:r>
-            <a:r>
-              <a:rPr lang="en-NZ" dirty="0" err="1"/>
-              <a:t>SitStill</a:t>
-            </a:r>
-            <a:r>
-              <a:rPr lang="en-NZ" dirty="0"/>
-              <a:t> }</a:t>
-            </a:r>
-          </a:p>
-          <a:p>
-            <a:pPr marL="0" indent="0">
-              <a:buNone/>
-            </a:pPr>
-            <a:r>
-              <a:rPr lang="en-NZ" dirty="0"/>
-              <a:t>    </a:t>
-            </a:r>
-            <a:r>
-              <a:rPr lang="en-NZ" dirty="0" err="1"/>
-              <a:t>ActionChoices</a:t>
-            </a:r>
-            <a:r>
-              <a:rPr lang="en-NZ" dirty="0"/>
-              <a:t> choice;</a:t>
-            </a:r>
-          </a:p>
-          <a:p>
-            <a:pPr marL="0" indent="0">
-              <a:buNone/>
-            </a:pPr>
-            <a:r>
-              <a:rPr lang="en-NZ" dirty="0"/>
-              <a:t>function </a:t>
-            </a:r>
-            <a:r>
-              <a:rPr lang="en-NZ" dirty="0" err="1"/>
-              <a:t>setGoStraight</a:t>
-            </a:r>
-            <a:r>
-              <a:rPr lang="en-NZ" dirty="0"/>
-              <a:t>(</a:t>
-            </a:r>
-            <a:r>
-              <a:rPr lang="en-NZ" dirty="0" err="1"/>
-              <a:t>ActionChoices</a:t>
-            </a:r>
-            <a:r>
-              <a:rPr lang="en-NZ" dirty="0"/>
-              <a:t> _choice) public {</a:t>
-            </a:r>
-          </a:p>
-          <a:p>
-            <a:pPr marL="0" indent="0">
-              <a:buNone/>
-            </a:pPr>
-            <a:r>
-              <a:rPr lang="en-NZ" dirty="0"/>
-              <a:t>        choice = _choice;</a:t>
-            </a:r>
-          </a:p>
-          <a:p>
-            <a:pPr marL="0" indent="0">
-              <a:buNone/>
-            </a:pPr>
-            <a:r>
-              <a:rPr lang="en-NZ" dirty="0"/>
-              <a:t>}</a:t>
-            </a:r>
-          </a:p>
-          <a:p>
-            <a:pPr marL="0" indent="0">
-              <a:buNone/>
-            </a:pPr>
+              <a:t>stands for?</a:t>
+            </a:r>
+          </a:p>
+        </p:txBody>
+      </p:sp>
+      <p:sp>
+        <p:nvSpPr>
+          <p:cNvPr id="3" name="矩形 2">
+            <a:extLst>
+              <a:ext uri="{FF2B5EF4-FFF2-40B4-BE49-F238E27FC236}">
+                <a16:creationId xmlns:a16="http://schemas.microsoft.com/office/drawing/2014/main" id="{B24CDB67-4CE7-459C-B7B4-B92B62BA4F1C}"/>
+              </a:ext>
+            </a:extLst>
+          </p:cNvPr>
+          <p:cNvSpPr/>
+          <p:nvPr/>
+        </p:nvSpPr>
+        <p:spPr>
+          <a:xfrm>
+            <a:off x="838200" y="3449661"/>
+            <a:ext cx="10343606" cy="800219"/>
+          </a:xfrm>
+          <a:prstGeom prst="rect">
+            <a:avLst/>
+          </a:prstGeom>
+        </p:spPr>
+        <p:txBody>
+          <a:bodyPr wrap="square">
+            <a:spAutoFit/>
+          </a:bodyPr>
+          <a:lstStyle/>
+          <a:p>
             <a:endParaRPr lang="en-NZ" dirty="0"/>
           </a:p>
           <a:p>
-            <a:pPr marL="0" indent="0">
-              <a:buNone/>
-            </a:pPr>
-            <a:endParaRPr lang="en-NZ" dirty="0"/>
+            <a:r>
+              <a:rPr lang="en-NZ" sz="2800" dirty="0"/>
+              <a:t>What’s the </a:t>
+            </a:r>
+            <a:r>
+              <a:rPr lang="en-NZ" sz="2800" dirty="0">
+                <a:solidFill>
+                  <a:srgbClr val="FF0000"/>
+                </a:solidFill>
+              </a:rPr>
+              <a:t>difference</a:t>
+            </a:r>
+            <a:r>
+              <a:rPr lang="en-NZ" sz="2800" dirty="0"/>
+              <a:t> between this and </a:t>
+            </a:r>
+            <a:r>
+              <a:rPr lang="en-NZ" sz="2800" dirty="0" err="1"/>
+              <a:t>uint</a:t>
+            </a:r>
+            <a:r>
+              <a:rPr lang="en-NZ" sz="2800" dirty="0"/>
+              <a:t>[7]?</a:t>
+            </a:r>
+          </a:p>
+        </p:txBody>
+      </p:sp>
+      <p:sp>
+        <p:nvSpPr>
+          <p:cNvPr id="7" name="矩形 6">
+            <a:extLst>
+              <a:ext uri="{FF2B5EF4-FFF2-40B4-BE49-F238E27FC236}">
+                <a16:creationId xmlns:a16="http://schemas.microsoft.com/office/drawing/2014/main" id="{246D4684-7729-4D4D-8075-B7D7289C31AF}"/>
+              </a:ext>
+            </a:extLst>
+          </p:cNvPr>
+          <p:cNvSpPr/>
+          <p:nvPr/>
+        </p:nvSpPr>
+        <p:spPr>
+          <a:xfrm>
+            <a:off x="838200" y="5695126"/>
+            <a:ext cx="10343606" cy="523220"/>
+          </a:xfrm>
+          <a:prstGeom prst="rect">
+            <a:avLst/>
+          </a:prstGeom>
+        </p:spPr>
+        <p:txBody>
+          <a:bodyPr wrap="square">
+            <a:spAutoFit/>
+          </a:bodyPr>
+          <a:lstStyle/>
+          <a:p>
+            <a:r>
+              <a:rPr lang="en-NZ" sz="2800" dirty="0"/>
+              <a:t>How to put it into practice?</a:t>
+            </a:r>
+          </a:p>
+        </p:txBody>
+      </p:sp>
+      <p:sp>
+        <p:nvSpPr>
+          <p:cNvPr id="5" name="矩形 4">
+            <a:extLst>
+              <a:ext uri="{FF2B5EF4-FFF2-40B4-BE49-F238E27FC236}">
+                <a16:creationId xmlns:a16="http://schemas.microsoft.com/office/drawing/2014/main" id="{6E89F110-F65B-404B-A3C5-890850173A75}"/>
+              </a:ext>
+            </a:extLst>
+          </p:cNvPr>
+          <p:cNvSpPr/>
+          <p:nvPr/>
+        </p:nvSpPr>
+        <p:spPr>
+          <a:xfrm>
+            <a:off x="838199" y="1947816"/>
+            <a:ext cx="10735491" cy="1384995"/>
+          </a:xfrm>
+          <a:prstGeom prst="rect">
+            <a:avLst/>
+          </a:prstGeom>
+        </p:spPr>
+        <p:txBody>
+          <a:bodyPr wrap="square">
+            <a:spAutoFit/>
+          </a:bodyPr>
+          <a:lstStyle/>
+          <a:p>
+            <a:r>
+              <a:rPr lang="en-NZ" sz="2800" dirty="0"/>
+              <a:t>It is the length of the new array.</a:t>
+            </a:r>
+          </a:p>
+          <a:p>
+            <a:r>
+              <a:rPr lang="en-NZ" sz="2800" dirty="0"/>
+              <a:t>The new array is a dynamically-sized array initialized with 7 elements.</a:t>
+            </a:r>
+          </a:p>
+          <a:p>
+            <a:r>
+              <a:rPr lang="en-NZ" sz="2800" dirty="0"/>
+              <a:t>All initialized elements are all zeros. It looks like this: [0, 0, 0, 0, 0, 0, 0] </a:t>
+            </a:r>
+          </a:p>
+        </p:txBody>
+      </p:sp>
+      <p:sp>
+        <p:nvSpPr>
+          <p:cNvPr id="8" name="矩形 7">
+            <a:extLst>
+              <a:ext uri="{FF2B5EF4-FFF2-40B4-BE49-F238E27FC236}">
+                <a16:creationId xmlns:a16="http://schemas.microsoft.com/office/drawing/2014/main" id="{2DBB7AD0-12AE-42EB-8FBE-D0288791A410}"/>
+              </a:ext>
+            </a:extLst>
+          </p:cNvPr>
+          <p:cNvSpPr/>
+          <p:nvPr/>
+        </p:nvSpPr>
+        <p:spPr>
+          <a:xfrm>
+            <a:off x="838198" y="4190803"/>
+            <a:ext cx="10343607" cy="954107"/>
+          </a:xfrm>
+          <a:prstGeom prst="rect">
+            <a:avLst/>
+          </a:prstGeom>
+        </p:spPr>
+        <p:txBody>
+          <a:bodyPr wrap="square">
+            <a:spAutoFit/>
+          </a:bodyPr>
+          <a:lstStyle/>
+          <a:p>
+            <a:r>
+              <a:rPr lang="en-NZ" sz="2800" dirty="0" err="1"/>
+              <a:t>Uint</a:t>
+            </a:r>
+            <a:r>
+              <a:rPr lang="en-NZ" sz="2800" dirty="0"/>
+              <a:t>[7] is a fixed-sized array, you cannot change length or push new element to it.</a:t>
+            </a:r>
+          </a:p>
+        </p:txBody>
+      </p:sp>
+      <p:sp>
+        <p:nvSpPr>
+          <p:cNvPr id="9" name="矩形 8">
+            <a:extLst>
+              <a:ext uri="{FF2B5EF4-FFF2-40B4-BE49-F238E27FC236}">
+                <a16:creationId xmlns:a16="http://schemas.microsoft.com/office/drawing/2014/main" id="{1B39CAA9-716F-42DA-A572-7708174F96EC}"/>
+              </a:ext>
+            </a:extLst>
+          </p:cNvPr>
+          <p:cNvSpPr/>
+          <p:nvPr/>
+        </p:nvSpPr>
+        <p:spPr>
+          <a:xfrm>
+            <a:off x="838200" y="6151453"/>
+            <a:ext cx="10343606" cy="523220"/>
+          </a:xfrm>
+          <a:prstGeom prst="rect">
+            <a:avLst/>
+          </a:prstGeom>
+        </p:spPr>
+        <p:txBody>
+          <a:bodyPr wrap="square">
+            <a:spAutoFit/>
+          </a:bodyPr>
+          <a:lstStyle/>
+          <a:p>
+            <a:r>
+              <a:rPr lang="en-NZ" sz="2800" dirty="0"/>
+              <a:t>Just a faster way to create an array with several 0 in it……</a:t>
+            </a:r>
           </a:p>
         </p:txBody>
       </p:sp>
     </p:spTree>
     <p:extLst>
       <p:ext uri="{BB962C8B-B14F-4D97-AF65-F5344CB8AC3E}">
-        <p14:creationId xmlns:p14="http://schemas.microsoft.com/office/powerpoint/2010/main" val="671645030"/>
+        <p14:creationId xmlns:p14="http://schemas.microsoft.com/office/powerpoint/2010/main" val="1217837799"/>
       </p:ext>
     </p:extLst>
   </p:cSld>
   <p:clrMapOvr>
     <a:masterClrMapping/>
   </p:clrMapOvr>
+  <p:timing>
+    <p:tnLst>
+      <p:par>
+        <p:cTn id="1" dur="indefinite" restart="never" nodeType="tmRoot">
+          <p:childTnLst>
+            <p:seq concurrent="1" nextAc="seek">
+              <p:cTn id="2" dur="indefinite" nodeType="mainSeq">
+                <p:childTnLst>
+                  <p:par>
+                    <p:cTn id="3" fill="hold">
+                      <p:stCondLst>
+                        <p:cond delay="indefinite"/>
+                      </p:stCondLst>
+                      <p:childTnLst>
+                        <p:par>
+                          <p:cTn id="4" fill="hold">
+                            <p:stCondLst>
+                              <p:cond delay="0"/>
+                            </p:stCondLst>
+                            <p:childTnLst>
+                              <p:par>
+                                <p:cTn id="5" presetID="10" presetClass="entr" presetSubtype="0" fill="hold" grpId="0" nodeType="clickEffect">
+                                  <p:stCondLst>
+                                    <p:cond delay="0"/>
+                                  </p:stCondLst>
+                                  <p:childTnLst>
+                                    <p:set>
+                                      <p:cBhvr>
+                                        <p:cTn id="6" dur="1" fill="hold">
+                                          <p:stCondLst>
+                                            <p:cond delay="0"/>
+                                          </p:stCondLst>
+                                        </p:cTn>
+                                        <p:tgtEl>
+                                          <p:spTgt spid="5"/>
+                                        </p:tgtEl>
+                                        <p:attrNameLst>
+                                          <p:attrName>style.visibility</p:attrName>
+                                        </p:attrNameLst>
+                                      </p:cBhvr>
+                                      <p:to>
+                                        <p:strVal val="visible"/>
+                                      </p:to>
+                                    </p:set>
+                                    <p:animEffect transition="in" filter="fade">
+                                      <p:cBhvr>
+                                        <p:cTn id="7" dur="500"/>
+                                        <p:tgtEl>
+                                          <p:spTgt spid="5"/>
+                                        </p:tgtEl>
+                                      </p:cBhvr>
+                                    </p:animEffect>
+                                  </p:childTnLst>
+                                </p:cTn>
+                              </p:par>
+                            </p:childTnLst>
+                          </p:cTn>
+                        </p:par>
+                      </p:childTnLst>
+                    </p:cTn>
+                  </p:par>
+                  <p:par>
+                    <p:cTn id="8" fill="hold">
+                      <p:stCondLst>
+                        <p:cond delay="indefinite"/>
+                      </p:stCondLst>
+                      <p:childTnLst>
+                        <p:par>
+                          <p:cTn id="9" fill="hold">
+                            <p:stCondLst>
+                              <p:cond delay="0"/>
+                            </p:stCondLst>
+                            <p:childTnLst>
+                              <p:par>
+                                <p:cTn id="10" presetID="10" presetClass="entr" presetSubtype="0" fill="hold" grpId="0" nodeType="clickEffect">
+                                  <p:stCondLst>
+                                    <p:cond delay="0"/>
+                                  </p:stCondLst>
+                                  <p:childTnLst>
+                                    <p:set>
+                                      <p:cBhvr>
+                                        <p:cTn id="11" dur="1" fill="hold">
+                                          <p:stCondLst>
+                                            <p:cond delay="0"/>
+                                          </p:stCondLst>
+                                        </p:cTn>
+                                        <p:tgtEl>
+                                          <p:spTgt spid="3"/>
+                                        </p:tgtEl>
+                                        <p:attrNameLst>
+                                          <p:attrName>style.visibility</p:attrName>
+                                        </p:attrNameLst>
+                                      </p:cBhvr>
+                                      <p:to>
+                                        <p:strVal val="visible"/>
+                                      </p:to>
+                                    </p:set>
+                                    <p:animEffect transition="in" filter="fade">
+                                      <p:cBhvr>
+                                        <p:cTn id="12" dur="500"/>
+                                        <p:tgtEl>
+                                          <p:spTgt spid="3"/>
+                                        </p:tgtEl>
+                                      </p:cBhvr>
+                                    </p:animEffect>
+                                  </p:childTnLst>
+                                </p:cTn>
+                              </p:par>
+                            </p:childTnLst>
+                          </p:cTn>
+                        </p:par>
+                      </p:childTnLst>
+                    </p:cTn>
+                  </p:par>
+                  <p:par>
+                    <p:cTn id="13" fill="hold">
+                      <p:stCondLst>
+                        <p:cond delay="indefinite"/>
+                      </p:stCondLst>
+                      <p:childTnLst>
+                        <p:par>
+                          <p:cTn id="14" fill="hold">
+                            <p:stCondLst>
+                              <p:cond delay="0"/>
+                            </p:stCondLst>
+                            <p:childTnLst>
+                              <p:par>
+                                <p:cTn id="15" presetID="10" presetClass="entr" presetSubtype="0" fill="hold" grpId="0" nodeType="clickEffect">
+                                  <p:stCondLst>
+                                    <p:cond delay="0"/>
+                                  </p:stCondLst>
+                                  <p:childTnLst>
+                                    <p:set>
+                                      <p:cBhvr>
+                                        <p:cTn id="16" dur="1" fill="hold">
+                                          <p:stCondLst>
+                                            <p:cond delay="0"/>
+                                          </p:stCondLst>
+                                        </p:cTn>
+                                        <p:tgtEl>
+                                          <p:spTgt spid="8"/>
+                                        </p:tgtEl>
+                                        <p:attrNameLst>
+                                          <p:attrName>style.visibility</p:attrName>
+                                        </p:attrNameLst>
+                                      </p:cBhvr>
+                                      <p:to>
+                                        <p:strVal val="visible"/>
+                                      </p:to>
+                                    </p:set>
+                                    <p:animEffect transition="in" filter="fade">
+                                      <p:cBhvr>
+                                        <p:cTn id="17" dur="500"/>
+                                        <p:tgtEl>
+                                          <p:spTgt spid="8"/>
+                                        </p:tgtEl>
+                                      </p:cBhvr>
+                                    </p:animEffect>
+                                  </p:childTnLst>
+                                </p:cTn>
+                              </p:par>
+                            </p:childTnLst>
+                          </p:cTn>
+                        </p:par>
+                      </p:childTnLst>
+                    </p:cTn>
+                  </p:par>
+                  <p:par>
+                    <p:cTn id="18" fill="hold">
+                      <p:stCondLst>
+                        <p:cond delay="indefinite"/>
+                      </p:stCondLst>
+                      <p:childTnLst>
+                        <p:par>
+                          <p:cTn id="19" fill="hold">
+                            <p:stCondLst>
+                              <p:cond delay="0"/>
+                            </p:stCondLst>
+                            <p:childTnLst>
+                              <p:par>
+                                <p:cTn id="20" presetID="10" presetClass="entr" presetSubtype="0" fill="hold" grpId="0" nodeType="clickEffect">
+                                  <p:stCondLst>
+                                    <p:cond delay="0"/>
+                                  </p:stCondLst>
+                                  <p:childTnLst>
+                                    <p:set>
+                                      <p:cBhvr>
+                                        <p:cTn id="21" dur="1" fill="hold">
+                                          <p:stCondLst>
+                                            <p:cond delay="0"/>
+                                          </p:stCondLst>
+                                        </p:cTn>
+                                        <p:tgtEl>
+                                          <p:spTgt spid="7"/>
+                                        </p:tgtEl>
+                                        <p:attrNameLst>
+                                          <p:attrName>style.visibility</p:attrName>
+                                        </p:attrNameLst>
+                                      </p:cBhvr>
+                                      <p:to>
+                                        <p:strVal val="visible"/>
+                                      </p:to>
+                                    </p:set>
+                                    <p:animEffect transition="in" filter="fade">
+                                      <p:cBhvr>
+                                        <p:cTn id="22" dur="500"/>
+                                        <p:tgtEl>
+                                          <p:spTgt spid="7"/>
+                                        </p:tgtEl>
+                                      </p:cBhvr>
+                                    </p:animEffect>
+                                  </p:childTnLst>
+                                </p:cTn>
+                              </p:par>
+                            </p:childTnLst>
+                          </p:cTn>
+                        </p:par>
+                      </p:childTnLst>
+                    </p:cTn>
+                  </p:par>
+                  <p:par>
+                    <p:cTn id="23" fill="hold">
+                      <p:stCondLst>
+                        <p:cond delay="indefinite"/>
+                      </p:stCondLst>
+                      <p:childTnLst>
+                        <p:par>
+                          <p:cTn id="24" fill="hold">
+                            <p:stCondLst>
+                              <p:cond delay="0"/>
+                            </p:stCondLst>
+                            <p:childTnLst>
+                              <p:par>
+                                <p:cTn id="25" presetID="10" presetClass="entr" presetSubtype="0" fill="hold" grpId="0" nodeType="clickEffect">
+                                  <p:stCondLst>
+                                    <p:cond delay="0"/>
+                                  </p:stCondLst>
+                                  <p:childTnLst>
+                                    <p:set>
+                                      <p:cBhvr>
+                                        <p:cTn id="26" dur="1" fill="hold">
+                                          <p:stCondLst>
+                                            <p:cond delay="0"/>
+                                          </p:stCondLst>
+                                        </p:cTn>
+                                        <p:tgtEl>
+                                          <p:spTgt spid="9"/>
+                                        </p:tgtEl>
+                                        <p:attrNameLst>
+                                          <p:attrName>style.visibility</p:attrName>
+                                        </p:attrNameLst>
+                                      </p:cBhvr>
+                                      <p:to>
+                                        <p:strVal val="visible"/>
+                                      </p:to>
+                                    </p:set>
+                                    <p:animEffect transition="in" filter="fade">
+                                      <p:cBhvr>
+                                        <p:cTn id="27" dur="500"/>
+                                        <p:tgtEl>
+                                          <p:spTgt spid="9"/>
+                                        </p:tgtEl>
+                                      </p:cBhvr>
+                                    </p:animEffect>
+                                  </p:childTnLst>
+                                </p:cTn>
+                              </p:par>
+                            </p:childTnLst>
+                          </p:cTn>
+                        </p:par>
+                      </p:childTnLst>
+                    </p:cTn>
+                  </p:par>
+                </p:childTnLst>
+              </p:cTn>
+              <p:prevCondLst>
+                <p:cond evt="onPrev" delay="0">
+                  <p:tgtEl>
+                    <p:sldTgt/>
+                  </p:tgtEl>
+                </p:cond>
+              </p:prevCondLst>
+              <p:nextCondLst>
+                <p:cond evt="onNext" delay="0">
+                  <p:tgtEl>
+                    <p:sldTgt/>
+                  </p:tgtEl>
+                </p:cond>
+              </p:nextCondLst>
+            </p:seq>
+          </p:childTnLst>
+        </p:cTn>
+      </p:par>
+    </p:tnLst>
+    <p:bldLst>
+      <p:bldP spid="3" grpId="0"/>
+      <p:bldP spid="7" grpId="0"/>
+      <p:bldP spid="5" grpId="0"/>
+      <p:bldP spid="8" grpId="0"/>
+      <p:bldP spid="9" grpId="0"/>
+    </p:bldLst>
+  </p:timing>
 </p:sld>
 </file>
 
-<file path=ppt/slides/slide4.xml><?xml version="1.0" encoding="utf-8"?>
+<file path=ppt/slides/slide12.xml><?xml version="1.0" encoding="utf-8"?>
 <p:sld xmlns:a="http://schemas.openxmlformats.org/drawingml/2006/main" xmlns:r="http://schemas.openxmlformats.org/officeDocument/2006/relationships" xmlns:p="http://schemas.openxmlformats.org/presentationml/2006/main">
   <p:cSld>
     <p:spTree>
@@ -3560,31 +4376,387 @@
             <p:ph idx="1"/>
           </p:nvPr>
         </p:nvSpPr>
-        <p:spPr/>
+        <p:spPr>
+          <a:xfrm>
+            <a:off x="838200" y="1825625"/>
+            <a:ext cx="10515600" cy="643255"/>
+          </a:xfrm>
+        </p:spPr>
         <p:txBody>
           <a:bodyPr/>
           <a:lstStyle/>
           <a:p>
             <a:r>
               <a:rPr lang="en-NZ" dirty="0"/>
-              <a:t>What does </a:t>
-            </a:r>
-            <a:r>
-              <a:rPr lang="en-NZ" dirty="0" err="1"/>
-              <a:t>msg.value</a:t>
+              <a:t>In what case do you use </a:t>
+            </a:r>
+            <a:r>
+              <a:rPr lang="en-US" altLang="zh-CN" dirty="0"/>
+              <a:t>e</a:t>
             </a:r>
             <a:r>
               <a:rPr lang="en-NZ" dirty="0"/>
-              <a:t> mean? People never set this value before using it. I have wrote some contract to test this value, but it seems like in different contracts it has different values. </a:t>
+              <a:t>numeration? </a:t>
             </a:r>
           </a:p>
           <a:p>
             <a:pPr marL="0" indent="0">
               <a:buNone/>
             </a:pPr>
-            <a:r>
-              <a:rPr lang="en-NZ" dirty="0"/>
-              <a:t>It can be set some where?</a:t>
+            <a:endParaRPr lang="en-NZ" dirty="0"/>
+          </a:p>
+        </p:txBody>
+      </p:sp>
+      <p:pic>
+        <p:nvPicPr>
+          <p:cNvPr id="5" name="图片 4">
+            <a:extLst>
+              <a:ext uri="{FF2B5EF4-FFF2-40B4-BE49-F238E27FC236}">
+                <a16:creationId xmlns:a16="http://schemas.microsoft.com/office/drawing/2014/main" id="{C7B86638-4ED6-43F4-831E-30F0DCA8D74E}"/>
+              </a:ext>
+            </a:extLst>
+          </p:cNvPr>
+          <p:cNvPicPr>
+            <a:picLocks noChangeAspect="1"/>
+          </p:cNvPicPr>
+          <p:nvPr/>
+        </p:nvPicPr>
+        <p:blipFill>
+          <a:blip r:embed="rId3"/>
+          <a:stretch>
+            <a:fillRect/>
+          </a:stretch>
+        </p:blipFill>
+        <p:spPr>
+          <a:xfrm>
+            <a:off x="838200" y="2603816"/>
+            <a:ext cx="10718905" cy="2661603"/>
+          </a:xfrm>
+          <a:prstGeom prst="rect">
+            <a:avLst/>
+          </a:prstGeom>
+        </p:spPr>
+      </p:pic>
+      <p:cxnSp>
+        <p:nvCxnSpPr>
+          <p:cNvPr id="7" name="直接连接符 6">
+            <a:extLst>
+              <a:ext uri="{FF2B5EF4-FFF2-40B4-BE49-F238E27FC236}">
+                <a16:creationId xmlns:a16="http://schemas.microsoft.com/office/drawing/2014/main" id="{41C0C91F-D5FF-4B6D-8C9A-998DA368372A}"/>
+              </a:ext>
+            </a:extLst>
+          </p:cNvPr>
+          <p:cNvCxnSpPr>
+            <a:cxnSpLocks/>
+          </p:cNvCxnSpPr>
+          <p:nvPr/>
+        </p:nvCxnSpPr>
+        <p:spPr>
+          <a:xfrm>
+            <a:off x="4030980" y="3003370"/>
+            <a:ext cx="1005840" cy="0"/>
+          </a:xfrm>
+          <a:prstGeom prst="line">
+            <a:avLst/>
+          </a:prstGeom>
+          <a:ln w="57150">
+            <a:solidFill>
+              <a:srgbClr val="C00000"/>
+            </a:solidFill>
+          </a:ln>
+        </p:spPr>
+        <p:style>
+          <a:lnRef idx="3">
+            <a:schemeClr val="accent2"/>
+          </a:lnRef>
+          <a:fillRef idx="0">
+            <a:schemeClr val="accent2"/>
+          </a:fillRef>
+          <a:effectRef idx="2">
+            <a:schemeClr val="accent2"/>
+          </a:effectRef>
+          <a:fontRef idx="minor">
+            <a:schemeClr val="tx1"/>
+          </a:fontRef>
+        </p:style>
+      </p:cxnSp>
+      <p:cxnSp>
+        <p:nvCxnSpPr>
+          <p:cNvPr id="9" name="直接连接符 8">
+            <a:extLst>
+              <a:ext uri="{FF2B5EF4-FFF2-40B4-BE49-F238E27FC236}">
+                <a16:creationId xmlns:a16="http://schemas.microsoft.com/office/drawing/2014/main" id="{B93EAD8C-61A0-4A1E-9695-20E2FCB63835}"/>
+              </a:ext>
+            </a:extLst>
+          </p:cNvPr>
+          <p:cNvCxnSpPr>
+            <a:cxnSpLocks/>
+          </p:cNvCxnSpPr>
+          <p:nvPr/>
+        </p:nvCxnSpPr>
+        <p:spPr>
+          <a:xfrm>
+            <a:off x="5250180" y="3003370"/>
+            <a:ext cx="1005840" cy="0"/>
+          </a:xfrm>
+          <a:prstGeom prst="line">
+            <a:avLst/>
+          </a:prstGeom>
+          <a:ln w="57150">
+            <a:solidFill>
+              <a:srgbClr val="C00000"/>
+            </a:solidFill>
+          </a:ln>
+        </p:spPr>
+        <p:style>
+          <a:lnRef idx="3">
+            <a:schemeClr val="accent2"/>
+          </a:lnRef>
+          <a:fillRef idx="0">
+            <a:schemeClr val="accent2"/>
+          </a:fillRef>
+          <a:effectRef idx="2">
+            <a:schemeClr val="accent2"/>
+          </a:effectRef>
+          <a:fontRef idx="minor">
+            <a:schemeClr val="tx1"/>
+          </a:fontRef>
+        </p:style>
+      </p:cxnSp>
+      <p:cxnSp>
+        <p:nvCxnSpPr>
+          <p:cNvPr id="10" name="直接连接符 9">
+            <a:extLst>
+              <a:ext uri="{FF2B5EF4-FFF2-40B4-BE49-F238E27FC236}">
+                <a16:creationId xmlns:a16="http://schemas.microsoft.com/office/drawing/2014/main" id="{82E9BC18-22FA-4F5F-9B05-E769EBB02858}"/>
+              </a:ext>
+            </a:extLst>
+          </p:cNvPr>
+          <p:cNvCxnSpPr>
+            <a:cxnSpLocks/>
+          </p:cNvCxnSpPr>
+          <p:nvPr/>
+        </p:nvCxnSpPr>
+        <p:spPr>
+          <a:xfrm flipV="1">
+            <a:off x="6484620" y="3003370"/>
+            <a:ext cx="1546860" cy="1090"/>
+          </a:xfrm>
+          <a:prstGeom prst="line">
+            <a:avLst/>
+          </a:prstGeom>
+          <a:ln w="57150">
+            <a:solidFill>
+              <a:srgbClr val="C00000"/>
+            </a:solidFill>
+          </a:ln>
+        </p:spPr>
+        <p:style>
+          <a:lnRef idx="3">
+            <a:schemeClr val="accent2"/>
+          </a:lnRef>
+          <a:fillRef idx="0">
+            <a:schemeClr val="accent2"/>
+          </a:fillRef>
+          <a:effectRef idx="2">
+            <a:schemeClr val="accent2"/>
+          </a:effectRef>
+          <a:fontRef idx="minor">
+            <a:schemeClr val="tx1"/>
+          </a:fontRef>
+        </p:style>
+      </p:cxnSp>
+      <p:cxnSp>
+        <p:nvCxnSpPr>
+          <p:cNvPr id="12" name="直接连接符 11">
+            <a:extLst>
+              <a:ext uri="{FF2B5EF4-FFF2-40B4-BE49-F238E27FC236}">
+                <a16:creationId xmlns:a16="http://schemas.microsoft.com/office/drawing/2014/main" id="{508BBB55-6540-4A94-9D3E-8E77F00AE562}"/>
+              </a:ext>
+            </a:extLst>
+          </p:cNvPr>
+          <p:cNvCxnSpPr>
+            <a:cxnSpLocks/>
+          </p:cNvCxnSpPr>
+          <p:nvPr/>
+        </p:nvCxnSpPr>
+        <p:spPr>
+          <a:xfrm>
+            <a:off x="8191500" y="3004460"/>
+            <a:ext cx="1196340" cy="0"/>
+          </a:xfrm>
+          <a:prstGeom prst="line">
+            <a:avLst/>
+          </a:prstGeom>
+          <a:ln w="57150">
+            <a:solidFill>
+              <a:srgbClr val="C00000"/>
+            </a:solidFill>
+          </a:ln>
+        </p:spPr>
+        <p:style>
+          <a:lnRef idx="3">
+            <a:schemeClr val="accent2"/>
+          </a:lnRef>
+          <a:fillRef idx="0">
+            <a:schemeClr val="accent2"/>
+          </a:fillRef>
+          <a:effectRef idx="2">
+            <a:schemeClr val="accent2"/>
+          </a:effectRef>
+          <a:fontRef idx="minor">
+            <a:schemeClr val="tx1"/>
+          </a:fontRef>
+        </p:style>
+      </p:cxnSp>
+      <p:sp>
+        <p:nvSpPr>
+          <p:cNvPr id="15" name="矩形 14">
+            <a:extLst>
+              <a:ext uri="{FF2B5EF4-FFF2-40B4-BE49-F238E27FC236}">
+                <a16:creationId xmlns:a16="http://schemas.microsoft.com/office/drawing/2014/main" id="{C77EFE0A-F63D-44C5-A53D-AED42C443C8D}"/>
+              </a:ext>
+            </a:extLst>
+          </p:cNvPr>
+          <p:cNvSpPr/>
+          <p:nvPr/>
+        </p:nvSpPr>
+        <p:spPr>
+          <a:xfrm>
+            <a:off x="4338929" y="2905185"/>
+            <a:ext cx="393056" cy="584775"/>
+          </a:xfrm>
+          <a:prstGeom prst="rect">
+            <a:avLst/>
+          </a:prstGeom>
+        </p:spPr>
+        <p:txBody>
+          <a:bodyPr wrap="none">
+            <a:spAutoFit/>
+          </a:bodyPr>
+          <a:lstStyle/>
+          <a:p>
+            <a:r>
+              <a:rPr lang="en-NZ" sz="3200" dirty="0">
+                <a:solidFill>
+                  <a:srgbClr val="FFFF00"/>
+                </a:solidFill>
+              </a:rPr>
+              <a:t>0</a:t>
+            </a:r>
+          </a:p>
+        </p:txBody>
+      </p:sp>
+      <p:sp>
+        <p:nvSpPr>
+          <p:cNvPr id="16" name="矩形 15">
+            <a:extLst>
+              <a:ext uri="{FF2B5EF4-FFF2-40B4-BE49-F238E27FC236}">
+                <a16:creationId xmlns:a16="http://schemas.microsoft.com/office/drawing/2014/main" id="{5F37CD33-32E2-471B-906A-09AC210B7AC8}"/>
+              </a:ext>
+            </a:extLst>
+          </p:cNvPr>
+          <p:cNvSpPr/>
+          <p:nvPr/>
+        </p:nvSpPr>
+        <p:spPr>
+          <a:xfrm>
+            <a:off x="5556573" y="2905185"/>
+            <a:ext cx="393056" cy="584775"/>
+          </a:xfrm>
+          <a:prstGeom prst="rect">
+            <a:avLst/>
+          </a:prstGeom>
+        </p:spPr>
+        <p:txBody>
+          <a:bodyPr wrap="none">
+            <a:spAutoFit/>
+          </a:bodyPr>
+          <a:lstStyle/>
+          <a:p>
+            <a:r>
+              <a:rPr lang="en-NZ" sz="3200" dirty="0">
+                <a:solidFill>
+                  <a:srgbClr val="FFFF00"/>
+                </a:solidFill>
+              </a:rPr>
+              <a:t>1</a:t>
+            </a:r>
+          </a:p>
+        </p:txBody>
+      </p:sp>
+      <p:sp>
+        <p:nvSpPr>
+          <p:cNvPr id="17" name="矩形 16">
+            <a:extLst>
+              <a:ext uri="{FF2B5EF4-FFF2-40B4-BE49-F238E27FC236}">
+                <a16:creationId xmlns:a16="http://schemas.microsoft.com/office/drawing/2014/main" id="{C9DF7B24-62BD-4F89-89AC-85C011B143D6}"/>
+              </a:ext>
+            </a:extLst>
+          </p:cNvPr>
+          <p:cNvSpPr/>
+          <p:nvPr/>
+        </p:nvSpPr>
+        <p:spPr>
+          <a:xfrm>
+            <a:off x="7061522" y="2905184"/>
+            <a:ext cx="393056" cy="584775"/>
+          </a:xfrm>
+          <a:prstGeom prst="rect">
+            <a:avLst/>
+          </a:prstGeom>
+        </p:spPr>
+        <p:txBody>
+          <a:bodyPr wrap="none">
+            <a:spAutoFit/>
+          </a:bodyPr>
+          <a:lstStyle/>
+          <a:p>
+            <a:r>
+              <a:rPr lang="en-NZ" sz="3200" dirty="0">
+                <a:solidFill>
+                  <a:srgbClr val="FFFF00"/>
+                </a:solidFill>
+              </a:rPr>
+              <a:t>2</a:t>
+            </a:r>
+          </a:p>
+        </p:txBody>
+      </p:sp>
+      <p:sp>
+        <p:nvSpPr>
+          <p:cNvPr id="18" name="矩形 17">
+            <a:extLst>
+              <a:ext uri="{FF2B5EF4-FFF2-40B4-BE49-F238E27FC236}">
+                <a16:creationId xmlns:a16="http://schemas.microsoft.com/office/drawing/2014/main" id="{ABE49ACB-487C-4B3F-97BF-3A94B467ECD2}"/>
+              </a:ext>
+            </a:extLst>
+          </p:cNvPr>
+          <p:cNvSpPr/>
+          <p:nvPr/>
+        </p:nvSpPr>
+        <p:spPr>
+          <a:xfrm>
+            <a:off x="8640454" y="2905185"/>
+            <a:ext cx="393056" cy="584775"/>
+          </a:xfrm>
+          <a:prstGeom prst="rect">
+            <a:avLst/>
+          </a:prstGeom>
+        </p:spPr>
+        <p:txBody>
+          <a:bodyPr wrap="none">
+            <a:spAutoFit/>
+          </a:bodyPr>
+          <a:lstStyle/>
+          <a:p>
+            <a:r>
+              <a:rPr lang="en-NZ" sz="3200" dirty="0">
+                <a:solidFill>
+                  <a:srgbClr val="FFFF00"/>
+                </a:solidFill>
+              </a:rPr>
+              <a:t>3</a:t>
             </a:r>
           </a:p>
         </p:txBody>
@@ -3592,17 +4764,351 @@
     </p:spTree>
     <p:extLst>
       <p:ext uri="{BB962C8B-B14F-4D97-AF65-F5344CB8AC3E}">
-        <p14:creationId xmlns:p14="http://schemas.microsoft.com/office/powerpoint/2010/main" val="703060177"/>
+        <p14:creationId xmlns:p14="http://schemas.microsoft.com/office/powerpoint/2010/main" val="671645030"/>
       </p:ext>
     </p:extLst>
   </p:cSld>
   <p:clrMapOvr>
     <a:masterClrMapping/>
   </p:clrMapOvr>
+  <p:timing>
+    <p:tnLst>
+      <p:par>
+        <p:cTn id="1" dur="indefinite" restart="never" nodeType="tmRoot">
+          <p:childTnLst>
+            <p:seq concurrent="1" nextAc="seek">
+              <p:cTn id="2" dur="indefinite" nodeType="mainSeq">
+                <p:childTnLst>
+                  <p:par>
+                    <p:cTn id="3" fill="hold">
+                      <p:stCondLst>
+                        <p:cond delay="indefinite"/>
+                      </p:stCondLst>
+                      <p:childTnLst>
+                        <p:par>
+                          <p:cTn id="4" fill="hold">
+                            <p:stCondLst>
+                              <p:cond delay="0"/>
+                            </p:stCondLst>
+                            <p:childTnLst>
+                              <p:par>
+                                <p:cTn id="5" presetID="14" presetClass="entr" presetSubtype="10" fill="hold" nodeType="clickEffect">
+                                  <p:stCondLst>
+                                    <p:cond delay="0"/>
+                                  </p:stCondLst>
+                                  <p:childTnLst>
+                                    <p:set>
+                                      <p:cBhvr>
+                                        <p:cTn id="6" dur="1" fill="hold">
+                                          <p:stCondLst>
+                                            <p:cond delay="0"/>
+                                          </p:stCondLst>
+                                        </p:cTn>
+                                        <p:tgtEl>
+                                          <p:spTgt spid="7"/>
+                                        </p:tgtEl>
+                                        <p:attrNameLst>
+                                          <p:attrName>style.visibility</p:attrName>
+                                        </p:attrNameLst>
+                                      </p:cBhvr>
+                                      <p:to>
+                                        <p:strVal val="visible"/>
+                                      </p:to>
+                                    </p:set>
+                                    <p:animEffect transition="in" filter="randombar(horizontal)">
+                                      <p:cBhvr>
+                                        <p:cTn id="7" dur="500"/>
+                                        <p:tgtEl>
+                                          <p:spTgt spid="7"/>
+                                        </p:tgtEl>
+                                      </p:cBhvr>
+                                    </p:animEffect>
+                                  </p:childTnLst>
+                                </p:cTn>
+                              </p:par>
+                              <p:par>
+                                <p:cTn id="8" presetID="14" presetClass="entr" presetSubtype="10" fill="hold" nodeType="withEffect">
+                                  <p:stCondLst>
+                                    <p:cond delay="0"/>
+                                  </p:stCondLst>
+                                  <p:childTnLst>
+                                    <p:set>
+                                      <p:cBhvr>
+                                        <p:cTn id="9" dur="1" fill="hold">
+                                          <p:stCondLst>
+                                            <p:cond delay="0"/>
+                                          </p:stCondLst>
+                                        </p:cTn>
+                                        <p:tgtEl>
+                                          <p:spTgt spid="9"/>
+                                        </p:tgtEl>
+                                        <p:attrNameLst>
+                                          <p:attrName>style.visibility</p:attrName>
+                                        </p:attrNameLst>
+                                      </p:cBhvr>
+                                      <p:to>
+                                        <p:strVal val="visible"/>
+                                      </p:to>
+                                    </p:set>
+                                    <p:animEffect transition="in" filter="randombar(horizontal)">
+                                      <p:cBhvr>
+                                        <p:cTn id="10" dur="500"/>
+                                        <p:tgtEl>
+                                          <p:spTgt spid="9"/>
+                                        </p:tgtEl>
+                                      </p:cBhvr>
+                                    </p:animEffect>
+                                  </p:childTnLst>
+                                </p:cTn>
+                              </p:par>
+                              <p:par>
+                                <p:cTn id="11" presetID="14" presetClass="entr" presetSubtype="10" fill="hold" nodeType="withEffect">
+                                  <p:stCondLst>
+                                    <p:cond delay="0"/>
+                                  </p:stCondLst>
+                                  <p:childTnLst>
+                                    <p:set>
+                                      <p:cBhvr>
+                                        <p:cTn id="12" dur="1" fill="hold">
+                                          <p:stCondLst>
+                                            <p:cond delay="0"/>
+                                          </p:stCondLst>
+                                        </p:cTn>
+                                        <p:tgtEl>
+                                          <p:spTgt spid="10"/>
+                                        </p:tgtEl>
+                                        <p:attrNameLst>
+                                          <p:attrName>style.visibility</p:attrName>
+                                        </p:attrNameLst>
+                                      </p:cBhvr>
+                                      <p:to>
+                                        <p:strVal val="visible"/>
+                                      </p:to>
+                                    </p:set>
+                                    <p:animEffect transition="in" filter="randombar(horizontal)">
+                                      <p:cBhvr>
+                                        <p:cTn id="13" dur="500"/>
+                                        <p:tgtEl>
+                                          <p:spTgt spid="10"/>
+                                        </p:tgtEl>
+                                      </p:cBhvr>
+                                    </p:animEffect>
+                                  </p:childTnLst>
+                                </p:cTn>
+                              </p:par>
+                              <p:par>
+                                <p:cTn id="14" presetID="14" presetClass="entr" presetSubtype="10" fill="hold" nodeType="withEffect">
+                                  <p:stCondLst>
+                                    <p:cond delay="0"/>
+                                  </p:stCondLst>
+                                  <p:childTnLst>
+                                    <p:set>
+                                      <p:cBhvr>
+                                        <p:cTn id="15" dur="1" fill="hold">
+                                          <p:stCondLst>
+                                            <p:cond delay="0"/>
+                                          </p:stCondLst>
+                                        </p:cTn>
+                                        <p:tgtEl>
+                                          <p:spTgt spid="12"/>
+                                        </p:tgtEl>
+                                        <p:attrNameLst>
+                                          <p:attrName>style.visibility</p:attrName>
+                                        </p:attrNameLst>
+                                      </p:cBhvr>
+                                      <p:to>
+                                        <p:strVal val="visible"/>
+                                      </p:to>
+                                    </p:set>
+                                    <p:animEffect transition="in" filter="randombar(horizontal)">
+                                      <p:cBhvr>
+                                        <p:cTn id="16" dur="500"/>
+                                        <p:tgtEl>
+                                          <p:spTgt spid="12"/>
+                                        </p:tgtEl>
+                                      </p:cBhvr>
+                                    </p:animEffect>
+                                  </p:childTnLst>
+                                </p:cTn>
+                              </p:par>
+                              <p:par>
+                                <p:cTn id="17" presetID="14" presetClass="entr" presetSubtype="10" fill="hold" grpId="0" nodeType="withEffect">
+                                  <p:stCondLst>
+                                    <p:cond delay="0"/>
+                                  </p:stCondLst>
+                                  <p:childTnLst>
+                                    <p:set>
+                                      <p:cBhvr>
+                                        <p:cTn id="18" dur="1" fill="hold">
+                                          <p:stCondLst>
+                                            <p:cond delay="0"/>
+                                          </p:stCondLst>
+                                        </p:cTn>
+                                        <p:tgtEl>
+                                          <p:spTgt spid="15"/>
+                                        </p:tgtEl>
+                                        <p:attrNameLst>
+                                          <p:attrName>style.visibility</p:attrName>
+                                        </p:attrNameLst>
+                                      </p:cBhvr>
+                                      <p:to>
+                                        <p:strVal val="visible"/>
+                                      </p:to>
+                                    </p:set>
+                                    <p:animEffect transition="in" filter="randombar(horizontal)">
+                                      <p:cBhvr>
+                                        <p:cTn id="19" dur="500"/>
+                                        <p:tgtEl>
+                                          <p:spTgt spid="15"/>
+                                        </p:tgtEl>
+                                      </p:cBhvr>
+                                    </p:animEffect>
+                                  </p:childTnLst>
+                                </p:cTn>
+                              </p:par>
+                              <p:par>
+                                <p:cTn id="20" presetID="14" presetClass="entr" presetSubtype="10" fill="hold" grpId="0" nodeType="withEffect">
+                                  <p:stCondLst>
+                                    <p:cond delay="0"/>
+                                  </p:stCondLst>
+                                  <p:childTnLst>
+                                    <p:set>
+                                      <p:cBhvr>
+                                        <p:cTn id="21" dur="1" fill="hold">
+                                          <p:stCondLst>
+                                            <p:cond delay="0"/>
+                                          </p:stCondLst>
+                                        </p:cTn>
+                                        <p:tgtEl>
+                                          <p:spTgt spid="16"/>
+                                        </p:tgtEl>
+                                        <p:attrNameLst>
+                                          <p:attrName>style.visibility</p:attrName>
+                                        </p:attrNameLst>
+                                      </p:cBhvr>
+                                      <p:to>
+                                        <p:strVal val="visible"/>
+                                      </p:to>
+                                    </p:set>
+                                    <p:animEffect transition="in" filter="randombar(horizontal)">
+                                      <p:cBhvr>
+                                        <p:cTn id="22" dur="500"/>
+                                        <p:tgtEl>
+                                          <p:spTgt spid="16"/>
+                                        </p:tgtEl>
+                                      </p:cBhvr>
+                                    </p:animEffect>
+                                  </p:childTnLst>
+                                </p:cTn>
+                              </p:par>
+                              <p:par>
+                                <p:cTn id="23" presetID="14" presetClass="entr" presetSubtype="10" fill="hold" grpId="0" nodeType="withEffect">
+                                  <p:stCondLst>
+                                    <p:cond delay="0"/>
+                                  </p:stCondLst>
+                                  <p:childTnLst>
+                                    <p:set>
+                                      <p:cBhvr>
+                                        <p:cTn id="24" dur="1" fill="hold">
+                                          <p:stCondLst>
+                                            <p:cond delay="0"/>
+                                          </p:stCondLst>
+                                        </p:cTn>
+                                        <p:tgtEl>
+                                          <p:spTgt spid="17"/>
+                                        </p:tgtEl>
+                                        <p:attrNameLst>
+                                          <p:attrName>style.visibility</p:attrName>
+                                        </p:attrNameLst>
+                                      </p:cBhvr>
+                                      <p:to>
+                                        <p:strVal val="visible"/>
+                                      </p:to>
+                                    </p:set>
+                                    <p:animEffect transition="in" filter="randombar(horizontal)">
+                                      <p:cBhvr>
+                                        <p:cTn id="25" dur="500"/>
+                                        <p:tgtEl>
+                                          <p:spTgt spid="17"/>
+                                        </p:tgtEl>
+                                      </p:cBhvr>
+                                    </p:animEffect>
+                                  </p:childTnLst>
+                                </p:cTn>
+                              </p:par>
+                              <p:par>
+                                <p:cTn id="26" presetID="14" presetClass="entr" presetSubtype="10" fill="hold" grpId="0" nodeType="withEffect">
+                                  <p:stCondLst>
+                                    <p:cond delay="0"/>
+                                  </p:stCondLst>
+                                  <p:childTnLst>
+                                    <p:set>
+                                      <p:cBhvr>
+                                        <p:cTn id="27" dur="1" fill="hold">
+                                          <p:stCondLst>
+                                            <p:cond delay="0"/>
+                                          </p:stCondLst>
+                                        </p:cTn>
+                                        <p:tgtEl>
+                                          <p:spTgt spid="18"/>
+                                        </p:tgtEl>
+                                        <p:attrNameLst>
+                                          <p:attrName>style.visibility</p:attrName>
+                                        </p:attrNameLst>
+                                      </p:cBhvr>
+                                      <p:to>
+                                        <p:strVal val="visible"/>
+                                      </p:to>
+                                    </p:set>
+                                    <p:animEffect transition="in" filter="randombar(horizontal)">
+                                      <p:cBhvr>
+                                        <p:cTn id="28" dur="500"/>
+                                        <p:tgtEl>
+                                          <p:spTgt spid="18"/>
+                                        </p:tgtEl>
+                                      </p:cBhvr>
+                                    </p:animEffect>
+                                  </p:childTnLst>
+                                </p:cTn>
+                              </p:par>
+                            </p:childTnLst>
+                          </p:cTn>
+                        </p:par>
+                      </p:childTnLst>
+                    </p:cTn>
+                  </p:par>
+                </p:childTnLst>
+              </p:cTn>
+              <p:prevCondLst>
+                <p:cond evt="onPrev" delay="0">
+                  <p:tgtEl>
+                    <p:sldTgt/>
+                  </p:tgtEl>
+                </p:cond>
+              </p:prevCondLst>
+              <p:nextCondLst>
+                <p:cond evt="onNext" delay="0">
+                  <p:tgtEl>
+                    <p:sldTgt/>
+                  </p:tgtEl>
+                </p:cond>
+              </p:nextCondLst>
+            </p:seq>
+          </p:childTnLst>
+        </p:cTn>
+      </p:par>
+    </p:tnLst>
+    <p:bldLst>
+      <p:bldP spid="15" grpId="0"/>
+      <p:bldP spid="16" grpId="0"/>
+      <p:bldP spid="17" grpId="0"/>
+      <p:bldP spid="18" grpId="0"/>
+    </p:bldLst>
+  </p:timing>
 </p:sld>
 </file>
 
-<file path=ppt/slides/slide5.xml><?xml version="1.0" encoding="utf-8"?>
+<file path=ppt/slides/slide13.xml><?xml version="1.0" encoding="utf-8"?>
 <p:sld xmlns:a="http://schemas.openxmlformats.org/drawingml/2006/main" xmlns:r="http://schemas.openxmlformats.org/officeDocument/2006/relationships" xmlns:p="http://schemas.openxmlformats.org/presentationml/2006/main">
   <p:cSld>
     <p:spTree>
@@ -3629,12 +5135,7 @@
             <p:ph type="title"/>
           </p:nvPr>
         </p:nvSpPr>
-        <p:spPr>
-          <a:xfrm>
-            <a:off x="838200" y="365125"/>
-            <a:ext cx="10515600" cy="1325563"/>
-          </a:xfrm>
-        </p:spPr>
+        <p:spPr/>
         <p:txBody>
           <a:bodyPr/>
           <a:lstStyle/>
@@ -3692,39 +5193,39 @@
             <p:ph idx="1"/>
           </p:nvPr>
         </p:nvSpPr>
-        <p:spPr>
-          <a:xfrm>
-            <a:off x="838200" y="1825625"/>
-            <a:ext cx="10515600" cy="4667250"/>
-          </a:xfrm>
-        </p:spPr>
+        <p:spPr/>
         <p:txBody>
           <a:bodyPr/>
           <a:lstStyle/>
           <a:p>
             <a:r>
               <a:rPr lang="en-NZ" dirty="0"/>
-              <a:t>How do you initiate an empty mapping?</a:t>
+              <a:t>What does </a:t>
+            </a:r>
+            <a:r>
+              <a:rPr lang="en-NZ" dirty="0" err="1"/>
+              <a:t>msg.value</a:t>
+            </a:r>
+            <a:r>
+              <a:rPr lang="en-NZ" dirty="0"/>
+              <a:t> mean? People never set this value before using it. I have wrote some contract to test this value, but it seems like in different contracts it has different values. </a:t>
             </a:r>
           </a:p>
           <a:p>
             <a:pPr marL="0" indent="0">
               <a:buNone/>
             </a:pPr>
-            <a:endParaRPr lang="en-NZ" dirty="0"/>
-          </a:p>
-          <a:p>
-            <a:pPr marL="0" indent="0">
-              <a:buNone/>
-            </a:pPr>
-            <a:endParaRPr lang="en-NZ" dirty="0"/>
+            <a:r>
+              <a:rPr lang="en-NZ" dirty="0"/>
+              <a:t>It can be set some where?</a:t>
+            </a:r>
           </a:p>
         </p:txBody>
       </p:sp>
     </p:spTree>
     <p:extLst>
       <p:ext uri="{BB962C8B-B14F-4D97-AF65-F5344CB8AC3E}">
-        <p14:creationId xmlns:p14="http://schemas.microsoft.com/office/powerpoint/2010/main" val="1098595904"/>
+        <p14:creationId xmlns:p14="http://schemas.microsoft.com/office/powerpoint/2010/main" val="703060177"/>
       </p:ext>
     </p:extLst>
   </p:cSld>
@@ -3734,7 +5235,7 @@
 </p:sld>
 </file>
 
-<file path=ppt/slides/slide6.xml><?xml version="1.0" encoding="utf-8"?>
+<file path=ppt/slides/slide14.xml><?xml version="1.0" encoding="utf-8"?>
 <p:sld xmlns:a="http://schemas.openxmlformats.org/drawingml/2006/main" xmlns:r="http://schemas.openxmlformats.org/officeDocument/2006/relationships" xmlns:p="http://schemas.openxmlformats.org/presentationml/2006/main">
   <p:cSld>
     <p:spTree>
@@ -3827,7 +5328,7 @@
         <p:spPr>
           <a:xfrm>
             <a:off x="838200" y="1825625"/>
-            <a:ext cx="10515600" cy="4667250"/>
+            <a:ext cx="10515600" cy="543949"/>
           </a:xfrm>
         </p:spPr>
         <p:txBody>
@@ -3836,33 +5337,527 @@
           <a:p>
             <a:r>
               <a:rPr lang="en-NZ" dirty="0"/>
+              <a:t>How do you initiate an </a:t>
+            </a:r>
+            <a:r>
+              <a:rPr lang="en-US" altLang="zh-CN" dirty="0" err="1"/>
+              <a:t>struce</a:t>
+            </a:r>
+            <a:r>
+              <a:rPr lang="en-NZ" dirty="0"/>
+              <a:t>?</a:t>
+            </a:r>
+          </a:p>
+        </p:txBody>
+      </p:sp>
+      <p:pic>
+        <p:nvPicPr>
+          <p:cNvPr id="7" name="图片 6">
+            <a:extLst>
+              <a:ext uri="{FF2B5EF4-FFF2-40B4-BE49-F238E27FC236}">
+                <a16:creationId xmlns:a16="http://schemas.microsoft.com/office/drawing/2014/main" id="{5B7010C4-99FA-40C8-984A-EA0C4599448E}"/>
+              </a:ext>
+            </a:extLst>
+          </p:cNvPr>
+          <p:cNvPicPr>
+            <a:picLocks noChangeAspect="1"/>
+          </p:cNvPicPr>
+          <p:nvPr/>
+        </p:nvPicPr>
+        <p:blipFill>
+          <a:blip r:embed="rId3"/>
+          <a:stretch>
+            <a:fillRect/>
+          </a:stretch>
+        </p:blipFill>
+        <p:spPr>
+          <a:xfrm>
+            <a:off x="838200" y="2438085"/>
+            <a:ext cx="10724299" cy="698622"/>
+          </a:xfrm>
+          <a:prstGeom prst="rect">
+            <a:avLst/>
+          </a:prstGeom>
+        </p:spPr>
+      </p:pic>
+      <p:pic>
+        <p:nvPicPr>
+          <p:cNvPr id="8" name="图片 7">
+            <a:extLst>
+              <a:ext uri="{FF2B5EF4-FFF2-40B4-BE49-F238E27FC236}">
+                <a16:creationId xmlns:a16="http://schemas.microsoft.com/office/drawing/2014/main" id="{CC87C7EE-611A-453A-BF7D-6258484B847E}"/>
+              </a:ext>
+            </a:extLst>
+          </p:cNvPr>
+          <p:cNvPicPr>
+            <a:picLocks noChangeAspect="1"/>
+          </p:cNvPicPr>
+          <p:nvPr/>
+        </p:nvPicPr>
+        <p:blipFill>
+          <a:blip r:embed="rId4"/>
+          <a:stretch>
+            <a:fillRect/>
+          </a:stretch>
+        </p:blipFill>
+        <p:spPr>
+          <a:xfrm>
+            <a:off x="838200" y="3177752"/>
+            <a:ext cx="10724299" cy="813816"/>
+          </a:xfrm>
+          <a:prstGeom prst="rect">
+            <a:avLst/>
+          </a:prstGeom>
+        </p:spPr>
+      </p:pic>
+      <p:pic>
+        <p:nvPicPr>
+          <p:cNvPr id="9" name="图片 8">
+            <a:extLst>
+              <a:ext uri="{FF2B5EF4-FFF2-40B4-BE49-F238E27FC236}">
+                <a16:creationId xmlns:a16="http://schemas.microsoft.com/office/drawing/2014/main" id="{07210A8B-CFA4-4637-8450-C13C0BD4A4F3}"/>
+              </a:ext>
+            </a:extLst>
+          </p:cNvPr>
+          <p:cNvPicPr>
+            <a:picLocks noChangeAspect="1"/>
+          </p:cNvPicPr>
+          <p:nvPr/>
+        </p:nvPicPr>
+        <p:blipFill>
+          <a:blip r:embed="rId5"/>
+          <a:stretch>
+            <a:fillRect/>
+          </a:stretch>
+        </p:blipFill>
+        <p:spPr>
+          <a:xfrm>
+            <a:off x="838200" y="4032614"/>
+            <a:ext cx="7903464" cy="2136330"/>
+          </a:xfrm>
+          <a:prstGeom prst="rect">
+            <a:avLst/>
+          </a:prstGeom>
+        </p:spPr>
+      </p:pic>
+      <p:pic>
+        <p:nvPicPr>
+          <p:cNvPr id="11" name="图片 10">
+            <a:extLst>
+              <a:ext uri="{FF2B5EF4-FFF2-40B4-BE49-F238E27FC236}">
+                <a16:creationId xmlns:a16="http://schemas.microsoft.com/office/drawing/2014/main" id="{FC86BC8A-B2C8-4810-AD4D-9ABF87E07AC7}"/>
+              </a:ext>
+            </a:extLst>
+          </p:cNvPr>
+          <p:cNvPicPr>
+            <a:picLocks noChangeAspect="1"/>
+          </p:cNvPicPr>
+          <p:nvPr/>
+        </p:nvPicPr>
+        <p:blipFill>
+          <a:blip r:embed="rId6"/>
+          <a:stretch>
+            <a:fillRect/>
+          </a:stretch>
+        </p:blipFill>
+        <p:spPr>
+          <a:xfrm>
+            <a:off x="5731408" y="741417"/>
+            <a:ext cx="4229467" cy="1653683"/>
+          </a:xfrm>
+          <a:prstGeom prst="rect">
+            <a:avLst/>
+          </a:prstGeom>
+        </p:spPr>
+      </p:pic>
+      <p:pic>
+        <p:nvPicPr>
+          <p:cNvPr id="12" name="图片 11">
+            <a:extLst>
+              <a:ext uri="{FF2B5EF4-FFF2-40B4-BE49-F238E27FC236}">
+                <a16:creationId xmlns:a16="http://schemas.microsoft.com/office/drawing/2014/main" id="{FC4F2514-7B33-4333-8D68-336F6326B613}"/>
+              </a:ext>
+            </a:extLst>
+          </p:cNvPr>
+          <p:cNvPicPr>
+            <a:picLocks noChangeAspect="1"/>
+          </p:cNvPicPr>
+          <p:nvPr/>
+        </p:nvPicPr>
+        <p:blipFill>
+          <a:blip r:embed="rId7"/>
+          <a:stretch>
+            <a:fillRect/>
+          </a:stretch>
+        </p:blipFill>
+        <p:spPr>
+          <a:xfrm>
+            <a:off x="6200349" y="1818220"/>
+            <a:ext cx="3622077" cy="248760"/>
+          </a:xfrm>
+          <a:prstGeom prst="rect">
+            <a:avLst/>
+          </a:prstGeom>
+        </p:spPr>
+      </p:pic>
+    </p:spTree>
+    <p:extLst>
+      <p:ext uri="{BB962C8B-B14F-4D97-AF65-F5344CB8AC3E}">
+        <p14:creationId xmlns:p14="http://schemas.microsoft.com/office/powerpoint/2010/main" val="1098595904"/>
+      </p:ext>
+    </p:extLst>
+  </p:cSld>
+  <p:clrMapOvr>
+    <a:masterClrMapping/>
+  </p:clrMapOvr>
+  <p:timing>
+    <p:tnLst>
+      <p:par>
+        <p:cTn id="1" dur="indefinite" restart="never" nodeType="tmRoot">
+          <p:childTnLst>
+            <p:seq concurrent="1" nextAc="seek">
+              <p:cTn id="2" dur="indefinite" nodeType="mainSeq">
+                <p:childTnLst>
+                  <p:par>
+                    <p:cTn id="3" fill="hold">
+                      <p:stCondLst>
+                        <p:cond delay="indefinite"/>
+                      </p:stCondLst>
+                      <p:childTnLst>
+                        <p:par>
+                          <p:cTn id="4" fill="hold">
+                            <p:stCondLst>
+                              <p:cond delay="0"/>
+                            </p:stCondLst>
+                            <p:childTnLst>
+                              <p:par>
+                                <p:cTn id="5" presetID="10" presetClass="entr" presetSubtype="0" fill="hold" nodeType="clickEffect">
+                                  <p:stCondLst>
+                                    <p:cond delay="0"/>
+                                  </p:stCondLst>
+                                  <p:childTnLst>
+                                    <p:set>
+                                      <p:cBhvr>
+                                        <p:cTn id="6" dur="1" fill="hold">
+                                          <p:stCondLst>
+                                            <p:cond delay="0"/>
+                                          </p:stCondLst>
+                                        </p:cTn>
+                                        <p:tgtEl>
+                                          <p:spTgt spid="7"/>
+                                        </p:tgtEl>
+                                        <p:attrNameLst>
+                                          <p:attrName>style.visibility</p:attrName>
+                                        </p:attrNameLst>
+                                      </p:cBhvr>
+                                      <p:to>
+                                        <p:strVal val="visible"/>
+                                      </p:to>
+                                    </p:set>
+                                    <p:animEffect transition="in" filter="fade">
+                                      <p:cBhvr>
+                                        <p:cTn id="7" dur="500"/>
+                                        <p:tgtEl>
+                                          <p:spTgt spid="7"/>
+                                        </p:tgtEl>
+                                      </p:cBhvr>
+                                    </p:animEffect>
+                                  </p:childTnLst>
+                                </p:cTn>
+                              </p:par>
+                            </p:childTnLst>
+                          </p:cTn>
+                        </p:par>
+                      </p:childTnLst>
+                    </p:cTn>
+                  </p:par>
+                  <p:par>
+                    <p:cTn id="8" fill="hold">
+                      <p:stCondLst>
+                        <p:cond delay="indefinite"/>
+                      </p:stCondLst>
+                      <p:childTnLst>
+                        <p:par>
+                          <p:cTn id="9" fill="hold">
+                            <p:stCondLst>
+                              <p:cond delay="0"/>
+                            </p:stCondLst>
+                            <p:childTnLst>
+                              <p:par>
+                                <p:cTn id="10" presetID="10" presetClass="entr" presetSubtype="0" fill="hold" nodeType="clickEffect">
+                                  <p:stCondLst>
+                                    <p:cond delay="0"/>
+                                  </p:stCondLst>
+                                  <p:childTnLst>
+                                    <p:set>
+                                      <p:cBhvr>
+                                        <p:cTn id="11" dur="1" fill="hold">
+                                          <p:stCondLst>
+                                            <p:cond delay="0"/>
+                                          </p:stCondLst>
+                                        </p:cTn>
+                                        <p:tgtEl>
+                                          <p:spTgt spid="8"/>
+                                        </p:tgtEl>
+                                        <p:attrNameLst>
+                                          <p:attrName>style.visibility</p:attrName>
+                                        </p:attrNameLst>
+                                      </p:cBhvr>
+                                      <p:to>
+                                        <p:strVal val="visible"/>
+                                      </p:to>
+                                    </p:set>
+                                    <p:animEffect transition="in" filter="fade">
+                                      <p:cBhvr>
+                                        <p:cTn id="12" dur="500"/>
+                                        <p:tgtEl>
+                                          <p:spTgt spid="8"/>
+                                        </p:tgtEl>
+                                      </p:cBhvr>
+                                    </p:animEffect>
+                                  </p:childTnLst>
+                                </p:cTn>
+                              </p:par>
+                            </p:childTnLst>
+                          </p:cTn>
+                        </p:par>
+                      </p:childTnLst>
+                    </p:cTn>
+                  </p:par>
+                  <p:par>
+                    <p:cTn id="13" fill="hold">
+                      <p:stCondLst>
+                        <p:cond delay="indefinite"/>
+                      </p:stCondLst>
+                      <p:childTnLst>
+                        <p:par>
+                          <p:cTn id="14" fill="hold">
+                            <p:stCondLst>
+                              <p:cond delay="0"/>
+                            </p:stCondLst>
+                            <p:childTnLst>
+                              <p:par>
+                                <p:cTn id="15" presetID="10" presetClass="entr" presetSubtype="0" fill="hold" nodeType="clickEffect">
+                                  <p:stCondLst>
+                                    <p:cond delay="0"/>
+                                  </p:stCondLst>
+                                  <p:childTnLst>
+                                    <p:set>
+                                      <p:cBhvr>
+                                        <p:cTn id="16" dur="1" fill="hold">
+                                          <p:stCondLst>
+                                            <p:cond delay="0"/>
+                                          </p:stCondLst>
+                                        </p:cTn>
+                                        <p:tgtEl>
+                                          <p:spTgt spid="9"/>
+                                        </p:tgtEl>
+                                        <p:attrNameLst>
+                                          <p:attrName>style.visibility</p:attrName>
+                                        </p:attrNameLst>
+                                      </p:cBhvr>
+                                      <p:to>
+                                        <p:strVal val="visible"/>
+                                      </p:to>
+                                    </p:set>
+                                    <p:animEffect transition="in" filter="fade">
+                                      <p:cBhvr>
+                                        <p:cTn id="17" dur="500"/>
+                                        <p:tgtEl>
+                                          <p:spTgt spid="9"/>
+                                        </p:tgtEl>
+                                      </p:cBhvr>
+                                    </p:animEffect>
+                                  </p:childTnLst>
+                                </p:cTn>
+                              </p:par>
+                            </p:childTnLst>
+                          </p:cTn>
+                        </p:par>
+                      </p:childTnLst>
+                    </p:cTn>
+                  </p:par>
+                  <p:par>
+                    <p:cTn id="18" fill="hold">
+                      <p:stCondLst>
+                        <p:cond delay="indefinite"/>
+                      </p:stCondLst>
+                      <p:childTnLst>
+                        <p:par>
+                          <p:cTn id="19" fill="hold">
+                            <p:stCondLst>
+                              <p:cond delay="0"/>
+                            </p:stCondLst>
+                            <p:childTnLst>
+                              <p:par>
+                                <p:cTn id="20" presetID="10" presetClass="exit" presetSubtype="0" fill="hold" nodeType="clickEffect">
+                                  <p:stCondLst>
+                                    <p:cond delay="0"/>
+                                  </p:stCondLst>
+                                  <p:childTnLst>
+                                    <p:animEffect transition="out" filter="fade">
+                                      <p:cBhvr>
+                                        <p:cTn id="21" dur="500"/>
+                                        <p:tgtEl>
+                                          <p:spTgt spid="12"/>
+                                        </p:tgtEl>
+                                      </p:cBhvr>
+                                    </p:animEffect>
+                                    <p:set>
+                                      <p:cBhvr>
+                                        <p:cTn id="22" dur="1" fill="hold">
+                                          <p:stCondLst>
+                                            <p:cond delay="499"/>
+                                          </p:stCondLst>
+                                        </p:cTn>
+                                        <p:tgtEl>
+                                          <p:spTgt spid="12"/>
+                                        </p:tgtEl>
+                                        <p:attrNameLst>
+                                          <p:attrName>style.visibility</p:attrName>
+                                        </p:attrNameLst>
+                                      </p:cBhvr>
+                                      <p:to>
+                                        <p:strVal val="hidden"/>
+                                      </p:to>
+                                    </p:set>
+                                  </p:childTnLst>
+                                </p:cTn>
+                              </p:par>
+                            </p:childTnLst>
+                          </p:cTn>
+                        </p:par>
+                      </p:childTnLst>
+                    </p:cTn>
+                  </p:par>
+                </p:childTnLst>
+              </p:cTn>
+              <p:prevCondLst>
+                <p:cond evt="onPrev" delay="0">
+                  <p:tgtEl>
+                    <p:sldTgt/>
+                  </p:tgtEl>
+                </p:cond>
+              </p:prevCondLst>
+              <p:nextCondLst>
+                <p:cond evt="onNext" delay="0">
+                  <p:tgtEl>
+                    <p:sldTgt/>
+                  </p:tgtEl>
+                </p:cond>
+              </p:nextCondLst>
+            </p:seq>
+          </p:childTnLst>
+        </p:cTn>
+      </p:par>
+    </p:tnLst>
+  </p:timing>
+</p:sld>
+</file>
+
+<file path=ppt/slides/slide15.xml><?xml version="1.0" encoding="utf-8"?>
+<p:sld xmlns:a="http://schemas.openxmlformats.org/drawingml/2006/main" xmlns:r="http://schemas.openxmlformats.org/officeDocument/2006/relationships" xmlns:p="http://schemas.openxmlformats.org/presentationml/2006/main">
+  <p:cSld>
+    <p:spTree>
+      <p:nvGrpSpPr>
+        <p:cNvPr id="1" name=""/>
+        <p:cNvGrpSpPr/>
+        <p:nvPr/>
+      </p:nvGrpSpPr>
+      <p:grpSpPr>
+        <a:xfrm>
+          <a:off x="0" y="0"/>
+          <a:ext cx="0" cy="0"/>
+          <a:chOff x="0" y="0"/>
+          <a:chExt cx="0" cy="0"/>
+        </a:xfrm>
+      </p:grpSpPr>
+      <p:sp>
+        <p:nvSpPr>
+          <p:cNvPr id="2" name="Title 1"/>
+          <p:cNvSpPr>
+            <a:spLocks noGrp="1"/>
+          </p:cNvSpPr>
+          <p:nvPr>
+            <p:ph type="title"/>
+          </p:nvPr>
+        </p:nvSpPr>
+        <p:spPr>
+          <a:xfrm>
+            <a:off x="838200" y="365125"/>
+            <a:ext cx="10515600" cy="1325563"/>
+          </a:xfrm>
+        </p:spPr>
+        <p:txBody>
+          <a:bodyPr/>
+          <a:lstStyle/>
+          <a:p>
+            <a:r>
+              <a:rPr lang="en-US" dirty="0"/>
+              <a:t>Problem 6</a:t>
+            </a:r>
+          </a:p>
+        </p:txBody>
+      </p:sp>
+      <p:pic>
+        <p:nvPicPr>
+          <p:cNvPr id="6" name="Picture 5"/>
+          <p:cNvPicPr>
+            <a:picLocks noChangeAspect="1"/>
+          </p:cNvPicPr>
+          <p:nvPr/>
+        </p:nvPicPr>
+        <p:blipFill>
+          <a:blip r:embed="rId2">
+            <a:extLst>
+              <a:ext uri="{28A0092B-C50C-407E-A947-70E740481C1C}">
+                <a14:useLocalDpi xmlns:a14="http://schemas.microsoft.com/office/drawing/2010/main" val="0"/>
+              </a:ext>
+            </a:extLst>
+          </a:blip>
+          <a:stretch>
+            <a:fillRect/>
+          </a:stretch>
+        </p:blipFill>
+        <p:spPr>
+          <a:xfrm>
+            <a:off x="9705474" y="0"/>
+            <a:ext cx="2486526" cy="1666792"/>
+          </a:xfrm>
+          <a:prstGeom prst="rect">
+            <a:avLst/>
+          </a:prstGeom>
+        </p:spPr>
+      </p:pic>
+      <p:sp>
+        <p:nvSpPr>
+          <p:cNvPr id="4" name="内容占位符 3">
+            <a:extLst>
+              <a:ext uri="{FF2B5EF4-FFF2-40B4-BE49-F238E27FC236}">
+                <a16:creationId xmlns:a16="http://schemas.microsoft.com/office/drawing/2014/main" id="{889CE1B0-099C-4482-BD06-5A8E6EAB34D3}"/>
+              </a:ext>
+            </a:extLst>
+          </p:cNvPr>
+          <p:cNvSpPr>
+            <a:spLocks noGrp="1"/>
+          </p:cNvSpPr>
+          <p:nvPr>
+            <p:ph idx="1"/>
+          </p:nvPr>
+        </p:nvSpPr>
+        <p:spPr>
+          <a:xfrm>
+            <a:off x="838200" y="1825625"/>
+            <a:ext cx="10515600" cy="2205601"/>
+          </a:xfrm>
+        </p:spPr>
+        <p:txBody>
+          <a:bodyPr/>
+          <a:lstStyle/>
+          <a:p>
+            <a:r>
+              <a:rPr lang="en-NZ" dirty="0"/>
               <a:t>What is event used for? </a:t>
-            </a:r>
-          </a:p>
-          <a:p>
-            <a:pPr marL="0" indent="0">
-              <a:buNone/>
-            </a:pPr>
-            <a:endParaRPr lang="en-NZ" dirty="0"/>
-          </a:p>
-          <a:p>
-            <a:pPr>
-              <a:buFont typeface="Wingdings" panose="05000000000000000000" pitchFamily="2" charset="2"/>
-              <a:buChar char="Ø"/>
-            </a:pPr>
-            <a:r>
-              <a:rPr lang="en-NZ" dirty="0"/>
-              <a:t>Log recording</a:t>
-            </a:r>
-          </a:p>
-          <a:p>
-            <a:pPr>
-              <a:buFont typeface="Wingdings" panose="05000000000000000000" pitchFamily="2" charset="2"/>
-              <a:buChar char="Ø"/>
-            </a:pPr>
-            <a:r>
-              <a:rPr lang="en-NZ" dirty="0"/>
-              <a:t>Trigger other function(Like front-end etc)</a:t>
             </a:r>
           </a:p>
           <a:p>
@@ -3886,6 +5881,335 @@
           </a:p>
         </p:txBody>
       </p:sp>
+      <p:sp>
+        <p:nvSpPr>
+          <p:cNvPr id="3" name="矩形 2">
+            <a:extLst>
+              <a:ext uri="{FF2B5EF4-FFF2-40B4-BE49-F238E27FC236}">
+                <a16:creationId xmlns:a16="http://schemas.microsoft.com/office/drawing/2014/main" id="{6DC65744-D7A5-43B5-8CE2-8F7212493BF8}"/>
+              </a:ext>
+            </a:extLst>
+          </p:cNvPr>
+          <p:cNvSpPr/>
+          <p:nvPr/>
+        </p:nvSpPr>
+        <p:spPr>
+          <a:xfrm>
+            <a:off x="838200" y="2418424"/>
+            <a:ext cx="6496665" cy="523220"/>
+          </a:xfrm>
+          <a:prstGeom prst="rect">
+            <a:avLst/>
+          </a:prstGeom>
+        </p:spPr>
+        <p:txBody>
+          <a:bodyPr wrap="square">
+            <a:spAutoFit/>
+          </a:bodyPr>
+          <a:lstStyle/>
+          <a:p>
+            <a:pPr>
+              <a:buFont typeface="Wingdings" panose="05000000000000000000" pitchFamily="2" charset="2"/>
+              <a:buChar char="Ø"/>
+            </a:pPr>
+            <a:r>
+              <a:rPr lang="en-NZ" sz="2800" dirty="0"/>
+              <a:t>Log recording</a:t>
+            </a:r>
+          </a:p>
+        </p:txBody>
+      </p:sp>
+      <p:sp>
+        <p:nvSpPr>
+          <p:cNvPr id="5" name="矩形 4">
+            <a:extLst>
+              <a:ext uri="{FF2B5EF4-FFF2-40B4-BE49-F238E27FC236}">
+                <a16:creationId xmlns:a16="http://schemas.microsoft.com/office/drawing/2014/main" id="{792EDBF4-14A3-466F-A2D2-3086263CF5B8}"/>
+              </a:ext>
+            </a:extLst>
+          </p:cNvPr>
+          <p:cNvSpPr/>
+          <p:nvPr/>
+        </p:nvSpPr>
+        <p:spPr>
+          <a:xfrm>
+            <a:off x="838200" y="6077499"/>
+            <a:ext cx="6432467" cy="523220"/>
+          </a:xfrm>
+          <a:prstGeom prst="rect">
+            <a:avLst/>
+          </a:prstGeom>
+        </p:spPr>
+        <p:txBody>
+          <a:bodyPr wrap="none">
+            <a:spAutoFit/>
+          </a:bodyPr>
+          <a:lstStyle/>
+          <a:p>
+            <a:pPr>
+              <a:buFont typeface="Wingdings" panose="05000000000000000000" pitchFamily="2" charset="2"/>
+              <a:buChar char="Ø"/>
+            </a:pPr>
+            <a:r>
+              <a:rPr lang="en-NZ" sz="2800" dirty="0"/>
+              <a:t>Trigger other function(Like front-end etc)</a:t>
+            </a:r>
+          </a:p>
+        </p:txBody>
+      </p:sp>
+      <p:pic>
+        <p:nvPicPr>
+          <p:cNvPr id="7" name="图片 6">
+            <a:extLst>
+              <a:ext uri="{FF2B5EF4-FFF2-40B4-BE49-F238E27FC236}">
+                <a16:creationId xmlns:a16="http://schemas.microsoft.com/office/drawing/2014/main" id="{5F5B3EEA-4255-4D86-9BA2-CDB8EDDE544E}"/>
+              </a:ext>
+            </a:extLst>
+          </p:cNvPr>
+          <p:cNvPicPr>
+            <a:picLocks noChangeAspect="1"/>
+          </p:cNvPicPr>
+          <p:nvPr/>
+        </p:nvPicPr>
+        <p:blipFill>
+          <a:blip r:embed="rId3"/>
+          <a:stretch>
+            <a:fillRect/>
+          </a:stretch>
+        </p:blipFill>
+        <p:spPr>
+          <a:xfrm>
+            <a:off x="33918" y="3118713"/>
+            <a:ext cx="4344986" cy="2958785"/>
+          </a:xfrm>
+          <a:prstGeom prst="rect">
+            <a:avLst/>
+          </a:prstGeom>
+        </p:spPr>
+      </p:pic>
+      <p:pic>
+        <p:nvPicPr>
+          <p:cNvPr id="8" name="图片 7">
+            <a:extLst>
+              <a:ext uri="{FF2B5EF4-FFF2-40B4-BE49-F238E27FC236}">
+                <a16:creationId xmlns:a16="http://schemas.microsoft.com/office/drawing/2014/main" id="{24D87553-0A07-4250-9DFC-FE067DA115A5}"/>
+              </a:ext>
+            </a:extLst>
+          </p:cNvPr>
+          <p:cNvPicPr>
+            <a:picLocks noChangeAspect="1"/>
+          </p:cNvPicPr>
+          <p:nvPr/>
+        </p:nvPicPr>
+        <p:blipFill>
+          <a:blip r:embed="rId4"/>
+          <a:stretch>
+            <a:fillRect/>
+          </a:stretch>
+        </p:blipFill>
+        <p:spPr>
+          <a:xfrm>
+            <a:off x="4437892" y="3118713"/>
+            <a:ext cx="9237833" cy="2958784"/>
+          </a:xfrm>
+          <a:prstGeom prst="rect">
+            <a:avLst/>
+          </a:prstGeom>
+        </p:spPr>
+      </p:pic>
+      <p:grpSp>
+        <p:nvGrpSpPr>
+          <p:cNvPr id="15" name="组合 14">
+            <a:extLst>
+              <a:ext uri="{FF2B5EF4-FFF2-40B4-BE49-F238E27FC236}">
+                <a16:creationId xmlns:a16="http://schemas.microsoft.com/office/drawing/2014/main" id="{9E370680-6054-4F7B-9B0A-570163FAEF45}"/>
+              </a:ext>
+            </a:extLst>
+          </p:cNvPr>
+          <p:cNvGrpSpPr/>
+          <p:nvPr/>
+        </p:nvGrpSpPr>
+        <p:grpSpPr>
+          <a:xfrm>
+            <a:off x="766671" y="5058312"/>
+            <a:ext cx="1445587" cy="683342"/>
+            <a:chOff x="766671" y="5058312"/>
+            <a:chExt cx="1445587" cy="683342"/>
+          </a:xfrm>
+        </p:grpSpPr>
+        <p:cxnSp>
+          <p:nvCxnSpPr>
+            <p:cNvPr id="9" name="直接连接符 8">
+              <a:extLst>
+                <a:ext uri="{FF2B5EF4-FFF2-40B4-BE49-F238E27FC236}">
+                  <a16:creationId xmlns:a16="http://schemas.microsoft.com/office/drawing/2014/main" id="{6E352354-E9D3-41D6-A666-74DF5BC42AFF}"/>
+                </a:ext>
+              </a:extLst>
+            </p:cNvPr>
+            <p:cNvCxnSpPr>
+              <a:cxnSpLocks/>
+            </p:cNvCxnSpPr>
+            <p:nvPr/>
+          </p:nvCxnSpPr>
+          <p:spPr>
+            <a:xfrm>
+              <a:off x="766671" y="5058312"/>
+              <a:ext cx="1445587" cy="0"/>
+            </a:xfrm>
+            <a:prstGeom prst="line">
+              <a:avLst/>
+            </a:prstGeom>
+            <a:ln w="57150">
+              <a:solidFill>
+                <a:srgbClr val="C00000"/>
+              </a:solidFill>
+            </a:ln>
+          </p:spPr>
+          <p:style>
+            <a:lnRef idx="3">
+              <a:schemeClr val="accent2"/>
+            </a:lnRef>
+            <a:fillRef idx="0">
+              <a:schemeClr val="accent2"/>
+            </a:fillRef>
+            <a:effectRef idx="2">
+              <a:schemeClr val="accent2"/>
+            </a:effectRef>
+            <a:fontRef idx="minor">
+              <a:schemeClr val="tx1"/>
+            </a:fontRef>
+          </p:style>
+        </p:cxnSp>
+        <p:cxnSp>
+          <p:nvCxnSpPr>
+            <p:cNvPr id="11" name="直接连接符 10">
+              <a:extLst>
+                <a:ext uri="{FF2B5EF4-FFF2-40B4-BE49-F238E27FC236}">
+                  <a16:creationId xmlns:a16="http://schemas.microsoft.com/office/drawing/2014/main" id="{D9CDF454-81E5-4C38-AAE9-5904D3A12F6E}"/>
+                </a:ext>
+              </a:extLst>
+            </p:cNvPr>
+            <p:cNvCxnSpPr>
+              <a:cxnSpLocks/>
+            </p:cNvCxnSpPr>
+            <p:nvPr/>
+          </p:nvCxnSpPr>
+          <p:spPr>
+            <a:xfrm>
+              <a:off x="766671" y="5741654"/>
+              <a:ext cx="1445587" cy="0"/>
+            </a:xfrm>
+            <a:prstGeom prst="line">
+              <a:avLst/>
+            </a:prstGeom>
+            <a:ln w="57150">
+              <a:solidFill>
+                <a:srgbClr val="C00000"/>
+              </a:solidFill>
+            </a:ln>
+          </p:spPr>
+          <p:style>
+            <a:lnRef idx="3">
+              <a:schemeClr val="accent2"/>
+            </a:lnRef>
+            <a:fillRef idx="0">
+              <a:schemeClr val="accent2"/>
+            </a:fillRef>
+            <a:effectRef idx="2">
+              <a:schemeClr val="accent2"/>
+            </a:effectRef>
+            <a:fontRef idx="minor">
+              <a:schemeClr val="tx1"/>
+            </a:fontRef>
+          </p:style>
+        </p:cxnSp>
+      </p:grpSp>
+      <p:cxnSp>
+        <p:nvCxnSpPr>
+          <p:cNvPr id="12" name="直接连接符 11">
+            <a:extLst>
+              <a:ext uri="{FF2B5EF4-FFF2-40B4-BE49-F238E27FC236}">
+                <a16:creationId xmlns:a16="http://schemas.microsoft.com/office/drawing/2014/main" id="{04BE7CDC-290E-45B3-A808-9CD8FED5F2E0}"/>
+              </a:ext>
+            </a:extLst>
+          </p:cNvPr>
+          <p:cNvCxnSpPr>
+            <a:cxnSpLocks/>
+          </p:cNvCxnSpPr>
+          <p:nvPr/>
+        </p:nvCxnSpPr>
+        <p:spPr>
+          <a:xfrm>
+            <a:off x="8470245" y="4281563"/>
+            <a:ext cx="486942" cy="0"/>
+          </a:xfrm>
+          <a:prstGeom prst="line">
+            <a:avLst/>
+          </a:prstGeom>
+          <a:ln w="57150">
+            <a:solidFill>
+              <a:srgbClr val="C00000"/>
+            </a:solidFill>
+          </a:ln>
+        </p:spPr>
+        <p:style>
+          <a:lnRef idx="3">
+            <a:schemeClr val="accent2"/>
+          </a:lnRef>
+          <a:fillRef idx="0">
+            <a:schemeClr val="accent2"/>
+          </a:fillRef>
+          <a:effectRef idx="2">
+            <a:schemeClr val="accent2"/>
+          </a:effectRef>
+          <a:fontRef idx="minor">
+            <a:schemeClr val="tx1"/>
+          </a:fontRef>
+        </p:style>
+      </p:cxnSp>
+      <p:cxnSp>
+        <p:nvCxnSpPr>
+          <p:cNvPr id="14" name="直接连接符 13">
+            <a:extLst>
+              <a:ext uri="{FF2B5EF4-FFF2-40B4-BE49-F238E27FC236}">
+                <a16:creationId xmlns:a16="http://schemas.microsoft.com/office/drawing/2014/main" id="{BE0C2DFC-40EE-41F2-ACEC-33625B982779}"/>
+              </a:ext>
+            </a:extLst>
+          </p:cNvPr>
+          <p:cNvCxnSpPr>
+            <a:cxnSpLocks/>
+          </p:cNvCxnSpPr>
+          <p:nvPr/>
+        </p:nvCxnSpPr>
+        <p:spPr>
+          <a:xfrm>
+            <a:off x="8474916" y="5505679"/>
+            <a:ext cx="486942" cy="0"/>
+          </a:xfrm>
+          <a:prstGeom prst="line">
+            <a:avLst/>
+          </a:prstGeom>
+          <a:ln w="57150">
+            <a:solidFill>
+              <a:srgbClr val="C00000"/>
+            </a:solidFill>
+          </a:ln>
+        </p:spPr>
+        <p:style>
+          <a:lnRef idx="3">
+            <a:schemeClr val="accent2"/>
+          </a:lnRef>
+          <a:fillRef idx="0">
+            <a:schemeClr val="accent2"/>
+          </a:fillRef>
+          <a:effectRef idx="2">
+            <a:schemeClr val="accent2"/>
+          </a:effectRef>
+          <a:fontRef idx="minor">
+            <a:schemeClr val="tx1"/>
+          </a:fontRef>
+        </p:style>
+      </p:cxnSp>
     </p:spTree>
     <p:extLst>
       <p:ext uri="{BB962C8B-B14F-4D97-AF65-F5344CB8AC3E}">
@@ -3896,10 +6220,437 @@
   <p:clrMapOvr>
     <a:masterClrMapping/>
   </p:clrMapOvr>
+  <p:timing>
+    <p:tnLst>
+      <p:par>
+        <p:cTn id="1" dur="indefinite" restart="never" nodeType="tmRoot">
+          <p:childTnLst>
+            <p:seq concurrent="1" nextAc="seek">
+              <p:cTn id="2" dur="indefinite" nodeType="mainSeq">
+                <p:childTnLst>
+                  <p:par>
+                    <p:cTn id="3" fill="hold">
+                      <p:stCondLst>
+                        <p:cond delay="indefinite"/>
+                      </p:stCondLst>
+                      <p:childTnLst>
+                        <p:par>
+                          <p:cTn id="4" fill="hold">
+                            <p:stCondLst>
+                              <p:cond delay="0"/>
+                            </p:stCondLst>
+                            <p:childTnLst>
+                              <p:par>
+                                <p:cTn id="5" presetID="2" presetClass="entr" presetSubtype="8" fill="hold" nodeType="clickEffect">
+                                  <p:stCondLst>
+                                    <p:cond delay="0"/>
+                                  </p:stCondLst>
+                                  <p:childTnLst>
+                                    <p:set>
+                                      <p:cBhvr>
+                                        <p:cTn id="6" dur="1" fill="hold">
+                                          <p:stCondLst>
+                                            <p:cond delay="0"/>
+                                          </p:stCondLst>
+                                        </p:cTn>
+                                        <p:tgtEl>
+                                          <p:spTgt spid="7"/>
+                                        </p:tgtEl>
+                                        <p:attrNameLst>
+                                          <p:attrName>style.visibility</p:attrName>
+                                        </p:attrNameLst>
+                                      </p:cBhvr>
+                                      <p:to>
+                                        <p:strVal val="visible"/>
+                                      </p:to>
+                                    </p:set>
+                                    <p:anim calcmode="lin" valueType="num">
+                                      <p:cBhvr additive="base">
+                                        <p:cTn id="7" dur="500" fill="hold"/>
+                                        <p:tgtEl>
+                                          <p:spTgt spid="7"/>
+                                        </p:tgtEl>
+                                        <p:attrNameLst>
+                                          <p:attrName>ppt_x</p:attrName>
+                                        </p:attrNameLst>
+                                      </p:cBhvr>
+                                      <p:tavLst>
+                                        <p:tav tm="0">
+                                          <p:val>
+                                            <p:strVal val="0-#ppt_w/2"/>
+                                          </p:val>
+                                        </p:tav>
+                                        <p:tav tm="100000">
+                                          <p:val>
+                                            <p:strVal val="#ppt_x"/>
+                                          </p:val>
+                                        </p:tav>
+                                      </p:tavLst>
+                                    </p:anim>
+                                    <p:anim calcmode="lin" valueType="num">
+                                      <p:cBhvr additive="base">
+                                        <p:cTn id="8" dur="500" fill="hold"/>
+                                        <p:tgtEl>
+                                          <p:spTgt spid="7"/>
+                                        </p:tgtEl>
+                                        <p:attrNameLst>
+                                          <p:attrName>ppt_y</p:attrName>
+                                        </p:attrNameLst>
+                                      </p:cBhvr>
+                                      <p:tavLst>
+                                        <p:tav tm="0">
+                                          <p:val>
+                                            <p:strVal val="#ppt_y"/>
+                                          </p:val>
+                                        </p:tav>
+                                        <p:tav tm="100000">
+                                          <p:val>
+                                            <p:strVal val="#ppt_y"/>
+                                          </p:val>
+                                        </p:tav>
+                                      </p:tavLst>
+                                    </p:anim>
+                                  </p:childTnLst>
+                                </p:cTn>
+                              </p:par>
+                            </p:childTnLst>
+                          </p:cTn>
+                        </p:par>
+                      </p:childTnLst>
+                    </p:cTn>
+                  </p:par>
+                  <p:par>
+                    <p:cTn id="9" fill="hold">
+                      <p:stCondLst>
+                        <p:cond delay="indefinite"/>
+                      </p:stCondLst>
+                      <p:childTnLst>
+                        <p:par>
+                          <p:cTn id="10" fill="hold">
+                            <p:stCondLst>
+                              <p:cond delay="0"/>
+                            </p:stCondLst>
+                            <p:childTnLst>
+                              <p:par>
+                                <p:cTn id="11" presetID="14" presetClass="entr" presetSubtype="10" fill="hold" nodeType="clickEffect">
+                                  <p:stCondLst>
+                                    <p:cond delay="0"/>
+                                  </p:stCondLst>
+                                  <p:childTnLst>
+                                    <p:set>
+                                      <p:cBhvr>
+                                        <p:cTn id="12" dur="1" fill="hold">
+                                          <p:stCondLst>
+                                            <p:cond delay="0"/>
+                                          </p:stCondLst>
+                                        </p:cTn>
+                                        <p:tgtEl>
+                                          <p:spTgt spid="15"/>
+                                        </p:tgtEl>
+                                        <p:attrNameLst>
+                                          <p:attrName>style.visibility</p:attrName>
+                                        </p:attrNameLst>
+                                      </p:cBhvr>
+                                      <p:to>
+                                        <p:strVal val="visible"/>
+                                      </p:to>
+                                    </p:set>
+                                    <p:animEffect transition="in" filter="randombar(horizontal)">
+                                      <p:cBhvr>
+                                        <p:cTn id="13" dur="500"/>
+                                        <p:tgtEl>
+                                          <p:spTgt spid="15"/>
+                                        </p:tgtEl>
+                                      </p:cBhvr>
+                                    </p:animEffect>
+                                  </p:childTnLst>
+                                </p:cTn>
+                              </p:par>
+                            </p:childTnLst>
+                          </p:cTn>
+                        </p:par>
+                      </p:childTnLst>
+                    </p:cTn>
+                  </p:par>
+                  <p:par>
+                    <p:cTn id="14" fill="hold">
+                      <p:stCondLst>
+                        <p:cond delay="indefinite"/>
+                      </p:stCondLst>
+                      <p:childTnLst>
+                        <p:par>
+                          <p:cTn id="15" fill="hold">
+                            <p:stCondLst>
+                              <p:cond delay="0"/>
+                            </p:stCondLst>
+                            <p:childTnLst>
+                              <p:par>
+                                <p:cTn id="16" presetID="2" presetClass="entr" presetSubtype="2" fill="hold" nodeType="clickEffect">
+                                  <p:stCondLst>
+                                    <p:cond delay="0"/>
+                                  </p:stCondLst>
+                                  <p:childTnLst>
+                                    <p:set>
+                                      <p:cBhvr>
+                                        <p:cTn id="17" dur="1" fill="hold">
+                                          <p:stCondLst>
+                                            <p:cond delay="0"/>
+                                          </p:stCondLst>
+                                        </p:cTn>
+                                        <p:tgtEl>
+                                          <p:spTgt spid="8"/>
+                                        </p:tgtEl>
+                                        <p:attrNameLst>
+                                          <p:attrName>style.visibility</p:attrName>
+                                        </p:attrNameLst>
+                                      </p:cBhvr>
+                                      <p:to>
+                                        <p:strVal val="visible"/>
+                                      </p:to>
+                                    </p:set>
+                                    <p:anim calcmode="lin" valueType="num">
+                                      <p:cBhvr additive="base">
+                                        <p:cTn id="18" dur="500" fill="hold"/>
+                                        <p:tgtEl>
+                                          <p:spTgt spid="8"/>
+                                        </p:tgtEl>
+                                        <p:attrNameLst>
+                                          <p:attrName>ppt_x</p:attrName>
+                                        </p:attrNameLst>
+                                      </p:cBhvr>
+                                      <p:tavLst>
+                                        <p:tav tm="0">
+                                          <p:val>
+                                            <p:strVal val="1+#ppt_w/2"/>
+                                          </p:val>
+                                        </p:tav>
+                                        <p:tav tm="100000">
+                                          <p:val>
+                                            <p:strVal val="#ppt_x"/>
+                                          </p:val>
+                                        </p:tav>
+                                      </p:tavLst>
+                                    </p:anim>
+                                    <p:anim calcmode="lin" valueType="num">
+                                      <p:cBhvr additive="base">
+                                        <p:cTn id="19" dur="500" fill="hold"/>
+                                        <p:tgtEl>
+                                          <p:spTgt spid="8"/>
+                                        </p:tgtEl>
+                                        <p:attrNameLst>
+                                          <p:attrName>ppt_y</p:attrName>
+                                        </p:attrNameLst>
+                                      </p:cBhvr>
+                                      <p:tavLst>
+                                        <p:tav tm="0">
+                                          <p:val>
+                                            <p:strVal val="#ppt_y"/>
+                                          </p:val>
+                                        </p:tav>
+                                        <p:tav tm="100000">
+                                          <p:val>
+                                            <p:strVal val="#ppt_y"/>
+                                          </p:val>
+                                        </p:tav>
+                                      </p:tavLst>
+                                    </p:anim>
+                                  </p:childTnLst>
+                                </p:cTn>
+                              </p:par>
+                            </p:childTnLst>
+                          </p:cTn>
+                        </p:par>
+                      </p:childTnLst>
+                    </p:cTn>
+                  </p:par>
+                  <p:par>
+                    <p:cTn id="20" fill="hold">
+                      <p:stCondLst>
+                        <p:cond delay="indefinite"/>
+                      </p:stCondLst>
+                      <p:childTnLst>
+                        <p:par>
+                          <p:cTn id="21" fill="hold">
+                            <p:stCondLst>
+                              <p:cond delay="0"/>
+                            </p:stCondLst>
+                            <p:childTnLst>
+                              <p:par>
+                                <p:cTn id="22" presetID="14" presetClass="entr" presetSubtype="10" fill="hold" nodeType="clickEffect">
+                                  <p:stCondLst>
+                                    <p:cond delay="0"/>
+                                  </p:stCondLst>
+                                  <p:childTnLst>
+                                    <p:set>
+                                      <p:cBhvr>
+                                        <p:cTn id="23" dur="1" fill="hold">
+                                          <p:stCondLst>
+                                            <p:cond delay="0"/>
+                                          </p:stCondLst>
+                                        </p:cTn>
+                                        <p:tgtEl>
+                                          <p:spTgt spid="12"/>
+                                        </p:tgtEl>
+                                        <p:attrNameLst>
+                                          <p:attrName>style.visibility</p:attrName>
+                                        </p:attrNameLst>
+                                      </p:cBhvr>
+                                      <p:to>
+                                        <p:strVal val="visible"/>
+                                      </p:to>
+                                    </p:set>
+                                    <p:animEffect transition="in" filter="randombar(horizontal)">
+                                      <p:cBhvr>
+                                        <p:cTn id="24" dur="500"/>
+                                        <p:tgtEl>
+                                          <p:spTgt spid="12"/>
+                                        </p:tgtEl>
+                                      </p:cBhvr>
+                                    </p:animEffect>
+                                  </p:childTnLst>
+                                </p:cTn>
+                              </p:par>
+                            </p:childTnLst>
+                          </p:cTn>
+                        </p:par>
+                      </p:childTnLst>
+                    </p:cTn>
+                  </p:par>
+                  <p:par>
+                    <p:cTn id="25" fill="hold">
+                      <p:stCondLst>
+                        <p:cond delay="indefinite"/>
+                      </p:stCondLst>
+                      <p:childTnLst>
+                        <p:par>
+                          <p:cTn id="26" fill="hold">
+                            <p:stCondLst>
+                              <p:cond delay="0"/>
+                            </p:stCondLst>
+                            <p:childTnLst>
+                              <p:par>
+                                <p:cTn id="27" presetID="14" presetClass="entr" presetSubtype="10" fill="hold" nodeType="clickEffect">
+                                  <p:stCondLst>
+                                    <p:cond delay="0"/>
+                                  </p:stCondLst>
+                                  <p:childTnLst>
+                                    <p:set>
+                                      <p:cBhvr>
+                                        <p:cTn id="28" dur="1" fill="hold">
+                                          <p:stCondLst>
+                                            <p:cond delay="0"/>
+                                          </p:stCondLst>
+                                        </p:cTn>
+                                        <p:tgtEl>
+                                          <p:spTgt spid="14"/>
+                                        </p:tgtEl>
+                                        <p:attrNameLst>
+                                          <p:attrName>style.visibility</p:attrName>
+                                        </p:attrNameLst>
+                                      </p:cBhvr>
+                                      <p:to>
+                                        <p:strVal val="visible"/>
+                                      </p:to>
+                                    </p:set>
+                                    <p:animEffect transition="in" filter="randombar(horizontal)">
+                                      <p:cBhvr>
+                                        <p:cTn id="29" dur="500"/>
+                                        <p:tgtEl>
+                                          <p:spTgt spid="14"/>
+                                        </p:tgtEl>
+                                      </p:cBhvr>
+                                    </p:animEffect>
+                                  </p:childTnLst>
+                                </p:cTn>
+                              </p:par>
+                            </p:childTnLst>
+                          </p:cTn>
+                        </p:par>
+                      </p:childTnLst>
+                    </p:cTn>
+                  </p:par>
+                  <p:par>
+                    <p:cTn id="30" fill="hold">
+                      <p:stCondLst>
+                        <p:cond delay="indefinite"/>
+                      </p:stCondLst>
+                      <p:childTnLst>
+                        <p:par>
+                          <p:cTn id="31" fill="hold">
+                            <p:stCondLst>
+                              <p:cond delay="0"/>
+                            </p:stCondLst>
+                            <p:childTnLst>
+                              <p:par>
+                                <p:cTn id="32" presetID="10" presetClass="entr" presetSubtype="0" fill="hold" grpId="0" nodeType="clickEffect">
+                                  <p:stCondLst>
+                                    <p:cond delay="0"/>
+                                  </p:stCondLst>
+                                  <p:childTnLst>
+                                    <p:set>
+                                      <p:cBhvr>
+                                        <p:cTn id="33" dur="1" fill="hold">
+                                          <p:stCondLst>
+                                            <p:cond delay="0"/>
+                                          </p:stCondLst>
+                                        </p:cTn>
+                                        <p:tgtEl>
+                                          <p:spTgt spid="5"/>
+                                        </p:tgtEl>
+                                        <p:attrNameLst>
+                                          <p:attrName>style.visibility</p:attrName>
+                                        </p:attrNameLst>
+                                      </p:cBhvr>
+                                      <p:to>
+                                        <p:strVal val="visible"/>
+                                      </p:to>
+                                    </p:set>
+                                    <p:animEffect transition="in" filter="fade">
+                                      <p:cBhvr>
+                                        <p:cTn id="34" dur="500"/>
+                                        <p:tgtEl>
+                                          <p:spTgt spid="5"/>
+                                        </p:tgtEl>
+                                      </p:cBhvr>
+                                    </p:animEffect>
+                                  </p:childTnLst>
+                                </p:cTn>
+                              </p:par>
+                            </p:childTnLst>
+                          </p:cTn>
+                        </p:par>
+                      </p:childTnLst>
+                    </p:cTn>
+                  </p:par>
+                </p:childTnLst>
+              </p:cTn>
+              <p:prevCondLst>
+                <p:cond evt="onPrev" delay="0">
+                  <p:tgtEl>
+                    <p:sldTgt/>
+                  </p:tgtEl>
+                </p:cond>
+              </p:prevCondLst>
+              <p:nextCondLst>
+                <p:cond evt="onNext" delay="0">
+                  <p:tgtEl>
+                    <p:sldTgt/>
+                  </p:tgtEl>
+                </p:cond>
+              </p:nextCondLst>
+            </p:seq>
+          </p:childTnLst>
+        </p:cTn>
+      </p:par>
+    </p:tnLst>
+    <p:bldLst>
+      <p:bldP spid="5" grpId="0"/>
+    </p:bldLst>
+  </p:timing>
 </p:sld>
 </file>
 
-<file path=ppt/slides/slide7.xml><?xml version="1.0" encoding="utf-8"?>
+<file path=ppt/slides/slide16.xml><?xml version="1.0" encoding="utf-8"?>
 <p:sld xmlns:a="http://schemas.openxmlformats.org/drawingml/2006/main" xmlns:r="http://schemas.openxmlformats.org/officeDocument/2006/relationships" xmlns:p="http://schemas.openxmlformats.org/presentationml/2006/main">
   <p:cSld>
     <p:spTree>
@@ -4144,6 +6895,3187 @@
   <p:clrMapOvr>
     <a:masterClrMapping/>
   </p:clrMapOvr>
+</p:sld>
+</file>
+
+<file path=ppt/slides/slide2.xml><?xml version="1.0" encoding="utf-8"?>
+<p:sld xmlns:a="http://schemas.openxmlformats.org/drawingml/2006/main" xmlns:r="http://schemas.openxmlformats.org/officeDocument/2006/relationships" xmlns:p="http://schemas.openxmlformats.org/presentationml/2006/main">
+  <p:cSld>
+    <p:spTree>
+      <p:nvGrpSpPr>
+        <p:cNvPr id="1" name=""/>
+        <p:cNvGrpSpPr/>
+        <p:nvPr/>
+      </p:nvGrpSpPr>
+      <p:grpSpPr>
+        <a:xfrm>
+          <a:off x="0" y="0"/>
+          <a:ext cx="0" cy="0"/>
+          <a:chOff x="0" y="0"/>
+          <a:chExt cx="0" cy="0"/>
+        </a:xfrm>
+      </p:grpSpPr>
+      <p:sp>
+        <p:nvSpPr>
+          <p:cNvPr id="2" name="Title 1"/>
+          <p:cNvSpPr>
+            <a:spLocks noGrp="1"/>
+          </p:cNvSpPr>
+          <p:nvPr>
+            <p:ph type="title"/>
+          </p:nvPr>
+        </p:nvSpPr>
+        <p:spPr>
+          <a:xfrm>
+            <a:off x="838200" y="365125"/>
+            <a:ext cx="10515600" cy="1325563"/>
+          </a:xfrm>
+        </p:spPr>
+        <p:txBody>
+          <a:bodyPr/>
+          <a:lstStyle/>
+          <a:p>
+            <a:r>
+              <a:rPr lang="en-US" altLang="zh-CN" dirty="0"/>
+              <a:t>What I has done</a:t>
+            </a:r>
+            <a:endParaRPr lang="en-US" dirty="0"/>
+          </a:p>
+        </p:txBody>
+      </p:sp>
+      <p:pic>
+        <p:nvPicPr>
+          <p:cNvPr id="6" name="Picture 5"/>
+          <p:cNvPicPr>
+            <a:picLocks noChangeAspect="1"/>
+          </p:cNvPicPr>
+          <p:nvPr/>
+        </p:nvPicPr>
+        <p:blipFill>
+          <a:blip r:embed="rId2">
+            <a:extLst>
+              <a:ext uri="{28A0092B-C50C-407E-A947-70E740481C1C}">
+                <a14:useLocalDpi xmlns:a14="http://schemas.microsoft.com/office/drawing/2010/main" val="0"/>
+              </a:ext>
+            </a:extLst>
+          </a:blip>
+          <a:stretch>
+            <a:fillRect/>
+          </a:stretch>
+        </p:blipFill>
+        <p:spPr>
+          <a:xfrm>
+            <a:off x="9705474" y="0"/>
+            <a:ext cx="2486526" cy="1666792"/>
+          </a:xfrm>
+          <a:prstGeom prst="rect">
+            <a:avLst/>
+          </a:prstGeom>
+        </p:spPr>
+      </p:pic>
+      <p:sp>
+        <p:nvSpPr>
+          <p:cNvPr id="10" name="内容占位符 9">
+            <a:extLst>
+              <a:ext uri="{FF2B5EF4-FFF2-40B4-BE49-F238E27FC236}">
+                <a16:creationId xmlns:a16="http://schemas.microsoft.com/office/drawing/2014/main" id="{6AC7E2CA-FC49-488A-863F-0687A3488EC8}"/>
+              </a:ext>
+            </a:extLst>
+          </p:cNvPr>
+          <p:cNvSpPr>
+            <a:spLocks noGrp="1"/>
+          </p:cNvSpPr>
+          <p:nvPr>
+            <p:ph idx="1"/>
+          </p:nvPr>
+        </p:nvSpPr>
+        <p:spPr/>
+        <p:txBody>
+          <a:bodyPr/>
+          <a:lstStyle/>
+          <a:p>
+            <a:pPr lvl="0"/>
+            <a:r>
+              <a:rPr lang="en-NZ" sz="3600" dirty="0"/>
+              <a:t>set up </a:t>
+            </a:r>
+            <a:r>
+              <a:rPr lang="en-NZ" sz="3600" dirty="0" err="1"/>
+              <a:t>testRPC</a:t>
+            </a:r>
+            <a:endParaRPr lang="en-NZ" sz="3600" dirty="0"/>
+          </a:p>
+          <a:p>
+            <a:pPr lvl="0"/>
+            <a:r>
+              <a:rPr lang="en-NZ" sz="3600" dirty="0"/>
+              <a:t>set up truffle.js, run through initiate, migrant and test.</a:t>
+            </a:r>
+          </a:p>
+          <a:p>
+            <a:pPr lvl="0"/>
+            <a:r>
+              <a:rPr lang="en-NZ" sz="3600" dirty="0"/>
+              <a:t>set up Ethereum wallet and link to test net(</a:t>
+            </a:r>
+            <a:r>
+              <a:rPr lang="en-NZ" sz="3600" dirty="0" err="1"/>
+              <a:t>Ropsten</a:t>
+            </a:r>
+            <a:r>
+              <a:rPr lang="en-NZ" sz="3600" dirty="0"/>
+              <a:t>), deploy contracts on the test net successfully, run and debug contracts.</a:t>
+            </a:r>
+          </a:p>
+          <a:p>
+            <a:pPr lvl="0"/>
+            <a:r>
+              <a:rPr lang="en-NZ" sz="3600" dirty="0"/>
+              <a:t>test and debug smart contracts on Remix.</a:t>
+            </a:r>
+          </a:p>
+          <a:p>
+            <a:endParaRPr lang="en-NZ" dirty="0"/>
+          </a:p>
+        </p:txBody>
+      </p:sp>
+    </p:spTree>
+    <p:extLst>
+      <p:ext uri="{BB962C8B-B14F-4D97-AF65-F5344CB8AC3E}">
+        <p14:creationId xmlns:p14="http://schemas.microsoft.com/office/powerpoint/2010/main" val="832332854"/>
+      </p:ext>
+    </p:extLst>
+  </p:cSld>
+  <p:clrMapOvr>
+    <a:masterClrMapping/>
+  </p:clrMapOvr>
+</p:sld>
+</file>
+
+<file path=ppt/slides/slide3.xml><?xml version="1.0" encoding="utf-8"?>
+<p:sld xmlns:a="http://schemas.openxmlformats.org/drawingml/2006/main" xmlns:r="http://schemas.openxmlformats.org/officeDocument/2006/relationships" xmlns:p="http://schemas.openxmlformats.org/presentationml/2006/main">
+  <p:cSld>
+    <p:spTree>
+      <p:nvGrpSpPr>
+        <p:cNvPr id="1" name=""/>
+        <p:cNvGrpSpPr/>
+        <p:nvPr/>
+      </p:nvGrpSpPr>
+      <p:grpSpPr>
+        <a:xfrm>
+          <a:off x="0" y="0"/>
+          <a:ext cx="0" cy="0"/>
+          <a:chOff x="0" y="0"/>
+          <a:chExt cx="0" cy="0"/>
+        </a:xfrm>
+      </p:grpSpPr>
+      <p:sp>
+        <p:nvSpPr>
+          <p:cNvPr id="2" name="Title 1"/>
+          <p:cNvSpPr>
+            <a:spLocks noGrp="1"/>
+          </p:cNvSpPr>
+          <p:nvPr>
+            <p:ph type="title"/>
+          </p:nvPr>
+        </p:nvSpPr>
+        <p:spPr>
+          <a:xfrm>
+            <a:off x="838200" y="365125"/>
+            <a:ext cx="10515600" cy="1325563"/>
+          </a:xfrm>
+        </p:spPr>
+        <p:txBody>
+          <a:bodyPr/>
+          <a:lstStyle/>
+          <a:p>
+            <a:r>
+              <a:rPr lang="en-US" altLang="zh-CN" dirty="0"/>
+              <a:t>What I has done(Cont’d)</a:t>
+            </a:r>
+            <a:endParaRPr lang="en-US" dirty="0"/>
+          </a:p>
+        </p:txBody>
+      </p:sp>
+      <p:pic>
+        <p:nvPicPr>
+          <p:cNvPr id="6" name="Picture 5"/>
+          <p:cNvPicPr>
+            <a:picLocks noChangeAspect="1"/>
+          </p:cNvPicPr>
+          <p:nvPr/>
+        </p:nvPicPr>
+        <p:blipFill>
+          <a:blip r:embed="rId2">
+            <a:extLst>
+              <a:ext uri="{28A0092B-C50C-407E-A947-70E740481C1C}">
+                <a14:useLocalDpi xmlns:a14="http://schemas.microsoft.com/office/drawing/2010/main" val="0"/>
+              </a:ext>
+            </a:extLst>
+          </a:blip>
+          <a:stretch>
+            <a:fillRect/>
+          </a:stretch>
+        </p:blipFill>
+        <p:spPr>
+          <a:xfrm>
+            <a:off x="9705474" y="0"/>
+            <a:ext cx="2486526" cy="1666792"/>
+          </a:xfrm>
+          <a:prstGeom prst="rect">
+            <a:avLst/>
+          </a:prstGeom>
+        </p:spPr>
+      </p:pic>
+      <p:sp>
+        <p:nvSpPr>
+          <p:cNvPr id="10" name="内容占位符 9">
+            <a:extLst>
+              <a:ext uri="{FF2B5EF4-FFF2-40B4-BE49-F238E27FC236}">
+                <a16:creationId xmlns:a16="http://schemas.microsoft.com/office/drawing/2014/main" id="{6AC7E2CA-FC49-488A-863F-0687A3488EC8}"/>
+              </a:ext>
+            </a:extLst>
+          </p:cNvPr>
+          <p:cNvSpPr>
+            <a:spLocks noGrp="1"/>
+          </p:cNvSpPr>
+          <p:nvPr>
+            <p:ph idx="1"/>
+          </p:nvPr>
+        </p:nvSpPr>
+        <p:spPr/>
+        <p:txBody>
+          <a:bodyPr/>
+          <a:lstStyle/>
+          <a:p>
+            <a:pPr lvl="0"/>
+            <a:r>
+              <a:rPr lang="en-NZ" sz="3600" dirty="0"/>
+              <a:t>First two lessons in </a:t>
+            </a:r>
+            <a:r>
+              <a:rPr lang="en-NZ" sz="3600" dirty="0" err="1"/>
+              <a:t>cryptozombies</a:t>
+            </a:r>
+            <a:r>
+              <a:rPr lang="en-NZ" sz="3600" dirty="0"/>
+              <a:t>. </a:t>
+            </a:r>
+          </a:p>
+          <a:p>
+            <a:pPr marL="514350" lvl="0" indent="-514350">
+              <a:buFont typeface="+mj-lt"/>
+              <a:buAutoNum type="alphaLcParenR"/>
+            </a:pPr>
+            <a:r>
+              <a:rPr lang="en-NZ" dirty="0"/>
+              <a:t>data types, typecasting and struct</a:t>
+            </a:r>
+          </a:p>
+          <a:p>
+            <a:pPr marL="514350" lvl="0" indent="-514350">
+              <a:buFont typeface="+mj-lt"/>
+              <a:buAutoNum type="alphaLcParenR"/>
+            </a:pPr>
+            <a:r>
+              <a:rPr lang="en-NZ" dirty="0"/>
+              <a:t>operator and string comparison</a:t>
+            </a:r>
+          </a:p>
+          <a:p>
+            <a:pPr marL="514350" lvl="0" indent="-514350">
+              <a:buFont typeface="+mj-lt"/>
+              <a:buAutoNum type="alphaLcParenR"/>
+            </a:pPr>
+            <a:r>
+              <a:rPr lang="en-NZ" dirty="0"/>
+              <a:t>function and modifier</a:t>
+            </a:r>
+          </a:p>
+          <a:p>
+            <a:pPr marL="514350" lvl="0" indent="-514350">
+              <a:buFont typeface="+mj-lt"/>
+              <a:buAutoNum type="alphaLcParenR"/>
+            </a:pPr>
+            <a:r>
+              <a:rPr lang="en-NZ" dirty="0"/>
+              <a:t>event listener</a:t>
+            </a:r>
+          </a:p>
+          <a:p>
+            <a:pPr marL="514350" lvl="0" indent="-514350">
+              <a:buFont typeface="+mj-lt"/>
+              <a:buAutoNum type="alphaLcParenR"/>
+            </a:pPr>
+            <a:r>
+              <a:rPr lang="en-NZ" dirty="0"/>
+              <a:t>other stuff in the lessons</a:t>
+            </a:r>
+          </a:p>
+          <a:p>
+            <a:endParaRPr lang="en-NZ" dirty="0"/>
+          </a:p>
+        </p:txBody>
+      </p:sp>
+    </p:spTree>
+    <p:extLst>
+      <p:ext uri="{BB962C8B-B14F-4D97-AF65-F5344CB8AC3E}">
+        <p14:creationId xmlns:p14="http://schemas.microsoft.com/office/powerpoint/2010/main" val="4121394566"/>
+      </p:ext>
+    </p:extLst>
+  </p:cSld>
+  <p:clrMapOvr>
+    <a:masterClrMapping/>
+  </p:clrMapOvr>
+</p:sld>
+</file>
+
+<file path=ppt/slides/slide4.xml><?xml version="1.0" encoding="utf-8"?>
+<p:sld xmlns:a="http://schemas.openxmlformats.org/drawingml/2006/main" xmlns:r="http://schemas.openxmlformats.org/officeDocument/2006/relationships" xmlns:p="http://schemas.openxmlformats.org/presentationml/2006/main">
+  <p:cSld>
+    <p:spTree>
+      <p:nvGrpSpPr>
+        <p:cNvPr id="1" name=""/>
+        <p:cNvGrpSpPr/>
+        <p:nvPr/>
+      </p:nvGrpSpPr>
+      <p:grpSpPr>
+        <a:xfrm>
+          <a:off x="0" y="0"/>
+          <a:ext cx="0" cy="0"/>
+          <a:chOff x="0" y="0"/>
+          <a:chExt cx="0" cy="0"/>
+        </a:xfrm>
+      </p:grpSpPr>
+      <p:sp>
+        <p:nvSpPr>
+          <p:cNvPr id="2" name="Title 1"/>
+          <p:cNvSpPr>
+            <a:spLocks noGrp="1"/>
+          </p:cNvSpPr>
+          <p:nvPr>
+            <p:ph type="title"/>
+          </p:nvPr>
+        </p:nvSpPr>
+        <p:spPr>
+          <a:xfrm>
+            <a:off x="838200" y="365125"/>
+            <a:ext cx="10515600" cy="1325563"/>
+          </a:xfrm>
+        </p:spPr>
+        <p:txBody>
+          <a:bodyPr/>
+          <a:lstStyle/>
+          <a:p>
+            <a:r>
+              <a:rPr lang="en-US" altLang="zh-CN" dirty="0"/>
+              <a:t>What I has done(Cont’d)</a:t>
+            </a:r>
+            <a:endParaRPr lang="en-US" dirty="0"/>
+          </a:p>
+        </p:txBody>
+      </p:sp>
+      <p:pic>
+        <p:nvPicPr>
+          <p:cNvPr id="6" name="Picture 5"/>
+          <p:cNvPicPr>
+            <a:picLocks noChangeAspect="1"/>
+          </p:cNvPicPr>
+          <p:nvPr/>
+        </p:nvPicPr>
+        <p:blipFill>
+          <a:blip r:embed="rId2">
+            <a:extLst>
+              <a:ext uri="{28A0092B-C50C-407E-A947-70E740481C1C}">
+                <a14:useLocalDpi xmlns:a14="http://schemas.microsoft.com/office/drawing/2010/main" val="0"/>
+              </a:ext>
+            </a:extLst>
+          </a:blip>
+          <a:stretch>
+            <a:fillRect/>
+          </a:stretch>
+        </p:blipFill>
+        <p:spPr>
+          <a:xfrm>
+            <a:off x="9705474" y="0"/>
+            <a:ext cx="2486526" cy="1666792"/>
+          </a:xfrm>
+          <a:prstGeom prst="rect">
+            <a:avLst/>
+          </a:prstGeom>
+        </p:spPr>
+      </p:pic>
+      <p:sp>
+        <p:nvSpPr>
+          <p:cNvPr id="10" name="内容占位符 9">
+            <a:extLst>
+              <a:ext uri="{FF2B5EF4-FFF2-40B4-BE49-F238E27FC236}">
+                <a16:creationId xmlns:a16="http://schemas.microsoft.com/office/drawing/2014/main" id="{6AC7E2CA-FC49-488A-863F-0687A3488EC8}"/>
+              </a:ext>
+            </a:extLst>
+          </p:cNvPr>
+          <p:cNvSpPr>
+            <a:spLocks noGrp="1"/>
+          </p:cNvSpPr>
+          <p:nvPr>
+            <p:ph idx="1"/>
+          </p:nvPr>
+        </p:nvSpPr>
+        <p:spPr/>
+        <p:txBody>
+          <a:bodyPr>
+            <a:normAutofit lnSpcReduction="10000"/>
+          </a:bodyPr>
+          <a:lstStyle/>
+          <a:p>
+            <a:pPr lvl="0"/>
+            <a:r>
+              <a:rPr lang="en-NZ" sz="3600" dirty="0"/>
+              <a:t>A tutorial about Solidity literal syntax</a:t>
+            </a:r>
+          </a:p>
+          <a:p>
+            <a:pPr marL="514350" lvl="0" indent="-514350">
+              <a:buFont typeface="+mj-lt"/>
+              <a:buAutoNum type="alphaLcParenR"/>
+            </a:pPr>
+            <a:r>
+              <a:rPr lang="en-NZ" dirty="0" err="1"/>
+              <a:t>fallback</a:t>
+            </a:r>
+            <a:r>
+              <a:rPr lang="en-NZ" dirty="0"/>
+              <a:t> function</a:t>
+            </a:r>
+          </a:p>
+          <a:p>
+            <a:pPr marL="514350" lvl="0" indent="-514350">
+              <a:buFont typeface="+mj-lt"/>
+              <a:buAutoNum type="alphaLcParenR"/>
+            </a:pPr>
+            <a:r>
+              <a:rPr lang="en-NZ" dirty="0"/>
+              <a:t>self-destruct function</a:t>
+            </a:r>
+          </a:p>
+          <a:p>
+            <a:pPr marL="514350" lvl="0" indent="-514350">
+              <a:buFont typeface="+mj-lt"/>
+              <a:buAutoNum type="alphaLcParenR"/>
+            </a:pPr>
+            <a:r>
+              <a:rPr lang="en-NZ" dirty="0"/>
+              <a:t>payable modifier</a:t>
+            </a:r>
+          </a:p>
+          <a:p>
+            <a:pPr marL="514350" lvl="0" indent="-514350">
+              <a:buFont typeface="+mj-lt"/>
+              <a:buAutoNum type="alphaLcParenR"/>
+            </a:pPr>
+            <a:r>
+              <a:rPr lang="en-NZ" dirty="0"/>
+              <a:t>array operation</a:t>
+            </a:r>
+          </a:p>
+          <a:p>
+            <a:pPr marL="514350" lvl="0" indent="-514350">
+              <a:buFont typeface="+mj-lt"/>
+              <a:buAutoNum type="alphaLcParenR"/>
+            </a:pPr>
+            <a:r>
+              <a:rPr lang="en-NZ" dirty="0"/>
+              <a:t>struct and mapping</a:t>
+            </a:r>
+          </a:p>
+          <a:p>
+            <a:pPr marL="514350" lvl="0" indent="-514350">
+              <a:buFont typeface="+mj-lt"/>
+              <a:buAutoNum type="alphaLcParenR"/>
+            </a:pPr>
+            <a:r>
+              <a:rPr lang="en-NZ" dirty="0"/>
+              <a:t>Enumeration</a:t>
+            </a:r>
+          </a:p>
+          <a:p>
+            <a:pPr marL="514350" lvl="0" indent="-514350">
+              <a:buFont typeface="+mj-lt"/>
+              <a:buAutoNum type="alphaLcParenR"/>
+            </a:pPr>
+            <a:r>
+              <a:rPr lang="en-NZ" dirty="0"/>
+              <a:t>study via reading and understanding comprehensive cases/real projects</a:t>
+            </a:r>
+          </a:p>
+          <a:p>
+            <a:endParaRPr lang="en-NZ" dirty="0"/>
+          </a:p>
+        </p:txBody>
+      </p:sp>
+    </p:spTree>
+    <p:extLst>
+      <p:ext uri="{BB962C8B-B14F-4D97-AF65-F5344CB8AC3E}">
+        <p14:creationId xmlns:p14="http://schemas.microsoft.com/office/powerpoint/2010/main" val="3689091353"/>
+      </p:ext>
+    </p:extLst>
+  </p:cSld>
+  <p:clrMapOvr>
+    <a:masterClrMapping/>
+  </p:clrMapOvr>
+</p:sld>
+</file>
+
+<file path=ppt/slides/slide5.xml><?xml version="1.0" encoding="utf-8"?>
+<p:sld xmlns:a="http://schemas.openxmlformats.org/drawingml/2006/main" xmlns:r="http://schemas.openxmlformats.org/officeDocument/2006/relationships" xmlns:p="http://schemas.openxmlformats.org/presentationml/2006/main">
+  <p:cSld>
+    <p:spTree>
+      <p:nvGrpSpPr>
+        <p:cNvPr id="1" name=""/>
+        <p:cNvGrpSpPr/>
+        <p:nvPr/>
+      </p:nvGrpSpPr>
+      <p:grpSpPr>
+        <a:xfrm>
+          <a:off x="0" y="0"/>
+          <a:ext cx="0" cy="0"/>
+          <a:chOff x="0" y="0"/>
+          <a:chExt cx="0" cy="0"/>
+        </a:xfrm>
+      </p:grpSpPr>
+      <p:pic>
+        <p:nvPicPr>
+          <p:cNvPr id="6" name="Picture 5"/>
+          <p:cNvPicPr>
+            <a:picLocks noChangeAspect="1"/>
+          </p:cNvPicPr>
+          <p:nvPr/>
+        </p:nvPicPr>
+        <p:blipFill>
+          <a:blip r:embed="rId2">
+            <a:extLst>
+              <a:ext uri="{28A0092B-C50C-407E-A947-70E740481C1C}">
+                <a14:useLocalDpi xmlns:a14="http://schemas.microsoft.com/office/drawing/2010/main" val="0"/>
+              </a:ext>
+            </a:extLst>
+          </a:blip>
+          <a:stretch>
+            <a:fillRect/>
+          </a:stretch>
+        </p:blipFill>
+        <p:spPr>
+          <a:xfrm>
+            <a:off x="9705474" y="0"/>
+            <a:ext cx="2486526" cy="1666792"/>
+          </a:xfrm>
+          <a:prstGeom prst="rect">
+            <a:avLst/>
+          </a:prstGeom>
+        </p:spPr>
+      </p:pic>
+      <p:sp>
+        <p:nvSpPr>
+          <p:cNvPr id="10" name="内容占位符 9">
+            <a:extLst>
+              <a:ext uri="{FF2B5EF4-FFF2-40B4-BE49-F238E27FC236}">
+                <a16:creationId xmlns:a16="http://schemas.microsoft.com/office/drawing/2014/main" id="{6AC7E2CA-FC49-488A-863F-0687A3488EC8}"/>
+              </a:ext>
+            </a:extLst>
+          </p:cNvPr>
+          <p:cNvSpPr>
+            <a:spLocks noGrp="1"/>
+          </p:cNvSpPr>
+          <p:nvPr>
+            <p:ph idx="1"/>
+          </p:nvPr>
+        </p:nvSpPr>
+        <p:spPr/>
+        <p:txBody>
+          <a:bodyPr>
+            <a:normAutofit/>
+          </a:bodyPr>
+          <a:lstStyle/>
+          <a:p>
+            <a:pPr lvl="0">
+              <a:buFont typeface="Wingdings" panose="05000000000000000000" pitchFamily="2" charset="2"/>
+              <a:buChar char="Ø"/>
+            </a:pPr>
+            <a:r>
+              <a:rPr lang="en-NZ" dirty="0"/>
+              <a:t>Read through Solidity documentation to check if there are any parts I had missing </a:t>
+            </a:r>
+          </a:p>
+          <a:p>
+            <a:endParaRPr lang="en-NZ" dirty="0"/>
+          </a:p>
+          <a:p>
+            <a:r>
+              <a:rPr lang="en-NZ" sz="3600" b="1" dirty="0"/>
+              <a:t>Personal Objectives:</a:t>
+            </a:r>
+            <a:endParaRPr lang="en-NZ" sz="3600" dirty="0"/>
+          </a:p>
+          <a:p>
+            <a:pPr lvl="0">
+              <a:buFont typeface="Wingdings" panose="05000000000000000000" pitchFamily="2" charset="2"/>
+              <a:buChar char="Ø"/>
+            </a:pPr>
+            <a:r>
+              <a:rPr lang="en-NZ" dirty="0"/>
+              <a:t>Finish reading Solidity documentation</a:t>
+            </a:r>
+          </a:p>
+          <a:p>
+            <a:pPr lvl="0">
+              <a:buFont typeface="Wingdings" panose="05000000000000000000" pitchFamily="2" charset="2"/>
+              <a:buChar char="Ø"/>
+            </a:pPr>
+            <a:r>
+              <a:rPr lang="en-NZ" dirty="0"/>
+              <a:t>Practice automated testing code with Truffle.js (Mocha.js)</a:t>
+            </a:r>
+          </a:p>
+          <a:p>
+            <a:endParaRPr lang="en-NZ" dirty="0"/>
+          </a:p>
+        </p:txBody>
+      </p:sp>
+      <p:sp>
+        <p:nvSpPr>
+          <p:cNvPr id="4" name="标题 3">
+            <a:extLst>
+              <a:ext uri="{FF2B5EF4-FFF2-40B4-BE49-F238E27FC236}">
+                <a16:creationId xmlns:a16="http://schemas.microsoft.com/office/drawing/2014/main" id="{5357D29C-BC18-4917-9794-8FB884D8CB33}"/>
+              </a:ext>
+            </a:extLst>
+          </p:cNvPr>
+          <p:cNvSpPr>
+            <a:spLocks noGrp="1"/>
+          </p:cNvSpPr>
+          <p:nvPr>
+            <p:ph type="title"/>
+          </p:nvPr>
+        </p:nvSpPr>
+        <p:spPr/>
+        <p:txBody>
+          <a:bodyPr/>
+          <a:lstStyle/>
+          <a:p>
+            <a:r>
+              <a:rPr lang="en-NZ" b="1" dirty="0"/>
+              <a:t>What I am working on:</a:t>
+            </a:r>
+            <a:endParaRPr lang="en-NZ" dirty="0"/>
+          </a:p>
+        </p:txBody>
+      </p:sp>
+    </p:spTree>
+    <p:extLst>
+      <p:ext uri="{BB962C8B-B14F-4D97-AF65-F5344CB8AC3E}">
+        <p14:creationId xmlns:p14="http://schemas.microsoft.com/office/powerpoint/2010/main" val="471903574"/>
+      </p:ext>
+    </p:extLst>
+  </p:cSld>
+  <p:clrMapOvr>
+    <a:masterClrMapping/>
+  </p:clrMapOvr>
+</p:sld>
+</file>
+
+<file path=ppt/slides/slide6.xml><?xml version="1.0" encoding="utf-8"?>
+<p:sld xmlns:a="http://schemas.openxmlformats.org/drawingml/2006/main" xmlns:r="http://schemas.openxmlformats.org/officeDocument/2006/relationships" xmlns:p="http://schemas.openxmlformats.org/presentationml/2006/main">
+  <p:cSld>
+    <p:spTree>
+      <p:nvGrpSpPr>
+        <p:cNvPr id="1" name=""/>
+        <p:cNvGrpSpPr/>
+        <p:nvPr/>
+      </p:nvGrpSpPr>
+      <p:grpSpPr>
+        <a:xfrm>
+          <a:off x="0" y="0"/>
+          <a:ext cx="0" cy="0"/>
+          <a:chOff x="0" y="0"/>
+          <a:chExt cx="0" cy="0"/>
+        </a:xfrm>
+      </p:grpSpPr>
+      <p:sp>
+        <p:nvSpPr>
+          <p:cNvPr id="2" name="Title 1"/>
+          <p:cNvSpPr>
+            <a:spLocks noGrp="1"/>
+          </p:cNvSpPr>
+          <p:nvPr>
+            <p:ph type="title"/>
+          </p:nvPr>
+        </p:nvSpPr>
+        <p:spPr>
+          <a:xfrm>
+            <a:off x="838200" y="365125"/>
+            <a:ext cx="10515600" cy="1325563"/>
+          </a:xfrm>
+        </p:spPr>
+        <p:txBody>
+          <a:bodyPr/>
+          <a:lstStyle/>
+          <a:p>
+            <a:r>
+              <a:rPr lang="en-US" dirty="0"/>
+              <a:t>Problem 1</a:t>
+            </a:r>
+          </a:p>
+        </p:txBody>
+      </p:sp>
+      <p:pic>
+        <p:nvPicPr>
+          <p:cNvPr id="6" name="Picture 5"/>
+          <p:cNvPicPr>
+            <a:picLocks noChangeAspect="1"/>
+          </p:cNvPicPr>
+          <p:nvPr/>
+        </p:nvPicPr>
+        <p:blipFill>
+          <a:blip r:embed="rId2">
+            <a:extLst>
+              <a:ext uri="{28A0092B-C50C-407E-A947-70E740481C1C}">
+                <a14:useLocalDpi xmlns:a14="http://schemas.microsoft.com/office/drawing/2010/main" val="0"/>
+              </a:ext>
+            </a:extLst>
+          </a:blip>
+          <a:stretch>
+            <a:fillRect/>
+          </a:stretch>
+        </p:blipFill>
+        <p:spPr>
+          <a:xfrm>
+            <a:off x="9705474" y="0"/>
+            <a:ext cx="2486526" cy="1666792"/>
+          </a:xfrm>
+          <a:prstGeom prst="rect">
+            <a:avLst/>
+          </a:prstGeom>
+        </p:spPr>
+      </p:pic>
+      <p:sp>
+        <p:nvSpPr>
+          <p:cNvPr id="4" name="内容占位符 3">
+            <a:extLst>
+              <a:ext uri="{FF2B5EF4-FFF2-40B4-BE49-F238E27FC236}">
+                <a16:creationId xmlns:a16="http://schemas.microsoft.com/office/drawing/2014/main" id="{889CE1B0-099C-4482-BD06-5A8E6EAB34D3}"/>
+              </a:ext>
+            </a:extLst>
+          </p:cNvPr>
+          <p:cNvSpPr>
+            <a:spLocks noGrp="1"/>
+          </p:cNvSpPr>
+          <p:nvPr>
+            <p:ph idx="1"/>
+          </p:nvPr>
+        </p:nvSpPr>
+        <p:spPr>
+          <a:xfrm>
+            <a:off x="838200" y="1825625"/>
+            <a:ext cx="10515600" cy="4667250"/>
+          </a:xfrm>
+        </p:spPr>
+        <p:txBody>
+          <a:bodyPr/>
+          <a:lstStyle/>
+          <a:p>
+            <a:r>
+              <a:rPr lang="en-US" altLang="zh-CN" dirty="0"/>
+              <a:t>Create 2-D array</a:t>
+            </a:r>
+            <a:r>
+              <a:rPr lang="en-NZ" dirty="0"/>
+              <a:t>? </a:t>
+            </a:r>
+          </a:p>
+          <a:p>
+            <a:pPr>
+              <a:buFont typeface="Wingdings" panose="05000000000000000000" pitchFamily="2" charset="2"/>
+              <a:buChar char="Ø"/>
+            </a:pPr>
+            <a:r>
+              <a:rPr lang="en-US" altLang="zh-CN" dirty="0"/>
+              <a:t>Java</a:t>
+            </a:r>
+            <a:r>
+              <a:rPr lang="en-NZ" altLang="zh-CN" dirty="0"/>
+              <a:t>/</a:t>
+            </a:r>
+            <a:r>
+              <a:rPr lang="en-US" altLang="zh-CN" dirty="0"/>
+              <a:t>C</a:t>
+            </a:r>
+          </a:p>
+          <a:p>
+            <a:pPr marL="0" indent="0">
+              <a:buNone/>
+            </a:pPr>
+            <a:endParaRPr lang="en-US" altLang="zh-CN" dirty="0"/>
+          </a:p>
+          <a:p>
+            <a:pPr>
+              <a:buFont typeface="Wingdings" panose="05000000000000000000" pitchFamily="2" charset="2"/>
+              <a:buChar char="Ø"/>
+            </a:pPr>
+            <a:endParaRPr lang="en-US" dirty="0"/>
+          </a:p>
+          <a:p>
+            <a:pPr marL="0" indent="0">
+              <a:buNone/>
+            </a:pPr>
+            <a:endParaRPr lang="en-US" dirty="0"/>
+          </a:p>
+          <a:p>
+            <a:pPr>
+              <a:buFont typeface="Wingdings" panose="05000000000000000000" pitchFamily="2" charset="2"/>
+              <a:buChar char="Ø"/>
+            </a:pPr>
+            <a:r>
+              <a:rPr lang="en-US" altLang="zh-CN" dirty="0"/>
+              <a:t>Solidity</a:t>
+            </a:r>
+            <a:endParaRPr lang="en-NZ" dirty="0"/>
+          </a:p>
+          <a:p>
+            <a:pPr marL="0" indent="0">
+              <a:buNone/>
+            </a:pPr>
+            <a:endParaRPr lang="en-NZ" dirty="0">
+              <a:solidFill>
+                <a:schemeClr val="tx1">
+                  <a:lumMod val="50000"/>
+                  <a:lumOff val="50000"/>
+                </a:schemeClr>
+              </a:solidFill>
+            </a:endParaRPr>
+          </a:p>
+          <a:p>
+            <a:pPr marL="0" indent="0">
+              <a:buNone/>
+            </a:pPr>
+            <a:endParaRPr lang="en-NZ" dirty="0"/>
+          </a:p>
+        </p:txBody>
+      </p:sp>
+      <p:pic>
+        <p:nvPicPr>
+          <p:cNvPr id="3" name="图片 2">
+            <a:extLst>
+              <a:ext uri="{FF2B5EF4-FFF2-40B4-BE49-F238E27FC236}">
+                <a16:creationId xmlns:a16="http://schemas.microsoft.com/office/drawing/2014/main" id="{3FB075E6-1DC6-4E66-8B97-AA5ADBF0463C}"/>
+              </a:ext>
+            </a:extLst>
+          </p:cNvPr>
+          <p:cNvPicPr>
+            <a:picLocks noChangeAspect="1"/>
+          </p:cNvPicPr>
+          <p:nvPr/>
+        </p:nvPicPr>
+        <p:blipFill>
+          <a:blip r:embed="rId3"/>
+          <a:stretch>
+            <a:fillRect/>
+          </a:stretch>
+        </p:blipFill>
+        <p:spPr>
+          <a:xfrm>
+            <a:off x="926688" y="2799731"/>
+            <a:ext cx="5853937" cy="887361"/>
+          </a:xfrm>
+          <a:prstGeom prst="rect">
+            <a:avLst/>
+          </a:prstGeom>
+        </p:spPr>
+      </p:pic>
+      <p:pic>
+        <p:nvPicPr>
+          <p:cNvPr id="5" name="图片 4">
+            <a:extLst>
+              <a:ext uri="{FF2B5EF4-FFF2-40B4-BE49-F238E27FC236}">
+                <a16:creationId xmlns:a16="http://schemas.microsoft.com/office/drawing/2014/main" id="{A46161FA-6F1F-4429-B609-1393D6D0D207}"/>
+              </a:ext>
+            </a:extLst>
+          </p:cNvPr>
+          <p:cNvPicPr>
+            <a:picLocks noChangeAspect="1"/>
+          </p:cNvPicPr>
+          <p:nvPr/>
+        </p:nvPicPr>
+        <p:blipFill>
+          <a:blip r:embed="rId4"/>
+          <a:stretch>
+            <a:fillRect/>
+          </a:stretch>
+        </p:blipFill>
+        <p:spPr>
+          <a:xfrm>
+            <a:off x="926688" y="4872448"/>
+            <a:ext cx="6690730" cy="711488"/>
+          </a:xfrm>
+          <a:prstGeom prst="rect">
+            <a:avLst/>
+          </a:prstGeom>
+        </p:spPr>
+      </p:pic>
+      <p:cxnSp>
+        <p:nvCxnSpPr>
+          <p:cNvPr id="7" name="直接连接符 6">
+            <a:extLst>
+              <a:ext uri="{FF2B5EF4-FFF2-40B4-BE49-F238E27FC236}">
+                <a16:creationId xmlns:a16="http://schemas.microsoft.com/office/drawing/2014/main" id="{CB3F28C2-E173-4B2C-AF9B-48FA100F5AD0}"/>
+              </a:ext>
+            </a:extLst>
+          </p:cNvPr>
+          <p:cNvCxnSpPr>
+            <a:cxnSpLocks/>
+          </p:cNvCxnSpPr>
+          <p:nvPr/>
+        </p:nvCxnSpPr>
+        <p:spPr>
+          <a:xfrm>
+            <a:off x="4197885" y="3499898"/>
+            <a:ext cx="875561" cy="0"/>
+          </a:xfrm>
+          <a:prstGeom prst="line">
+            <a:avLst/>
+          </a:prstGeom>
+          <a:ln w="57150">
+            <a:solidFill>
+              <a:srgbClr val="C00000"/>
+            </a:solidFill>
+          </a:ln>
+        </p:spPr>
+        <p:style>
+          <a:lnRef idx="3">
+            <a:schemeClr val="accent2"/>
+          </a:lnRef>
+          <a:fillRef idx="0">
+            <a:schemeClr val="accent2"/>
+          </a:fillRef>
+          <a:effectRef idx="2">
+            <a:schemeClr val="accent2"/>
+          </a:effectRef>
+          <a:fontRef idx="minor">
+            <a:schemeClr val="tx1"/>
+          </a:fontRef>
+        </p:style>
+      </p:cxnSp>
+      <p:cxnSp>
+        <p:nvCxnSpPr>
+          <p:cNvPr id="9" name="直接连接符 8">
+            <a:extLst>
+              <a:ext uri="{FF2B5EF4-FFF2-40B4-BE49-F238E27FC236}">
+                <a16:creationId xmlns:a16="http://schemas.microsoft.com/office/drawing/2014/main" id="{52EFB184-3F29-426A-9C7C-812A2C35D361}"/>
+              </a:ext>
+            </a:extLst>
+          </p:cNvPr>
+          <p:cNvCxnSpPr>
+            <a:cxnSpLocks/>
+          </p:cNvCxnSpPr>
+          <p:nvPr/>
+        </p:nvCxnSpPr>
+        <p:spPr>
+          <a:xfrm>
+            <a:off x="4291293" y="5451601"/>
+            <a:ext cx="762489" cy="0"/>
+          </a:xfrm>
+          <a:prstGeom prst="line">
+            <a:avLst/>
+          </a:prstGeom>
+          <a:ln w="57150">
+            <a:solidFill>
+              <a:srgbClr val="C00000"/>
+            </a:solidFill>
+          </a:ln>
+        </p:spPr>
+        <p:style>
+          <a:lnRef idx="3">
+            <a:schemeClr val="accent2"/>
+          </a:lnRef>
+          <a:fillRef idx="0">
+            <a:schemeClr val="accent2"/>
+          </a:fillRef>
+          <a:effectRef idx="2">
+            <a:schemeClr val="accent2"/>
+          </a:effectRef>
+          <a:fontRef idx="minor">
+            <a:schemeClr val="tx1"/>
+          </a:fontRef>
+        </p:style>
+      </p:cxnSp>
+    </p:spTree>
+    <p:extLst>
+      <p:ext uri="{BB962C8B-B14F-4D97-AF65-F5344CB8AC3E}">
+        <p14:creationId xmlns:p14="http://schemas.microsoft.com/office/powerpoint/2010/main" val="3769255084"/>
+      </p:ext>
+    </p:extLst>
+  </p:cSld>
+  <p:clrMapOvr>
+    <a:masterClrMapping/>
+  </p:clrMapOvr>
+  <p:timing>
+    <p:tnLst>
+      <p:par>
+        <p:cTn id="1" dur="indefinite" restart="never" nodeType="tmRoot">
+          <p:childTnLst>
+            <p:seq concurrent="1" nextAc="seek">
+              <p:cTn id="2" dur="indefinite" nodeType="mainSeq">
+                <p:childTnLst>
+                  <p:par>
+                    <p:cTn id="3" fill="hold">
+                      <p:stCondLst>
+                        <p:cond delay="indefinite"/>
+                      </p:stCondLst>
+                      <p:childTnLst>
+                        <p:par>
+                          <p:cTn id="4" fill="hold">
+                            <p:stCondLst>
+                              <p:cond delay="0"/>
+                            </p:stCondLst>
+                            <p:childTnLst>
+                              <p:par>
+                                <p:cTn id="5" presetID="14" presetClass="entr" presetSubtype="10" fill="hold" nodeType="clickEffect">
+                                  <p:stCondLst>
+                                    <p:cond delay="0"/>
+                                  </p:stCondLst>
+                                  <p:childTnLst>
+                                    <p:set>
+                                      <p:cBhvr>
+                                        <p:cTn id="6" dur="1" fill="hold">
+                                          <p:stCondLst>
+                                            <p:cond delay="0"/>
+                                          </p:stCondLst>
+                                        </p:cTn>
+                                        <p:tgtEl>
+                                          <p:spTgt spid="7"/>
+                                        </p:tgtEl>
+                                        <p:attrNameLst>
+                                          <p:attrName>style.visibility</p:attrName>
+                                        </p:attrNameLst>
+                                      </p:cBhvr>
+                                      <p:to>
+                                        <p:strVal val="visible"/>
+                                      </p:to>
+                                    </p:set>
+                                    <p:animEffect transition="in" filter="randombar(horizontal)">
+                                      <p:cBhvr>
+                                        <p:cTn id="7" dur="500"/>
+                                        <p:tgtEl>
+                                          <p:spTgt spid="7"/>
+                                        </p:tgtEl>
+                                      </p:cBhvr>
+                                    </p:animEffect>
+                                  </p:childTnLst>
+                                </p:cTn>
+                              </p:par>
+                            </p:childTnLst>
+                          </p:cTn>
+                        </p:par>
+                      </p:childTnLst>
+                    </p:cTn>
+                  </p:par>
+                  <p:par>
+                    <p:cTn id="8" fill="hold">
+                      <p:stCondLst>
+                        <p:cond delay="indefinite"/>
+                      </p:stCondLst>
+                      <p:childTnLst>
+                        <p:par>
+                          <p:cTn id="9" fill="hold">
+                            <p:stCondLst>
+                              <p:cond delay="0"/>
+                            </p:stCondLst>
+                            <p:childTnLst>
+                              <p:par>
+                                <p:cTn id="10" presetID="14" presetClass="entr" presetSubtype="10" fill="hold" nodeType="clickEffect">
+                                  <p:stCondLst>
+                                    <p:cond delay="0"/>
+                                  </p:stCondLst>
+                                  <p:childTnLst>
+                                    <p:set>
+                                      <p:cBhvr>
+                                        <p:cTn id="11" dur="1" fill="hold">
+                                          <p:stCondLst>
+                                            <p:cond delay="0"/>
+                                          </p:stCondLst>
+                                        </p:cTn>
+                                        <p:tgtEl>
+                                          <p:spTgt spid="9"/>
+                                        </p:tgtEl>
+                                        <p:attrNameLst>
+                                          <p:attrName>style.visibility</p:attrName>
+                                        </p:attrNameLst>
+                                      </p:cBhvr>
+                                      <p:to>
+                                        <p:strVal val="visible"/>
+                                      </p:to>
+                                    </p:set>
+                                    <p:animEffect transition="in" filter="randombar(horizontal)">
+                                      <p:cBhvr>
+                                        <p:cTn id="12" dur="500"/>
+                                        <p:tgtEl>
+                                          <p:spTgt spid="9"/>
+                                        </p:tgtEl>
+                                      </p:cBhvr>
+                                    </p:animEffect>
+                                  </p:childTnLst>
+                                </p:cTn>
+                              </p:par>
+                            </p:childTnLst>
+                          </p:cTn>
+                        </p:par>
+                      </p:childTnLst>
+                    </p:cTn>
+                  </p:par>
+                </p:childTnLst>
+              </p:cTn>
+              <p:prevCondLst>
+                <p:cond evt="onPrev" delay="0">
+                  <p:tgtEl>
+                    <p:sldTgt/>
+                  </p:tgtEl>
+                </p:cond>
+              </p:prevCondLst>
+              <p:nextCondLst>
+                <p:cond evt="onNext" delay="0">
+                  <p:tgtEl>
+                    <p:sldTgt/>
+                  </p:tgtEl>
+                </p:cond>
+              </p:nextCondLst>
+            </p:seq>
+          </p:childTnLst>
+        </p:cTn>
+      </p:par>
+    </p:tnLst>
+  </p:timing>
+</p:sld>
+</file>
+
+<file path=ppt/slides/slide7.xml><?xml version="1.0" encoding="utf-8"?>
+<p:sld xmlns:a="http://schemas.openxmlformats.org/drawingml/2006/main" xmlns:r="http://schemas.openxmlformats.org/officeDocument/2006/relationships" xmlns:p="http://schemas.openxmlformats.org/presentationml/2006/main">
+  <p:cSld>
+    <p:spTree>
+      <p:nvGrpSpPr>
+        <p:cNvPr id="1" name=""/>
+        <p:cNvGrpSpPr/>
+        <p:nvPr/>
+      </p:nvGrpSpPr>
+      <p:grpSpPr>
+        <a:xfrm>
+          <a:off x="0" y="0"/>
+          <a:ext cx="0" cy="0"/>
+          <a:chOff x="0" y="0"/>
+          <a:chExt cx="0" cy="0"/>
+        </a:xfrm>
+      </p:grpSpPr>
+      <p:sp>
+        <p:nvSpPr>
+          <p:cNvPr id="2" name="Title 1"/>
+          <p:cNvSpPr>
+            <a:spLocks noGrp="1"/>
+          </p:cNvSpPr>
+          <p:nvPr>
+            <p:ph type="title"/>
+          </p:nvPr>
+        </p:nvSpPr>
+        <p:spPr/>
+        <p:txBody>
+          <a:bodyPr/>
+          <a:lstStyle/>
+          <a:p>
+            <a:r>
+              <a:rPr lang="en-US" dirty="0"/>
+              <a:t>Problem 2 Array</a:t>
+            </a:r>
+          </a:p>
+        </p:txBody>
+      </p:sp>
+      <p:pic>
+        <p:nvPicPr>
+          <p:cNvPr id="6" name="Picture 5"/>
+          <p:cNvPicPr>
+            <a:picLocks noChangeAspect="1"/>
+          </p:cNvPicPr>
+          <p:nvPr/>
+        </p:nvPicPr>
+        <p:blipFill>
+          <a:blip r:embed="rId2">
+            <a:extLst>
+              <a:ext uri="{28A0092B-C50C-407E-A947-70E740481C1C}">
+                <a14:useLocalDpi xmlns:a14="http://schemas.microsoft.com/office/drawing/2010/main" val="0"/>
+              </a:ext>
+            </a:extLst>
+          </a:blip>
+          <a:stretch>
+            <a:fillRect/>
+          </a:stretch>
+        </p:blipFill>
+        <p:spPr>
+          <a:xfrm>
+            <a:off x="9705474" y="0"/>
+            <a:ext cx="2486526" cy="1666792"/>
+          </a:xfrm>
+          <a:prstGeom prst="rect">
+            <a:avLst/>
+          </a:prstGeom>
+        </p:spPr>
+      </p:pic>
+      <p:pic>
+        <p:nvPicPr>
+          <p:cNvPr id="10" name="图片 9">
+            <a:extLst>
+              <a:ext uri="{FF2B5EF4-FFF2-40B4-BE49-F238E27FC236}">
+                <a16:creationId xmlns:a16="http://schemas.microsoft.com/office/drawing/2014/main" id="{4FB427D8-0199-4EBE-8A1A-46CAFD962C7A}"/>
+              </a:ext>
+            </a:extLst>
+          </p:cNvPr>
+          <p:cNvPicPr>
+            <a:picLocks noChangeAspect="1"/>
+          </p:cNvPicPr>
+          <p:nvPr/>
+        </p:nvPicPr>
+        <p:blipFill>
+          <a:blip r:embed="rId3"/>
+          <a:stretch>
+            <a:fillRect/>
+          </a:stretch>
+        </p:blipFill>
+        <p:spPr>
+          <a:xfrm>
+            <a:off x="1200007" y="2055813"/>
+            <a:ext cx="8071364" cy="3089965"/>
+          </a:xfrm>
+          <a:prstGeom prst="rect">
+            <a:avLst/>
+          </a:prstGeom>
+          <a:ln>
+            <a:solidFill>
+              <a:schemeClr val="tx1"/>
+            </a:solidFill>
+          </a:ln>
+        </p:spPr>
+      </p:pic>
+      <p:cxnSp>
+        <p:nvCxnSpPr>
+          <p:cNvPr id="12" name="直接连接符 11">
+            <a:extLst>
+              <a:ext uri="{FF2B5EF4-FFF2-40B4-BE49-F238E27FC236}">
+                <a16:creationId xmlns:a16="http://schemas.microsoft.com/office/drawing/2014/main" id="{01B3B536-F9D9-46B7-A458-F1B517A8DFD1}"/>
+              </a:ext>
+            </a:extLst>
+          </p:cNvPr>
+          <p:cNvCxnSpPr/>
+          <p:nvPr/>
+        </p:nvCxnSpPr>
+        <p:spPr>
+          <a:xfrm>
+            <a:off x="2377440" y="3566160"/>
+            <a:ext cx="4427220" cy="0"/>
+          </a:xfrm>
+          <a:prstGeom prst="line">
+            <a:avLst/>
+          </a:prstGeom>
+          <a:ln w="57150">
+            <a:solidFill>
+              <a:srgbClr val="C00000"/>
+            </a:solidFill>
+          </a:ln>
+        </p:spPr>
+        <p:style>
+          <a:lnRef idx="3">
+            <a:schemeClr val="accent2"/>
+          </a:lnRef>
+          <a:fillRef idx="0">
+            <a:schemeClr val="accent2"/>
+          </a:fillRef>
+          <a:effectRef idx="2">
+            <a:schemeClr val="accent2"/>
+          </a:effectRef>
+          <a:fontRef idx="minor">
+            <a:schemeClr val="tx1"/>
+          </a:fontRef>
+        </p:style>
+      </p:cxnSp>
+      <p:sp>
+        <p:nvSpPr>
+          <p:cNvPr id="13" name="内容占位符 3">
+            <a:extLst>
+              <a:ext uri="{FF2B5EF4-FFF2-40B4-BE49-F238E27FC236}">
+                <a16:creationId xmlns:a16="http://schemas.microsoft.com/office/drawing/2014/main" id="{698588DC-6A8D-4073-891E-92F0F701A979}"/>
+              </a:ext>
+            </a:extLst>
+          </p:cNvPr>
+          <p:cNvSpPr txBox="1">
+            <a:spLocks/>
+          </p:cNvSpPr>
+          <p:nvPr/>
+        </p:nvSpPr>
+        <p:spPr>
+          <a:xfrm>
+            <a:off x="1104900" y="5595668"/>
+            <a:ext cx="8016240" cy="642938"/>
+          </a:xfrm>
+          <a:prstGeom prst="rect">
+            <a:avLst/>
+          </a:prstGeom>
+        </p:spPr>
+        <p:txBody>
+          <a:bodyPr vert="horz" lIns="91440" tIns="45720" rIns="91440" bIns="45720" rtlCol="0">
+            <a:normAutofit/>
+          </a:bodyPr>
+          <a:lstStyle>
+            <a:lvl1pPr marL="228600" indent="-228600" algn="l" defTabSz="914400" rtl="0" eaLnBrk="1" latinLnBrk="0" hangingPunct="1">
+              <a:lnSpc>
+                <a:spcPct val="90000"/>
+              </a:lnSpc>
+              <a:spcBef>
+                <a:spcPts val="1000"/>
+              </a:spcBef>
+              <a:buFont typeface="Arial" panose="020B0604020202020204" pitchFamily="34" charset="0"/>
+              <a:buChar char="•"/>
+              <a:defRPr sz="2800" kern="1200">
+                <a:solidFill>
+                  <a:schemeClr val="tx1"/>
+                </a:solidFill>
+                <a:latin typeface="+mn-lt"/>
+                <a:ea typeface="+mn-ea"/>
+                <a:cs typeface="+mn-cs"/>
+              </a:defRPr>
+            </a:lvl1pPr>
+            <a:lvl2pPr marL="685800" indent="-228600" algn="l" defTabSz="914400" rtl="0" eaLnBrk="1" latinLnBrk="0" hangingPunct="1">
+              <a:lnSpc>
+                <a:spcPct val="90000"/>
+              </a:lnSpc>
+              <a:spcBef>
+                <a:spcPts val="500"/>
+              </a:spcBef>
+              <a:buFont typeface="Arial" panose="020B0604020202020204" pitchFamily="34" charset="0"/>
+              <a:buChar char="•"/>
+              <a:defRPr sz="2400" kern="1200">
+                <a:solidFill>
+                  <a:schemeClr val="tx1"/>
+                </a:solidFill>
+                <a:latin typeface="+mn-lt"/>
+                <a:ea typeface="+mn-ea"/>
+                <a:cs typeface="+mn-cs"/>
+              </a:defRPr>
+            </a:lvl2pPr>
+            <a:lvl3pPr marL="1143000" indent="-228600" algn="l" defTabSz="914400" rtl="0" eaLnBrk="1" latinLnBrk="0" hangingPunct="1">
+              <a:lnSpc>
+                <a:spcPct val="90000"/>
+              </a:lnSpc>
+              <a:spcBef>
+                <a:spcPts val="500"/>
+              </a:spcBef>
+              <a:buFont typeface="Arial" panose="020B0604020202020204" pitchFamily="34" charset="0"/>
+              <a:buChar char="•"/>
+              <a:defRPr sz="2000" kern="1200">
+                <a:solidFill>
+                  <a:schemeClr val="tx1"/>
+                </a:solidFill>
+                <a:latin typeface="+mn-lt"/>
+                <a:ea typeface="+mn-ea"/>
+                <a:cs typeface="+mn-cs"/>
+              </a:defRPr>
+            </a:lvl3pPr>
+            <a:lvl4pPr marL="1600200" indent="-228600" algn="l" defTabSz="914400" rtl="0" eaLnBrk="1" latinLnBrk="0" hangingPunct="1">
+              <a:lnSpc>
+                <a:spcPct val="90000"/>
+              </a:lnSpc>
+              <a:spcBef>
+                <a:spcPts val="500"/>
+              </a:spcBef>
+              <a:buFont typeface="Arial" panose="020B0604020202020204" pitchFamily="34" charset="0"/>
+              <a:buChar char="•"/>
+              <a:defRPr sz="1800" kern="1200">
+                <a:solidFill>
+                  <a:schemeClr val="tx1"/>
+                </a:solidFill>
+                <a:latin typeface="+mn-lt"/>
+                <a:ea typeface="+mn-ea"/>
+                <a:cs typeface="+mn-cs"/>
+              </a:defRPr>
+            </a:lvl4pPr>
+            <a:lvl5pPr marL="2057400" indent="-228600" algn="l" defTabSz="914400" rtl="0" eaLnBrk="1" latinLnBrk="0" hangingPunct="1">
+              <a:lnSpc>
+                <a:spcPct val="90000"/>
+              </a:lnSpc>
+              <a:spcBef>
+                <a:spcPts val="500"/>
+              </a:spcBef>
+              <a:buFont typeface="Arial" panose="020B0604020202020204" pitchFamily="34" charset="0"/>
+              <a:buChar char="•"/>
+              <a:defRPr sz="1800" kern="1200">
+                <a:solidFill>
+                  <a:schemeClr val="tx1"/>
+                </a:solidFill>
+                <a:latin typeface="+mn-lt"/>
+                <a:ea typeface="+mn-ea"/>
+                <a:cs typeface="+mn-cs"/>
+              </a:defRPr>
+            </a:lvl5pPr>
+            <a:lvl6pPr marL="2514600" indent="-228600" algn="l" defTabSz="914400" rtl="0" eaLnBrk="1" latinLnBrk="0" hangingPunct="1">
+              <a:lnSpc>
+                <a:spcPct val="90000"/>
+              </a:lnSpc>
+              <a:spcBef>
+                <a:spcPts val="500"/>
+              </a:spcBef>
+              <a:buFont typeface="Arial" panose="020B0604020202020204" pitchFamily="34" charset="0"/>
+              <a:buChar char="•"/>
+              <a:defRPr sz="1800" kern="1200">
+                <a:solidFill>
+                  <a:schemeClr val="tx1"/>
+                </a:solidFill>
+                <a:latin typeface="+mn-lt"/>
+                <a:ea typeface="+mn-ea"/>
+                <a:cs typeface="+mn-cs"/>
+              </a:defRPr>
+            </a:lvl6pPr>
+            <a:lvl7pPr marL="2971800" indent="-228600" algn="l" defTabSz="914400" rtl="0" eaLnBrk="1" latinLnBrk="0" hangingPunct="1">
+              <a:lnSpc>
+                <a:spcPct val="90000"/>
+              </a:lnSpc>
+              <a:spcBef>
+                <a:spcPts val="500"/>
+              </a:spcBef>
+              <a:buFont typeface="Arial" panose="020B0604020202020204" pitchFamily="34" charset="0"/>
+              <a:buChar char="•"/>
+              <a:defRPr sz="1800" kern="1200">
+                <a:solidFill>
+                  <a:schemeClr val="tx1"/>
+                </a:solidFill>
+                <a:latin typeface="+mn-lt"/>
+                <a:ea typeface="+mn-ea"/>
+                <a:cs typeface="+mn-cs"/>
+              </a:defRPr>
+            </a:lvl7pPr>
+            <a:lvl8pPr marL="3429000" indent="-228600" algn="l" defTabSz="914400" rtl="0" eaLnBrk="1" latinLnBrk="0" hangingPunct="1">
+              <a:lnSpc>
+                <a:spcPct val="90000"/>
+              </a:lnSpc>
+              <a:spcBef>
+                <a:spcPts val="500"/>
+              </a:spcBef>
+              <a:buFont typeface="Arial" panose="020B0604020202020204" pitchFamily="34" charset="0"/>
+              <a:buChar char="•"/>
+              <a:defRPr sz="1800" kern="1200">
+                <a:solidFill>
+                  <a:schemeClr val="tx1"/>
+                </a:solidFill>
+                <a:latin typeface="+mn-lt"/>
+                <a:ea typeface="+mn-ea"/>
+                <a:cs typeface="+mn-cs"/>
+              </a:defRPr>
+            </a:lvl8pPr>
+            <a:lvl9pPr marL="3886200" indent="-228600" algn="l" defTabSz="914400" rtl="0" eaLnBrk="1" latinLnBrk="0" hangingPunct="1">
+              <a:lnSpc>
+                <a:spcPct val="90000"/>
+              </a:lnSpc>
+              <a:spcBef>
+                <a:spcPts val="500"/>
+              </a:spcBef>
+              <a:buFont typeface="Arial" panose="020B0604020202020204" pitchFamily="34" charset="0"/>
+              <a:buChar char="•"/>
+              <a:defRPr sz="1800" kern="1200">
+                <a:solidFill>
+                  <a:schemeClr val="tx1"/>
+                </a:solidFill>
+                <a:latin typeface="+mn-lt"/>
+                <a:ea typeface="+mn-ea"/>
+                <a:cs typeface="+mn-cs"/>
+              </a:defRPr>
+            </a:lvl9pPr>
+          </a:lstStyle>
+          <a:p>
+            <a:pPr marL="0" indent="0">
+              <a:buNone/>
+            </a:pPr>
+            <a:r>
+              <a:rPr lang="en-NZ" dirty="0" err="1"/>
+              <a:t>uint</a:t>
+            </a:r>
+            <a:r>
+              <a:rPr lang="en-NZ" dirty="0"/>
+              <a:t>[] </a:t>
+            </a:r>
+            <a:r>
+              <a:rPr lang="en-NZ" dirty="0" err="1"/>
+              <a:t>arrayName</a:t>
+            </a:r>
+            <a:r>
+              <a:rPr lang="en-NZ" dirty="0"/>
+              <a:t> = new </a:t>
+            </a:r>
+            <a:r>
+              <a:rPr lang="en-NZ" dirty="0" err="1"/>
+              <a:t>uint</a:t>
+            </a:r>
+            <a:r>
+              <a:rPr lang="en-NZ" dirty="0"/>
+              <a:t>[](</a:t>
+            </a:r>
+            <a:r>
+              <a:rPr lang="en-NZ" dirty="0">
+                <a:solidFill>
+                  <a:srgbClr val="FF0000"/>
+                </a:solidFill>
+              </a:rPr>
+              <a:t>7</a:t>
+            </a:r>
+            <a:r>
+              <a:rPr lang="en-NZ" dirty="0"/>
+              <a:t>);</a:t>
+            </a:r>
+          </a:p>
+        </p:txBody>
+      </p:sp>
+      <p:sp>
+        <p:nvSpPr>
+          <p:cNvPr id="14" name="内容占位符 3">
+            <a:extLst>
+              <a:ext uri="{FF2B5EF4-FFF2-40B4-BE49-F238E27FC236}">
+                <a16:creationId xmlns:a16="http://schemas.microsoft.com/office/drawing/2014/main" id="{C7ADD364-79E4-4AA0-B507-908288F0CD77}"/>
+              </a:ext>
+            </a:extLst>
+          </p:cNvPr>
+          <p:cNvSpPr txBox="1">
+            <a:spLocks/>
+          </p:cNvSpPr>
+          <p:nvPr/>
+        </p:nvSpPr>
+        <p:spPr>
+          <a:xfrm>
+            <a:off x="1104900" y="6045558"/>
+            <a:ext cx="8016240" cy="642938"/>
+          </a:xfrm>
+          <a:prstGeom prst="rect">
+            <a:avLst/>
+          </a:prstGeom>
+        </p:spPr>
+        <p:txBody>
+          <a:bodyPr vert="horz" lIns="91440" tIns="45720" rIns="91440" bIns="45720" rtlCol="0">
+            <a:normAutofit/>
+          </a:bodyPr>
+          <a:lstStyle>
+            <a:lvl1pPr marL="228600" indent="-228600" algn="l" defTabSz="914400" rtl="0" eaLnBrk="1" latinLnBrk="0" hangingPunct="1">
+              <a:lnSpc>
+                <a:spcPct val="90000"/>
+              </a:lnSpc>
+              <a:spcBef>
+                <a:spcPts val="1000"/>
+              </a:spcBef>
+              <a:buFont typeface="Arial" panose="020B0604020202020204" pitchFamily="34" charset="0"/>
+              <a:buChar char="•"/>
+              <a:defRPr sz="2800" kern="1200">
+                <a:solidFill>
+                  <a:schemeClr val="tx1"/>
+                </a:solidFill>
+                <a:latin typeface="+mn-lt"/>
+                <a:ea typeface="+mn-ea"/>
+                <a:cs typeface="+mn-cs"/>
+              </a:defRPr>
+            </a:lvl1pPr>
+            <a:lvl2pPr marL="685800" indent="-228600" algn="l" defTabSz="914400" rtl="0" eaLnBrk="1" latinLnBrk="0" hangingPunct="1">
+              <a:lnSpc>
+                <a:spcPct val="90000"/>
+              </a:lnSpc>
+              <a:spcBef>
+                <a:spcPts val="500"/>
+              </a:spcBef>
+              <a:buFont typeface="Arial" panose="020B0604020202020204" pitchFamily="34" charset="0"/>
+              <a:buChar char="•"/>
+              <a:defRPr sz="2400" kern="1200">
+                <a:solidFill>
+                  <a:schemeClr val="tx1"/>
+                </a:solidFill>
+                <a:latin typeface="+mn-lt"/>
+                <a:ea typeface="+mn-ea"/>
+                <a:cs typeface="+mn-cs"/>
+              </a:defRPr>
+            </a:lvl2pPr>
+            <a:lvl3pPr marL="1143000" indent="-228600" algn="l" defTabSz="914400" rtl="0" eaLnBrk="1" latinLnBrk="0" hangingPunct="1">
+              <a:lnSpc>
+                <a:spcPct val="90000"/>
+              </a:lnSpc>
+              <a:spcBef>
+                <a:spcPts val="500"/>
+              </a:spcBef>
+              <a:buFont typeface="Arial" panose="020B0604020202020204" pitchFamily="34" charset="0"/>
+              <a:buChar char="•"/>
+              <a:defRPr sz="2000" kern="1200">
+                <a:solidFill>
+                  <a:schemeClr val="tx1"/>
+                </a:solidFill>
+                <a:latin typeface="+mn-lt"/>
+                <a:ea typeface="+mn-ea"/>
+                <a:cs typeface="+mn-cs"/>
+              </a:defRPr>
+            </a:lvl3pPr>
+            <a:lvl4pPr marL="1600200" indent="-228600" algn="l" defTabSz="914400" rtl="0" eaLnBrk="1" latinLnBrk="0" hangingPunct="1">
+              <a:lnSpc>
+                <a:spcPct val="90000"/>
+              </a:lnSpc>
+              <a:spcBef>
+                <a:spcPts val="500"/>
+              </a:spcBef>
+              <a:buFont typeface="Arial" panose="020B0604020202020204" pitchFamily="34" charset="0"/>
+              <a:buChar char="•"/>
+              <a:defRPr sz="1800" kern="1200">
+                <a:solidFill>
+                  <a:schemeClr val="tx1"/>
+                </a:solidFill>
+                <a:latin typeface="+mn-lt"/>
+                <a:ea typeface="+mn-ea"/>
+                <a:cs typeface="+mn-cs"/>
+              </a:defRPr>
+            </a:lvl4pPr>
+            <a:lvl5pPr marL="2057400" indent="-228600" algn="l" defTabSz="914400" rtl="0" eaLnBrk="1" latinLnBrk="0" hangingPunct="1">
+              <a:lnSpc>
+                <a:spcPct val="90000"/>
+              </a:lnSpc>
+              <a:spcBef>
+                <a:spcPts val="500"/>
+              </a:spcBef>
+              <a:buFont typeface="Arial" panose="020B0604020202020204" pitchFamily="34" charset="0"/>
+              <a:buChar char="•"/>
+              <a:defRPr sz="1800" kern="1200">
+                <a:solidFill>
+                  <a:schemeClr val="tx1"/>
+                </a:solidFill>
+                <a:latin typeface="+mn-lt"/>
+                <a:ea typeface="+mn-ea"/>
+                <a:cs typeface="+mn-cs"/>
+              </a:defRPr>
+            </a:lvl5pPr>
+            <a:lvl6pPr marL="2514600" indent="-228600" algn="l" defTabSz="914400" rtl="0" eaLnBrk="1" latinLnBrk="0" hangingPunct="1">
+              <a:lnSpc>
+                <a:spcPct val="90000"/>
+              </a:lnSpc>
+              <a:spcBef>
+                <a:spcPts val="500"/>
+              </a:spcBef>
+              <a:buFont typeface="Arial" panose="020B0604020202020204" pitchFamily="34" charset="0"/>
+              <a:buChar char="•"/>
+              <a:defRPr sz="1800" kern="1200">
+                <a:solidFill>
+                  <a:schemeClr val="tx1"/>
+                </a:solidFill>
+                <a:latin typeface="+mn-lt"/>
+                <a:ea typeface="+mn-ea"/>
+                <a:cs typeface="+mn-cs"/>
+              </a:defRPr>
+            </a:lvl6pPr>
+            <a:lvl7pPr marL="2971800" indent="-228600" algn="l" defTabSz="914400" rtl="0" eaLnBrk="1" latinLnBrk="0" hangingPunct="1">
+              <a:lnSpc>
+                <a:spcPct val="90000"/>
+              </a:lnSpc>
+              <a:spcBef>
+                <a:spcPts val="500"/>
+              </a:spcBef>
+              <a:buFont typeface="Arial" panose="020B0604020202020204" pitchFamily="34" charset="0"/>
+              <a:buChar char="•"/>
+              <a:defRPr sz="1800" kern="1200">
+                <a:solidFill>
+                  <a:schemeClr val="tx1"/>
+                </a:solidFill>
+                <a:latin typeface="+mn-lt"/>
+                <a:ea typeface="+mn-ea"/>
+                <a:cs typeface="+mn-cs"/>
+              </a:defRPr>
+            </a:lvl7pPr>
+            <a:lvl8pPr marL="3429000" indent="-228600" algn="l" defTabSz="914400" rtl="0" eaLnBrk="1" latinLnBrk="0" hangingPunct="1">
+              <a:lnSpc>
+                <a:spcPct val="90000"/>
+              </a:lnSpc>
+              <a:spcBef>
+                <a:spcPts val="500"/>
+              </a:spcBef>
+              <a:buFont typeface="Arial" panose="020B0604020202020204" pitchFamily="34" charset="0"/>
+              <a:buChar char="•"/>
+              <a:defRPr sz="1800" kern="1200">
+                <a:solidFill>
+                  <a:schemeClr val="tx1"/>
+                </a:solidFill>
+                <a:latin typeface="+mn-lt"/>
+                <a:ea typeface="+mn-ea"/>
+                <a:cs typeface="+mn-cs"/>
+              </a:defRPr>
+            </a:lvl8pPr>
+            <a:lvl9pPr marL="3886200" indent="-228600" algn="l" defTabSz="914400" rtl="0" eaLnBrk="1" latinLnBrk="0" hangingPunct="1">
+              <a:lnSpc>
+                <a:spcPct val="90000"/>
+              </a:lnSpc>
+              <a:spcBef>
+                <a:spcPts val="500"/>
+              </a:spcBef>
+              <a:buFont typeface="Arial" panose="020B0604020202020204" pitchFamily="34" charset="0"/>
+              <a:buChar char="•"/>
+              <a:defRPr sz="1800" kern="1200">
+                <a:solidFill>
+                  <a:schemeClr val="tx1"/>
+                </a:solidFill>
+                <a:latin typeface="+mn-lt"/>
+                <a:ea typeface="+mn-ea"/>
+                <a:cs typeface="+mn-cs"/>
+              </a:defRPr>
+            </a:lvl9pPr>
+          </a:lstStyle>
+          <a:p>
+            <a:pPr marL="0" indent="0">
+              <a:buNone/>
+            </a:pPr>
+            <a:r>
+              <a:rPr lang="en-NZ" dirty="0" err="1"/>
+              <a:t>uint</a:t>
+            </a:r>
+            <a:r>
+              <a:rPr lang="en-NZ" dirty="0"/>
+              <a:t>[] </a:t>
+            </a:r>
+            <a:r>
+              <a:rPr lang="en-NZ" dirty="0" err="1"/>
+              <a:t>arrayName</a:t>
+            </a:r>
+            <a:r>
+              <a:rPr lang="en-NZ" dirty="0"/>
+              <a:t> = </a:t>
+            </a:r>
+            <a:r>
+              <a:rPr lang="en-NZ" dirty="0" err="1"/>
+              <a:t>uint</a:t>
+            </a:r>
+            <a:r>
+              <a:rPr lang="en-NZ" dirty="0"/>
+              <a:t>[7]     //Why</a:t>
+            </a:r>
+            <a:r>
+              <a:rPr lang="zh-CN" altLang="en-US" dirty="0"/>
+              <a:t> </a:t>
+            </a:r>
+            <a:r>
+              <a:rPr lang="en-NZ" altLang="zh-CN" dirty="0"/>
+              <a:t>not?</a:t>
+            </a:r>
+            <a:endParaRPr lang="en-NZ" dirty="0"/>
+          </a:p>
+        </p:txBody>
+      </p:sp>
+      <p:sp>
+        <p:nvSpPr>
+          <p:cNvPr id="3" name="矩形 2">
+            <a:extLst>
+              <a:ext uri="{FF2B5EF4-FFF2-40B4-BE49-F238E27FC236}">
+                <a16:creationId xmlns:a16="http://schemas.microsoft.com/office/drawing/2014/main" id="{9A3309B5-7BA8-49F7-A5E9-A18004925220}"/>
+              </a:ext>
+            </a:extLst>
+          </p:cNvPr>
+          <p:cNvSpPr/>
+          <p:nvPr/>
+        </p:nvSpPr>
+        <p:spPr>
+          <a:xfrm>
+            <a:off x="1200007" y="1392413"/>
+            <a:ext cx="6836623" cy="523220"/>
+          </a:xfrm>
+          <a:prstGeom prst="rect">
+            <a:avLst/>
+          </a:prstGeom>
+        </p:spPr>
+        <p:txBody>
+          <a:bodyPr wrap="square">
+            <a:spAutoFit/>
+          </a:bodyPr>
+          <a:lstStyle/>
+          <a:p>
+            <a:pPr marL="457200" indent="-457200">
+              <a:buFont typeface="Arial" panose="020B0604020202020204" pitchFamily="34" charset="0"/>
+              <a:buChar char="•"/>
+            </a:pPr>
+            <a:r>
+              <a:rPr lang="en-NZ" sz="2800" dirty="0"/>
+              <a:t>What is this </a:t>
+            </a:r>
+            <a:r>
+              <a:rPr lang="en-NZ" sz="2800" dirty="0">
+                <a:solidFill>
+                  <a:srgbClr val="FF0000"/>
+                </a:solidFill>
+              </a:rPr>
+              <a:t>7 </a:t>
+            </a:r>
+            <a:r>
+              <a:rPr lang="en-NZ" sz="2800" dirty="0"/>
+              <a:t>stands for?</a:t>
+            </a:r>
+          </a:p>
+        </p:txBody>
+      </p:sp>
+    </p:spTree>
+    <p:extLst>
+      <p:ext uri="{BB962C8B-B14F-4D97-AF65-F5344CB8AC3E}">
+        <p14:creationId xmlns:p14="http://schemas.microsoft.com/office/powerpoint/2010/main" val="1687926652"/>
+      </p:ext>
+    </p:extLst>
+  </p:cSld>
+  <p:clrMapOvr>
+    <a:masterClrMapping/>
+  </p:clrMapOvr>
+  <p:timing>
+    <p:tnLst>
+      <p:par>
+        <p:cTn id="1" dur="indefinite" restart="never" nodeType="tmRoot">
+          <p:childTnLst>
+            <p:seq concurrent="1" nextAc="seek">
+              <p:cTn id="2" dur="indefinite" nodeType="mainSeq">
+                <p:childTnLst>
+                  <p:par>
+                    <p:cTn id="3" fill="hold">
+                      <p:stCondLst>
+                        <p:cond delay="indefinite"/>
+                      </p:stCondLst>
+                      <p:childTnLst>
+                        <p:par>
+                          <p:cTn id="4" fill="hold">
+                            <p:stCondLst>
+                              <p:cond delay="0"/>
+                            </p:stCondLst>
+                            <p:childTnLst>
+                              <p:par>
+                                <p:cTn id="5" presetID="10" presetClass="entr" presetSubtype="0" fill="hold" nodeType="clickEffect">
+                                  <p:stCondLst>
+                                    <p:cond delay="0"/>
+                                  </p:stCondLst>
+                                  <p:childTnLst>
+                                    <p:set>
+                                      <p:cBhvr>
+                                        <p:cTn id="6" dur="1" fill="hold">
+                                          <p:stCondLst>
+                                            <p:cond delay="0"/>
+                                          </p:stCondLst>
+                                        </p:cTn>
+                                        <p:tgtEl>
+                                          <p:spTgt spid="12"/>
+                                        </p:tgtEl>
+                                        <p:attrNameLst>
+                                          <p:attrName>style.visibility</p:attrName>
+                                        </p:attrNameLst>
+                                      </p:cBhvr>
+                                      <p:to>
+                                        <p:strVal val="visible"/>
+                                      </p:to>
+                                    </p:set>
+                                    <p:animEffect transition="in" filter="fade">
+                                      <p:cBhvr>
+                                        <p:cTn id="7" dur="500"/>
+                                        <p:tgtEl>
+                                          <p:spTgt spid="12"/>
+                                        </p:tgtEl>
+                                      </p:cBhvr>
+                                    </p:animEffect>
+                                  </p:childTnLst>
+                                </p:cTn>
+                              </p:par>
+                            </p:childTnLst>
+                          </p:cTn>
+                        </p:par>
+                      </p:childTnLst>
+                    </p:cTn>
+                  </p:par>
+                  <p:par>
+                    <p:cTn id="8" fill="hold">
+                      <p:stCondLst>
+                        <p:cond delay="indefinite"/>
+                      </p:stCondLst>
+                      <p:childTnLst>
+                        <p:par>
+                          <p:cTn id="9" fill="hold">
+                            <p:stCondLst>
+                              <p:cond delay="0"/>
+                            </p:stCondLst>
+                            <p:childTnLst>
+                              <p:par>
+                                <p:cTn id="10" presetID="10" presetClass="entr" presetSubtype="0" fill="hold" grpId="0" nodeType="clickEffect">
+                                  <p:stCondLst>
+                                    <p:cond delay="0"/>
+                                  </p:stCondLst>
+                                  <p:childTnLst>
+                                    <p:set>
+                                      <p:cBhvr>
+                                        <p:cTn id="11" dur="1" fill="hold">
+                                          <p:stCondLst>
+                                            <p:cond delay="0"/>
+                                          </p:stCondLst>
+                                        </p:cTn>
+                                        <p:tgtEl>
+                                          <p:spTgt spid="13"/>
+                                        </p:tgtEl>
+                                        <p:attrNameLst>
+                                          <p:attrName>style.visibility</p:attrName>
+                                        </p:attrNameLst>
+                                      </p:cBhvr>
+                                      <p:to>
+                                        <p:strVal val="visible"/>
+                                      </p:to>
+                                    </p:set>
+                                    <p:animEffect transition="in" filter="fade">
+                                      <p:cBhvr>
+                                        <p:cTn id="12" dur="500"/>
+                                        <p:tgtEl>
+                                          <p:spTgt spid="13"/>
+                                        </p:tgtEl>
+                                      </p:cBhvr>
+                                    </p:animEffect>
+                                  </p:childTnLst>
+                                </p:cTn>
+                              </p:par>
+                            </p:childTnLst>
+                          </p:cTn>
+                        </p:par>
+                      </p:childTnLst>
+                    </p:cTn>
+                  </p:par>
+                  <p:par>
+                    <p:cTn id="13" fill="hold">
+                      <p:stCondLst>
+                        <p:cond delay="indefinite"/>
+                      </p:stCondLst>
+                      <p:childTnLst>
+                        <p:par>
+                          <p:cTn id="14" fill="hold">
+                            <p:stCondLst>
+                              <p:cond delay="0"/>
+                            </p:stCondLst>
+                            <p:childTnLst>
+                              <p:par>
+                                <p:cTn id="15" presetID="10" presetClass="entr" presetSubtype="0" fill="hold" grpId="0" nodeType="clickEffect">
+                                  <p:stCondLst>
+                                    <p:cond delay="0"/>
+                                  </p:stCondLst>
+                                  <p:childTnLst>
+                                    <p:set>
+                                      <p:cBhvr>
+                                        <p:cTn id="16" dur="1" fill="hold">
+                                          <p:stCondLst>
+                                            <p:cond delay="0"/>
+                                          </p:stCondLst>
+                                        </p:cTn>
+                                        <p:tgtEl>
+                                          <p:spTgt spid="14"/>
+                                        </p:tgtEl>
+                                        <p:attrNameLst>
+                                          <p:attrName>style.visibility</p:attrName>
+                                        </p:attrNameLst>
+                                      </p:cBhvr>
+                                      <p:to>
+                                        <p:strVal val="visible"/>
+                                      </p:to>
+                                    </p:set>
+                                    <p:animEffect transition="in" filter="fade">
+                                      <p:cBhvr>
+                                        <p:cTn id="17" dur="500"/>
+                                        <p:tgtEl>
+                                          <p:spTgt spid="14"/>
+                                        </p:tgtEl>
+                                      </p:cBhvr>
+                                    </p:animEffect>
+                                  </p:childTnLst>
+                                </p:cTn>
+                              </p:par>
+                            </p:childTnLst>
+                          </p:cTn>
+                        </p:par>
+                      </p:childTnLst>
+                    </p:cTn>
+                  </p:par>
+                </p:childTnLst>
+              </p:cTn>
+              <p:prevCondLst>
+                <p:cond evt="onPrev" delay="0">
+                  <p:tgtEl>
+                    <p:sldTgt/>
+                  </p:tgtEl>
+                </p:cond>
+              </p:prevCondLst>
+              <p:nextCondLst>
+                <p:cond evt="onNext" delay="0">
+                  <p:tgtEl>
+                    <p:sldTgt/>
+                  </p:tgtEl>
+                </p:cond>
+              </p:nextCondLst>
+            </p:seq>
+          </p:childTnLst>
+        </p:cTn>
+      </p:par>
+    </p:tnLst>
+    <p:bldLst>
+      <p:bldP spid="13" grpId="0"/>
+      <p:bldP spid="14" grpId="0"/>
+    </p:bldLst>
+  </p:timing>
+</p:sld>
+</file>
+
+<file path=ppt/slides/slide8.xml><?xml version="1.0" encoding="utf-8"?>
+<p:sld xmlns:a="http://schemas.openxmlformats.org/drawingml/2006/main" xmlns:r="http://schemas.openxmlformats.org/officeDocument/2006/relationships" xmlns:p="http://schemas.openxmlformats.org/presentationml/2006/main">
+  <p:cSld>
+    <p:spTree>
+      <p:nvGrpSpPr>
+        <p:cNvPr id="1" name=""/>
+        <p:cNvGrpSpPr/>
+        <p:nvPr/>
+      </p:nvGrpSpPr>
+      <p:grpSpPr>
+        <a:xfrm>
+          <a:off x="0" y="0"/>
+          <a:ext cx="0" cy="0"/>
+          <a:chOff x="0" y="0"/>
+          <a:chExt cx="0" cy="0"/>
+        </a:xfrm>
+      </p:grpSpPr>
+      <p:sp>
+        <p:nvSpPr>
+          <p:cNvPr id="2" name="Title 1"/>
+          <p:cNvSpPr>
+            <a:spLocks noGrp="1"/>
+          </p:cNvSpPr>
+          <p:nvPr>
+            <p:ph type="title"/>
+          </p:nvPr>
+        </p:nvSpPr>
+        <p:spPr/>
+        <p:txBody>
+          <a:bodyPr/>
+          <a:lstStyle/>
+          <a:p>
+            <a:r>
+              <a:rPr lang="en-US" dirty="0"/>
+              <a:t>Problem 2 Array</a:t>
+            </a:r>
+          </a:p>
+        </p:txBody>
+      </p:sp>
+      <p:pic>
+        <p:nvPicPr>
+          <p:cNvPr id="6" name="Picture 5"/>
+          <p:cNvPicPr>
+            <a:picLocks noChangeAspect="1"/>
+          </p:cNvPicPr>
+          <p:nvPr/>
+        </p:nvPicPr>
+        <p:blipFill>
+          <a:blip r:embed="rId2">
+            <a:extLst>
+              <a:ext uri="{28A0092B-C50C-407E-A947-70E740481C1C}">
+                <a14:useLocalDpi xmlns:a14="http://schemas.microsoft.com/office/drawing/2010/main" val="0"/>
+              </a:ext>
+            </a:extLst>
+          </a:blip>
+          <a:stretch>
+            <a:fillRect/>
+          </a:stretch>
+        </p:blipFill>
+        <p:spPr>
+          <a:xfrm>
+            <a:off x="9705474" y="0"/>
+            <a:ext cx="2486526" cy="1666792"/>
+          </a:xfrm>
+          <a:prstGeom prst="rect">
+            <a:avLst/>
+          </a:prstGeom>
+        </p:spPr>
+      </p:pic>
+      <p:pic>
+        <p:nvPicPr>
+          <p:cNvPr id="3" name="内容占位符 2">
+            <a:extLst>
+              <a:ext uri="{FF2B5EF4-FFF2-40B4-BE49-F238E27FC236}">
+                <a16:creationId xmlns:a16="http://schemas.microsoft.com/office/drawing/2014/main" id="{39B48C08-BAE0-4127-9FD5-2C0292B6D51F}"/>
+              </a:ext>
+            </a:extLst>
+          </p:cNvPr>
+          <p:cNvPicPr>
+            <a:picLocks noGrp="1" noChangeAspect="1"/>
+          </p:cNvPicPr>
+          <p:nvPr>
+            <p:ph idx="1"/>
+          </p:nvPr>
+        </p:nvPicPr>
+        <p:blipFill>
+          <a:blip r:embed="rId3"/>
+          <a:stretch>
+            <a:fillRect/>
+          </a:stretch>
+        </p:blipFill>
+        <p:spPr>
+          <a:xfrm>
+            <a:off x="838200" y="4354160"/>
+            <a:ext cx="7282222" cy="2010909"/>
+          </a:xfrm>
+          <a:prstGeom prst="rect">
+            <a:avLst/>
+          </a:prstGeom>
+        </p:spPr>
+      </p:pic>
+      <p:sp>
+        <p:nvSpPr>
+          <p:cNvPr id="7" name="内容占位符 3">
+            <a:extLst>
+              <a:ext uri="{FF2B5EF4-FFF2-40B4-BE49-F238E27FC236}">
+                <a16:creationId xmlns:a16="http://schemas.microsoft.com/office/drawing/2014/main" id="{511C4F7A-2DB6-48EA-89B8-BA4D6BAAD560}"/>
+              </a:ext>
+            </a:extLst>
+          </p:cNvPr>
+          <p:cNvSpPr txBox="1">
+            <a:spLocks/>
+          </p:cNvSpPr>
+          <p:nvPr/>
+        </p:nvSpPr>
+        <p:spPr>
+          <a:xfrm>
+            <a:off x="838200" y="1825625"/>
+            <a:ext cx="8016240" cy="1325563"/>
+          </a:xfrm>
+          <a:prstGeom prst="rect">
+            <a:avLst/>
+          </a:prstGeom>
+        </p:spPr>
+        <p:txBody>
+          <a:bodyPr vert="horz" lIns="91440" tIns="45720" rIns="91440" bIns="45720" rtlCol="0">
+            <a:normAutofit/>
+          </a:bodyPr>
+          <a:lstStyle>
+            <a:lvl1pPr marL="228600" indent="-228600" algn="l" defTabSz="914400" rtl="0" eaLnBrk="1" latinLnBrk="0" hangingPunct="1">
+              <a:lnSpc>
+                <a:spcPct val="90000"/>
+              </a:lnSpc>
+              <a:spcBef>
+                <a:spcPts val="1000"/>
+              </a:spcBef>
+              <a:buFont typeface="Arial" panose="020B0604020202020204" pitchFamily="34" charset="0"/>
+              <a:buChar char="•"/>
+              <a:defRPr sz="2800" kern="1200">
+                <a:solidFill>
+                  <a:schemeClr val="tx1"/>
+                </a:solidFill>
+                <a:latin typeface="+mn-lt"/>
+                <a:ea typeface="+mn-ea"/>
+                <a:cs typeface="+mn-cs"/>
+              </a:defRPr>
+            </a:lvl1pPr>
+            <a:lvl2pPr marL="685800" indent="-228600" algn="l" defTabSz="914400" rtl="0" eaLnBrk="1" latinLnBrk="0" hangingPunct="1">
+              <a:lnSpc>
+                <a:spcPct val="90000"/>
+              </a:lnSpc>
+              <a:spcBef>
+                <a:spcPts val="500"/>
+              </a:spcBef>
+              <a:buFont typeface="Arial" panose="020B0604020202020204" pitchFamily="34" charset="0"/>
+              <a:buChar char="•"/>
+              <a:defRPr sz="2400" kern="1200">
+                <a:solidFill>
+                  <a:schemeClr val="tx1"/>
+                </a:solidFill>
+                <a:latin typeface="+mn-lt"/>
+                <a:ea typeface="+mn-ea"/>
+                <a:cs typeface="+mn-cs"/>
+              </a:defRPr>
+            </a:lvl2pPr>
+            <a:lvl3pPr marL="1143000" indent="-228600" algn="l" defTabSz="914400" rtl="0" eaLnBrk="1" latinLnBrk="0" hangingPunct="1">
+              <a:lnSpc>
+                <a:spcPct val="90000"/>
+              </a:lnSpc>
+              <a:spcBef>
+                <a:spcPts val="500"/>
+              </a:spcBef>
+              <a:buFont typeface="Arial" panose="020B0604020202020204" pitchFamily="34" charset="0"/>
+              <a:buChar char="•"/>
+              <a:defRPr sz="2000" kern="1200">
+                <a:solidFill>
+                  <a:schemeClr val="tx1"/>
+                </a:solidFill>
+                <a:latin typeface="+mn-lt"/>
+                <a:ea typeface="+mn-ea"/>
+                <a:cs typeface="+mn-cs"/>
+              </a:defRPr>
+            </a:lvl3pPr>
+            <a:lvl4pPr marL="1600200" indent="-228600" algn="l" defTabSz="914400" rtl="0" eaLnBrk="1" latinLnBrk="0" hangingPunct="1">
+              <a:lnSpc>
+                <a:spcPct val="90000"/>
+              </a:lnSpc>
+              <a:spcBef>
+                <a:spcPts val="500"/>
+              </a:spcBef>
+              <a:buFont typeface="Arial" panose="020B0604020202020204" pitchFamily="34" charset="0"/>
+              <a:buChar char="•"/>
+              <a:defRPr sz="1800" kern="1200">
+                <a:solidFill>
+                  <a:schemeClr val="tx1"/>
+                </a:solidFill>
+                <a:latin typeface="+mn-lt"/>
+                <a:ea typeface="+mn-ea"/>
+                <a:cs typeface="+mn-cs"/>
+              </a:defRPr>
+            </a:lvl4pPr>
+            <a:lvl5pPr marL="2057400" indent="-228600" algn="l" defTabSz="914400" rtl="0" eaLnBrk="1" latinLnBrk="0" hangingPunct="1">
+              <a:lnSpc>
+                <a:spcPct val="90000"/>
+              </a:lnSpc>
+              <a:spcBef>
+                <a:spcPts val="500"/>
+              </a:spcBef>
+              <a:buFont typeface="Arial" panose="020B0604020202020204" pitchFamily="34" charset="0"/>
+              <a:buChar char="•"/>
+              <a:defRPr sz="1800" kern="1200">
+                <a:solidFill>
+                  <a:schemeClr val="tx1"/>
+                </a:solidFill>
+                <a:latin typeface="+mn-lt"/>
+                <a:ea typeface="+mn-ea"/>
+                <a:cs typeface="+mn-cs"/>
+              </a:defRPr>
+            </a:lvl5pPr>
+            <a:lvl6pPr marL="2514600" indent="-228600" algn="l" defTabSz="914400" rtl="0" eaLnBrk="1" latinLnBrk="0" hangingPunct="1">
+              <a:lnSpc>
+                <a:spcPct val="90000"/>
+              </a:lnSpc>
+              <a:spcBef>
+                <a:spcPts val="500"/>
+              </a:spcBef>
+              <a:buFont typeface="Arial" panose="020B0604020202020204" pitchFamily="34" charset="0"/>
+              <a:buChar char="•"/>
+              <a:defRPr sz="1800" kern="1200">
+                <a:solidFill>
+                  <a:schemeClr val="tx1"/>
+                </a:solidFill>
+                <a:latin typeface="+mn-lt"/>
+                <a:ea typeface="+mn-ea"/>
+                <a:cs typeface="+mn-cs"/>
+              </a:defRPr>
+            </a:lvl6pPr>
+            <a:lvl7pPr marL="2971800" indent="-228600" algn="l" defTabSz="914400" rtl="0" eaLnBrk="1" latinLnBrk="0" hangingPunct="1">
+              <a:lnSpc>
+                <a:spcPct val="90000"/>
+              </a:lnSpc>
+              <a:spcBef>
+                <a:spcPts val="500"/>
+              </a:spcBef>
+              <a:buFont typeface="Arial" panose="020B0604020202020204" pitchFamily="34" charset="0"/>
+              <a:buChar char="•"/>
+              <a:defRPr sz="1800" kern="1200">
+                <a:solidFill>
+                  <a:schemeClr val="tx1"/>
+                </a:solidFill>
+                <a:latin typeface="+mn-lt"/>
+                <a:ea typeface="+mn-ea"/>
+                <a:cs typeface="+mn-cs"/>
+              </a:defRPr>
+            </a:lvl7pPr>
+            <a:lvl8pPr marL="3429000" indent="-228600" algn="l" defTabSz="914400" rtl="0" eaLnBrk="1" latinLnBrk="0" hangingPunct="1">
+              <a:lnSpc>
+                <a:spcPct val="90000"/>
+              </a:lnSpc>
+              <a:spcBef>
+                <a:spcPts val="500"/>
+              </a:spcBef>
+              <a:buFont typeface="Arial" panose="020B0604020202020204" pitchFamily="34" charset="0"/>
+              <a:buChar char="•"/>
+              <a:defRPr sz="1800" kern="1200">
+                <a:solidFill>
+                  <a:schemeClr val="tx1"/>
+                </a:solidFill>
+                <a:latin typeface="+mn-lt"/>
+                <a:ea typeface="+mn-ea"/>
+                <a:cs typeface="+mn-cs"/>
+              </a:defRPr>
+            </a:lvl8pPr>
+            <a:lvl9pPr marL="3886200" indent="-228600" algn="l" defTabSz="914400" rtl="0" eaLnBrk="1" latinLnBrk="0" hangingPunct="1">
+              <a:lnSpc>
+                <a:spcPct val="90000"/>
+              </a:lnSpc>
+              <a:spcBef>
+                <a:spcPts val="500"/>
+              </a:spcBef>
+              <a:buFont typeface="Arial" panose="020B0604020202020204" pitchFamily="34" charset="0"/>
+              <a:buChar char="•"/>
+              <a:defRPr sz="1800" kern="1200">
+                <a:solidFill>
+                  <a:schemeClr val="tx1"/>
+                </a:solidFill>
+                <a:latin typeface="+mn-lt"/>
+                <a:ea typeface="+mn-ea"/>
+                <a:cs typeface="+mn-cs"/>
+              </a:defRPr>
+            </a:lvl9pPr>
+          </a:lstStyle>
+          <a:p>
+            <a:r>
+              <a:rPr lang="en-NZ" dirty="0"/>
+              <a:t>Fixed-sized array – cannot reassign length</a:t>
+            </a:r>
+          </a:p>
+        </p:txBody>
+      </p:sp>
+      <p:pic>
+        <p:nvPicPr>
+          <p:cNvPr id="5" name="图片 4">
+            <a:extLst>
+              <a:ext uri="{FF2B5EF4-FFF2-40B4-BE49-F238E27FC236}">
+                <a16:creationId xmlns:a16="http://schemas.microsoft.com/office/drawing/2014/main" id="{BC08C8D5-3A30-4B44-89B8-38E01D7C7E67}"/>
+              </a:ext>
+            </a:extLst>
+          </p:cNvPr>
+          <p:cNvPicPr>
+            <a:picLocks noChangeAspect="1"/>
+          </p:cNvPicPr>
+          <p:nvPr/>
+        </p:nvPicPr>
+        <p:blipFill>
+          <a:blip r:embed="rId4"/>
+          <a:stretch>
+            <a:fillRect/>
+          </a:stretch>
+        </p:blipFill>
+        <p:spPr>
+          <a:xfrm>
+            <a:off x="838200" y="2328413"/>
+            <a:ext cx="7282221" cy="1915423"/>
+          </a:xfrm>
+          <a:prstGeom prst="rect">
+            <a:avLst/>
+          </a:prstGeom>
+          <a:ln>
+            <a:solidFill>
+              <a:schemeClr val="tx1"/>
+            </a:solidFill>
+          </a:ln>
+        </p:spPr>
+      </p:pic>
+      <p:cxnSp>
+        <p:nvCxnSpPr>
+          <p:cNvPr id="8" name="直接连接符 7">
+            <a:extLst>
+              <a:ext uri="{FF2B5EF4-FFF2-40B4-BE49-F238E27FC236}">
+                <a16:creationId xmlns:a16="http://schemas.microsoft.com/office/drawing/2014/main" id="{83061BF3-D4AA-4B09-9939-9C96A2FD5B33}"/>
+              </a:ext>
+            </a:extLst>
+          </p:cNvPr>
+          <p:cNvCxnSpPr>
+            <a:cxnSpLocks/>
+          </p:cNvCxnSpPr>
+          <p:nvPr/>
+        </p:nvCxnSpPr>
+        <p:spPr>
+          <a:xfrm>
+            <a:off x="2899955" y="5416732"/>
+            <a:ext cx="2037806" cy="0"/>
+          </a:xfrm>
+          <a:prstGeom prst="line">
+            <a:avLst/>
+          </a:prstGeom>
+          <a:ln w="57150">
+            <a:solidFill>
+              <a:srgbClr val="C00000"/>
+            </a:solidFill>
+          </a:ln>
+        </p:spPr>
+        <p:style>
+          <a:lnRef idx="3">
+            <a:schemeClr val="accent2"/>
+          </a:lnRef>
+          <a:fillRef idx="0">
+            <a:schemeClr val="accent2"/>
+          </a:fillRef>
+          <a:effectRef idx="2">
+            <a:schemeClr val="accent2"/>
+          </a:effectRef>
+          <a:fontRef idx="minor">
+            <a:schemeClr val="tx1"/>
+          </a:fontRef>
+        </p:style>
+      </p:cxnSp>
+    </p:spTree>
+    <p:extLst>
+      <p:ext uri="{BB962C8B-B14F-4D97-AF65-F5344CB8AC3E}">
+        <p14:creationId xmlns:p14="http://schemas.microsoft.com/office/powerpoint/2010/main" val="3980504629"/>
+      </p:ext>
+    </p:extLst>
+  </p:cSld>
+  <p:clrMapOvr>
+    <a:masterClrMapping/>
+  </p:clrMapOvr>
+  <p:timing>
+    <p:tnLst>
+      <p:par>
+        <p:cTn id="1" dur="indefinite" restart="never" nodeType="tmRoot">
+          <p:childTnLst>
+            <p:seq concurrent="1" nextAc="seek">
+              <p:cTn id="2" dur="indefinite" nodeType="mainSeq">
+                <p:childTnLst>
+                  <p:par>
+                    <p:cTn id="3" fill="hold">
+                      <p:stCondLst>
+                        <p:cond delay="indefinite"/>
+                      </p:stCondLst>
+                      <p:childTnLst>
+                        <p:par>
+                          <p:cTn id="4" fill="hold">
+                            <p:stCondLst>
+                              <p:cond delay="0"/>
+                            </p:stCondLst>
+                            <p:childTnLst>
+                              <p:par>
+                                <p:cTn id="5" presetID="10" presetClass="entr" presetSubtype="0" fill="hold" nodeType="clickEffect">
+                                  <p:stCondLst>
+                                    <p:cond delay="0"/>
+                                  </p:stCondLst>
+                                  <p:childTnLst>
+                                    <p:set>
+                                      <p:cBhvr>
+                                        <p:cTn id="6" dur="1" fill="hold">
+                                          <p:stCondLst>
+                                            <p:cond delay="0"/>
+                                          </p:stCondLst>
+                                        </p:cTn>
+                                        <p:tgtEl>
+                                          <p:spTgt spid="5"/>
+                                        </p:tgtEl>
+                                        <p:attrNameLst>
+                                          <p:attrName>style.visibility</p:attrName>
+                                        </p:attrNameLst>
+                                      </p:cBhvr>
+                                      <p:to>
+                                        <p:strVal val="visible"/>
+                                      </p:to>
+                                    </p:set>
+                                    <p:animEffect transition="in" filter="fade">
+                                      <p:cBhvr>
+                                        <p:cTn id="7" dur="500"/>
+                                        <p:tgtEl>
+                                          <p:spTgt spid="5"/>
+                                        </p:tgtEl>
+                                      </p:cBhvr>
+                                    </p:animEffect>
+                                  </p:childTnLst>
+                                </p:cTn>
+                              </p:par>
+                            </p:childTnLst>
+                          </p:cTn>
+                        </p:par>
+                      </p:childTnLst>
+                    </p:cTn>
+                  </p:par>
+                  <p:par>
+                    <p:cTn id="8" fill="hold">
+                      <p:stCondLst>
+                        <p:cond delay="indefinite"/>
+                      </p:stCondLst>
+                      <p:childTnLst>
+                        <p:par>
+                          <p:cTn id="9" fill="hold">
+                            <p:stCondLst>
+                              <p:cond delay="0"/>
+                            </p:stCondLst>
+                            <p:childTnLst>
+                              <p:par>
+                                <p:cTn id="10" presetID="10" presetClass="entr" presetSubtype="0" fill="hold" nodeType="clickEffect">
+                                  <p:stCondLst>
+                                    <p:cond delay="0"/>
+                                  </p:stCondLst>
+                                  <p:childTnLst>
+                                    <p:set>
+                                      <p:cBhvr>
+                                        <p:cTn id="11" dur="1" fill="hold">
+                                          <p:stCondLst>
+                                            <p:cond delay="0"/>
+                                          </p:stCondLst>
+                                        </p:cTn>
+                                        <p:tgtEl>
+                                          <p:spTgt spid="3"/>
+                                        </p:tgtEl>
+                                        <p:attrNameLst>
+                                          <p:attrName>style.visibility</p:attrName>
+                                        </p:attrNameLst>
+                                      </p:cBhvr>
+                                      <p:to>
+                                        <p:strVal val="visible"/>
+                                      </p:to>
+                                    </p:set>
+                                    <p:animEffect transition="in" filter="fade">
+                                      <p:cBhvr>
+                                        <p:cTn id="12" dur="500"/>
+                                        <p:tgtEl>
+                                          <p:spTgt spid="3"/>
+                                        </p:tgtEl>
+                                      </p:cBhvr>
+                                    </p:animEffect>
+                                  </p:childTnLst>
+                                </p:cTn>
+                              </p:par>
+                            </p:childTnLst>
+                          </p:cTn>
+                        </p:par>
+                      </p:childTnLst>
+                    </p:cTn>
+                  </p:par>
+                  <p:par>
+                    <p:cTn id="13" fill="hold">
+                      <p:stCondLst>
+                        <p:cond delay="indefinite"/>
+                      </p:stCondLst>
+                      <p:childTnLst>
+                        <p:par>
+                          <p:cTn id="14" fill="hold">
+                            <p:stCondLst>
+                              <p:cond delay="0"/>
+                            </p:stCondLst>
+                            <p:childTnLst>
+                              <p:par>
+                                <p:cTn id="15" presetID="10" presetClass="entr" presetSubtype="0" fill="hold" nodeType="clickEffect">
+                                  <p:stCondLst>
+                                    <p:cond delay="0"/>
+                                  </p:stCondLst>
+                                  <p:childTnLst>
+                                    <p:set>
+                                      <p:cBhvr>
+                                        <p:cTn id="16" dur="1" fill="hold">
+                                          <p:stCondLst>
+                                            <p:cond delay="0"/>
+                                          </p:stCondLst>
+                                        </p:cTn>
+                                        <p:tgtEl>
+                                          <p:spTgt spid="8"/>
+                                        </p:tgtEl>
+                                        <p:attrNameLst>
+                                          <p:attrName>style.visibility</p:attrName>
+                                        </p:attrNameLst>
+                                      </p:cBhvr>
+                                      <p:to>
+                                        <p:strVal val="visible"/>
+                                      </p:to>
+                                    </p:set>
+                                    <p:animEffect transition="in" filter="fade">
+                                      <p:cBhvr>
+                                        <p:cTn id="17" dur="500"/>
+                                        <p:tgtEl>
+                                          <p:spTgt spid="8"/>
+                                        </p:tgtEl>
+                                      </p:cBhvr>
+                                    </p:animEffect>
+                                  </p:childTnLst>
+                                </p:cTn>
+                              </p:par>
+                            </p:childTnLst>
+                          </p:cTn>
+                        </p:par>
+                      </p:childTnLst>
+                    </p:cTn>
+                  </p:par>
+                </p:childTnLst>
+              </p:cTn>
+              <p:prevCondLst>
+                <p:cond evt="onPrev" delay="0">
+                  <p:tgtEl>
+                    <p:sldTgt/>
+                  </p:tgtEl>
+                </p:cond>
+              </p:prevCondLst>
+              <p:nextCondLst>
+                <p:cond evt="onNext" delay="0">
+                  <p:tgtEl>
+                    <p:sldTgt/>
+                  </p:tgtEl>
+                </p:cond>
+              </p:nextCondLst>
+            </p:seq>
+          </p:childTnLst>
+        </p:cTn>
+      </p:par>
+    </p:tnLst>
+  </p:timing>
+</p:sld>
+</file>
+
+<file path=ppt/slides/slide9.xml><?xml version="1.0" encoding="utf-8"?>
+<p:sld xmlns:a="http://schemas.openxmlformats.org/drawingml/2006/main" xmlns:r="http://schemas.openxmlformats.org/officeDocument/2006/relationships" xmlns:p="http://schemas.openxmlformats.org/presentationml/2006/main">
+  <p:cSld>
+    <p:spTree>
+      <p:nvGrpSpPr>
+        <p:cNvPr id="1" name=""/>
+        <p:cNvGrpSpPr/>
+        <p:nvPr/>
+      </p:nvGrpSpPr>
+      <p:grpSpPr>
+        <a:xfrm>
+          <a:off x="0" y="0"/>
+          <a:ext cx="0" cy="0"/>
+          <a:chOff x="0" y="0"/>
+          <a:chExt cx="0" cy="0"/>
+        </a:xfrm>
+      </p:grpSpPr>
+      <p:sp>
+        <p:nvSpPr>
+          <p:cNvPr id="2" name="Title 1"/>
+          <p:cNvSpPr>
+            <a:spLocks noGrp="1"/>
+          </p:cNvSpPr>
+          <p:nvPr>
+            <p:ph type="title"/>
+          </p:nvPr>
+        </p:nvSpPr>
+        <p:spPr/>
+        <p:txBody>
+          <a:bodyPr/>
+          <a:lstStyle/>
+          <a:p>
+            <a:r>
+              <a:rPr lang="en-US" dirty="0"/>
+              <a:t>Problem 2 Array</a:t>
+            </a:r>
+          </a:p>
+        </p:txBody>
+      </p:sp>
+      <p:pic>
+        <p:nvPicPr>
+          <p:cNvPr id="6" name="Picture 5"/>
+          <p:cNvPicPr>
+            <a:picLocks noChangeAspect="1"/>
+          </p:cNvPicPr>
+          <p:nvPr/>
+        </p:nvPicPr>
+        <p:blipFill>
+          <a:blip r:embed="rId2">
+            <a:extLst>
+              <a:ext uri="{28A0092B-C50C-407E-A947-70E740481C1C}">
+                <a14:useLocalDpi xmlns:a14="http://schemas.microsoft.com/office/drawing/2010/main" val="0"/>
+              </a:ext>
+            </a:extLst>
+          </a:blip>
+          <a:stretch>
+            <a:fillRect/>
+          </a:stretch>
+        </p:blipFill>
+        <p:spPr>
+          <a:xfrm>
+            <a:off x="9705474" y="0"/>
+            <a:ext cx="2486526" cy="1666792"/>
+          </a:xfrm>
+          <a:prstGeom prst="rect">
+            <a:avLst/>
+          </a:prstGeom>
+        </p:spPr>
+      </p:pic>
+      <p:sp>
+        <p:nvSpPr>
+          <p:cNvPr id="7" name="内容占位符 3">
+            <a:extLst>
+              <a:ext uri="{FF2B5EF4-FFF2-40B4-BE49-F238E27FC236}">
+                <a16:creationId xmlns:a16="http://schemas.microsoft.com/office/drawing/2014/main" id="{511C4F7A-2DB6-48EA-89B8-BA4D6BAAD560}"/>
+              </a:ext>
+            </a:extLst>
+          </p:cNvPr>
+          <p:cNvSpPr txBox="1">
+            <a:spLocks/>
+          </p:cNvSpPr>
+          <p:nvPr/>
+        </p:nvSpPr>
+        <p:spPr>
+          <a:xfrm>
+            <a:off x="838200" y="1825625"/>
+            <a:ext cx="9204960" cy="1325563"/>
+          </a:xfrm>
+          <a:prstGeom prst="rect">
+            <a:avLst/>
+          </a:prstGeom>
+        </p:spPr>
+        <p:txBody>
+          <a:bodyPr vert="horz" lIns="91440" tIns="45720" rIns="91440" bIns="45720" rtlCol="0">
+            <a:normAutofit/>
+          </a:bodyPr>
+          <a:lstStyle>
+            <a:lvl1pPr marL="228600" indent="-228600" algn="l" defTabSz="914400" rtl="0" eaLnBrk="1" latinLnBrk="0" hangingPunct="1">
+              <a:lnSpc>
+                <a:spcPct val="90000"/>
+              </a:lnSpc>
+              <a:spcBef>
+                <a:spcPts val="1000"/>
+              </a:spcBef>
+              <a:buFont typeface="Arial" panose="020B0604020202020204" pitchFamily="34" charset="0"/>
+              <a:buChar char="•"/>
+              <a:defRPr sz="2800" kern="1200">
+                <a:solidFill>
+                  <a:schemeClr val="tx1"/>
+                </a:solidFill>
+                <a:latin typeface="+mn-lt"/>
+                <a:ea typeface="+mn-ea"/>
+                <a:cs typeface="+mn-cs"/>
+              </a:defRPr>
+            </a:lvl1pPr>
+            <a:lvl2pPr marL="685800" indent="-228600" algn="l" defTabSz="914400" rtl="0" eaLnBrk="1" latinLnBrk="0" hangingPunct="1">
+              <a:lnSpc>
+                <a:spcPct val="90000"/>
+              </a:lnSpc>
+              <a:spcBef>
+                <a:spcPts val="500"/>
+              </a:spcBef>
+              <a:buFont typeface="Arial" panose="020B0604020202020204" pitchFamily="34" charset="0"/>
+              <a:buChar char="•"/>
+              <a:defRPr sz="2400" kern="1200">
+                <a:solidFill>
+                  <a:schemeClr val="tx1"/>
+                </a:solidFill>
+                <a:latin typeface="+mn-lt"/>
+                <a:ea typeface="+mn-ea"/>
+                <a:cs typeface="+mn-cs"/>
+              </a:defRPr>
+            </a:lvl2pPr>
+            <a:lvl3pPr marL="1143000" indent="-228600" algn="l" defTabSz="914400" rtl="0" eaLnBrk="1" latinLnBrk="0" hangingPunct="1">
+              <a:lnSpc>
+                <a:spcPct val="90000"/>
+              </a:lnSpc>
+              <a:spcBef>
+                <a:spcPts val="500"/>
+              </a:spcBef>
+              <a:buFont typeface="Arial" panose="020B0604020202020204" pitchFamily="34" charset="0"/>
+              <a:buChar char="•"/>
+              <a:defRPr sz="2000" kern="1200">
+                <a:solidFill>
+                  <a:schemeClr val="tx1"/>
+                </a:solidFill>
+                <a:latin typeface="+mn-lt"/>
+                <a:ea typeface="+mn-ea"/>
+                <a:cs typeface="+mn-cs"/>
+              </a:defRPr>
+            </a:lvl3pPr>
+            <a:lvl4pPr marL="1600200" indent="-228600" algn="l" defTabSz="914400" rtl="0" eaLnBrk="1" latinLnBrk="0" hangingPunct="1">
+              <a:lnSpc>
+                <a:spcPct val="90000"/>
+              </a:lnSpc>
+              <a:spcBef>
+                <a:spcPts val="500"/>
+              </a:spcBef>
+              <a:buFont typeface="Arial" panose="020B0604020202020204" pitchFamily="34" charset="0"/>
+              <a:buChar char="•"/>
+              <a:defRPr sz="1800" kern="1200">
+                <a:solidFill>
+                  <a:schemeClr val="tx1"/>
+                </a:solidFill>
+                <a:latin typeface="+mn-lt"/>
+                <a:ea typeface="+mn-ea"/>
+                <a:cs typeface="+mn-cs"/>
+              </a:defRPr>
+            </a:lvl4pPr>
+            <a:lvl5pPr marL="2057400" indent="-228600" algn="l" defTabSz="914400" rtl="0" eaLnBrk="1" latinLnBrk="0" hangingPunct="1">
+              <a:lnSpc>
+                <a:spcPct val="90000"/>
+              </a:lnSpc>
+              <a:spcBef>
+                <a:spcPts val="500"/>
+              </a:spcBef>
+              <a:buFont typeface="Arial" panose="020B0604020202020204" pitchFamily="34" charset="0"/>
+              <a:buChar char="•"/>
+              <a:defRPr sz="1800" kern="1200">
+                <a:solidFill>
+                  <a:schemeClr val="tx1"/>
+                </a:solidFill>
+                <a:latin typeface="+mn-lt"/>
+                <a:ea typeface="+mn-ea"/>
+                <a:cs typeface="+mn-cs"/>
+              </a:defRPr>
+            </a:lvl5pPr>
+            <a:lvl6pPr marL="2514600" indent="-228600" algn="l" defTabSz="914400" rtl="0" eaLnBrk="1" latinLnBrk="0" hangingPunct="1">
+              <a:lnSpc>
+                <a:spcPct val="90000"/>
+              </a:lnSpc>
+              <a:spcBef>
+                <a:spcPts val="500"/>
+              </a:spcBef>
+              <a:buFont typeface="Arial" panose="020B0604020202020204" pitchFamily="34" charset="0"/>
+              <a:buChar char="•"/>
+              <a:defRPr sz="1800" kern="1200">
+                <a:solidFill>
+                  <a:schemeClr val="tx1"/>
+                </a:solidFill>
+                <a:latin typeface="+mn-lt"/>
+                <a:ea typeface="+mn-ea"/>
+                <a:cs typeface="+mn-cs"/>
+              </a:defRPr>
+            </a:lvl6pPr>
+            <a:lvl7pPr marL="2971800" indent="-228600" algn="l" defTabSz="914400" rtl="0" eaLnBrk="1" latinLnBrk="0" hangingPunct="1">
+              <a:lnSpc>
+                <a:spcPct val="90000"/>
+              </a:lnSpc>
+              <a:spcBef>
+                <a:spcPts val="500"/>
+              </a:spcBef>
+              <a:buFont typeface="Arial" panose="020B0604020202020204" pitchFamily="34" charset="0"/>
+              <a:buChar char="•"/>
+              <a:defRPr sz="1800" kern="1200">
+                <a:solidFill>
+                  <a:schemeClr val="tx1"/>
+                </a:solidFill>
+                <a:latin typeface="+mn-lt"/>
+                <a:ea typeface="+mn-ea"/>
+                <a:cs typeface="+mn-cs"/>
+              </a:defRPr>
+            </a:lvl7pPr>
+            <a:lvl8pPr marL="3429000" indent="-228600" algn="l" defTabSz="914400" rtl="0" eaLnBrk="1" latinLnBrk="0" hangingPunct="1">
+              <a:lnSpc>
+                <a:spcPct val="90000"/>
+              </a:lnSpc>
+              <a:spcBef>
+                <a:spcPts val="500"/>
+              </a:spcBef>
+              <a:buFont typeface="Arial" panose="020B0604020202020204" pitchFamily="34" charset="0"/>
+              <a:buChar char="•"/>
+              <a:defRPr sz="1800" kern="1200">
+                <a:solidFill>
+                  <a:schemeClr val="tx1"/>
+                </a:solidFill>
+                <a:latin typeface="+mn-lt"/>
+                <a:ea typeface="+mn-ea"/>
+                <a:cs typeface="+mn-cs"/>
+              </a:defRPr>
+            </a:lvl8pPr>
+            <a:lvl9pPr marL="3886200" indent="-228600" algn="l" defTabSz="914400" rtl="0" eaLnBrk="1" latinLnBrk="0" hangingPunct="1">
+              <a:lnSpc>
+                <a:spcPct val="90000"/>
+              </a:lnSpc>
+              <a:spcBef>
+                <a:spcPts val="500"/>
+              </a:spcBef>
+              <a:buFont typeface="Arial" panose="020B0604020202020204" pitchFamily="34" charset="0"/>
+              <a:buChar char="•"/>
+              <a:defRPr sz="1800" kern="1200">
+                <a:solidFill>
+                  <a:schemeClr val="tx1"/>
+                </a:solidFill>
+                <a:latin typeface="+mn-lt"/>
+                <a:ea typeface="+mn-ea"/>
+                <a:cs typeface="+mn-cs"/>
+              </a:defRPr>
+            </a:lvl9pPr>
+          </a:lstStyle>
+          <a:p>
+            <a:r>
+              <a:rPr lang="en-NZ" dirty="0"/>
+              <a:t>Fixed-sized array – cannot push new element</a:t>
+            </a:r>
+          </a:p>
+        </p:txBody>
+      </p:sp>
+      <p:pic>
+        <p:nvPicPr>
+          <p:cNvPr id="4" name="图片 3">
+            <a:extLst>
+              <a:ext uri="{FF2B5EF4-FFF2-40B4-BE49-F238E27FC236}">
+                <a16:creationId xmlns:a16="http://schemas.microsoft.com/office/drawing/2014/main" id="{47F73EEB-FF36-4DED-B8A6-637D955F357E}"/>
+              </a:ext>
+            </a:extLst>
+          </p:cNvPr>
+          <p:cNvPicPr>
+            <a:picLocks noChangeAspect="1"/>
+          </p:cNvPicPr>
+          <p:nvPr/>
+        </p:nvPicPr>
+        <p:blipFill>
+          <a:blip r:embed="rId3"/>
+          <a:stretch>
+            <a:fillRect/>
+          </a:stretch>
+        </p:blipFill>
+        <p:spPr>
+          <a:xfrm>
+            <a:off x="838200" y="2328413"/>
+            <a:ext cx="7274300" cy="1915423"/>
+          </a:xfrm>
+          <a:prstGeom prst="rect">
+            <a:avLst/>
+          </a:prstGeom>
+          <a:ln>
+            <a:solidFill>
+              <a:schemeClr val="tx1"/>
+            </a:solidFill>
+          </a:ln>
+        </p:spPr>
+      </p:pic>
+      <p:pic>
+        <p:nvPicPr>
+          <p:cNvPr id="10" name="图片 9">
+            <a:extLst>
+              <a:ext uri="{FF2B5EF4-FFF2-40B4-BE49-F238E27FC236}">
+                <a16:creationId xmlns:a16="http://schemas.microsoft.com/office/drawing/2014/main" id="{F37E2C37-146B-487A-928C-B7EE6C7093CD}"/>
+              </a:ext>
+            </a:extLst>
+          </p:cNvPr>
+          <p:cNvPicPr>
+            <a:picLocks noChangeAspect="1"/>
+          </p:cNvPicPr>
+          <p:nvPr/>
+        </p:nvPicPr>
+        <p:blipFill>
+          <a:blip r:embed="rId4"/>
+          <a:stretch>
+            <a:fillRect/>
+          </a:stretch>
+        </p:blipFill>
+        <p:spPr>
+          <a:xfrm>
+            <a:off x="838200" y="4350349"/>
+            <a:ext cx="7281967" cy="2041307"/>
+          </a:xfrm>
+          <a:prstGeom prst="rect">
+            <a:avLst/>
+          </a:prstGeom>
+        </p:spPr>
+      </p:pic>
+      <p:cxnSp>
+        <p:nvCxnSpPr>
+          <p:cNvPr id="11" name="直接连接符 10">
+            <a:extLst>
+              <a:ext uri="{FF2B5EF4-FFF2-40B4-BE49-F238E27FC236}">
+                <a16:creationId xmlns:a16="http://schemas.microsoft.com/office/drawing/2014/main" id="{5133C23E-BD6D-4158-9D03-177FC45A0204}"/>
+              </a:ext>
+            </a:extLst>
+          </p:cNvPr>
+          <p:cNvCxnSpPr>
+            <a:cxnSpLocks/>
+          </p:cNvCxnSpPr>
+          <p:nvPr/>
+        </p:nvCxnSpPr>
+        <p:spPr>
+          <a:xfrm>
+            <a:off x="2978332" y="5094516"/>
+            <a:ext cx="2037806" cy="0"/>
+          </a:xfrm>
+          <a:prstGeom prst="line">
+            <a:avLst/>
+          </a:prstGeom>
+          <a:ln w="57150">
+            <a:solidFill>
+              <a:srgbClr val="C00000"/>
+            </a:solidFill>
+          </a:ln>
+        </p:spPr>
+        <p:style>
+          <a:lnRef idx="3">
+            <a:schemeClr val="accent2"/>
+          </a:lnRef>
+          <a:fillRef idx="0">
+            <a:schemeClr val="accent2"/>
+          </a:fillRef>
+          <a:effectRef idx="2">
+            <a:schemeClr val="accent2"/>
+          </a:effectRef>
+          <a:fontRef idx="minor">
+            <a:schemeClr val="tx1"/>
+          </a:fontRef>
+        </p:style>
+      </p:cxnSp>
+    </p:spTree>
+    <p:extLst>
+      <p:ext uri="{BB962C8B-B14F-4D97-AF65-F5344CB8AC3E}">
+        <p14:creationId xmlns:p14="http://schemas.microsoft.com/office/powerpoint/2010/main" val="1674651847"/>
+      </p:ext>
+    </p:extLst>
+  </p:cSld>
+  <p:clrMapOvr>
+    <a:masterClrMapping/>
+  </p:clrMapOvr>
+  <p:timing>
+    <p:tnLst>
+      <p:par>
+        <p:cTn id="1" dur="indefinite" restart="never" nodeType="tmRoot">
+          <p:childTnLst>
+            <p:seq concurrent="1" nextAc="seek">
+              <p:cTn id="2" dur="indefinite" nodeType="mainSeq">
+                <p:childTnLst>
+                  <p:par>
+                    <p:cTn id="3" fill="hold">
+                      <p:stCondLst>
+                        <p:cond delay="indefinite"/>
+                      </p:stCondLst>
+                      <p:childTnLst>
+                        <p:par>
+                          <p:cTn id="4" fill="hold">
+                            <p:stCondLst>
+                              <p:cond delay="0"/>
+                            </p:stCondLst>
+                            <p:childTnLst>
+                              <p:par>
+                                <p:cTn id="5" presetID="10" presetClass="entr" presetSubtype="0" fill="hold" nodeType="clickEffect">
+                                  <p:stCondLst>
+                                    <p:cond delay="0"/>
+                                  </p:stCondLst>
+                                  <p:childTnLst>
+                                    <p:set>
+                                      <p:cBhvr>
+                                        <p:cTn id="6" dur="1" fill="hold">
+                                          <p:stCondLst>
+                                            <p:cond delay="0"/>
+                                          </p:stCondLst>
+                                        </p:cTn>
+                                        <p:tgtEl>
+                                          <p:spTgt spid="4"/>
+                                        </p:tgtEl>
+                                        <p:attrNameLst>
+                                          <p:attrName>style.visibility</p:attrName>
+                                        </p:attrNameLst>
+                                      </p:cBhvr>
+                                      <p:to>
+                                        <p:strVal val="visible"/>
+                                      </p:to>
+                                    </p:set>
+                                    <p:animEffect transition="in" filter="fade">
+                                      <p:cBhvr>
+                                        <p:cTn id="7" dur="500"/>
+                                        <p:tgtEl>
+                                          <p:spTgt spid="4"/>
+                                        </p:tgtEl>
+                                      </p:cBhvr>
+                                    </p:animEffect>
+                                  </p:childTnLst>
+                                </p:cTn>
+                              </p:par>
+                            </p:childTnLst>
+                          </p:cTn>
+                        </p:par>
+                      </p:childTnLst>
+                    </p:cTn>
+                  </p:par>
+                  <p:par>
+                    <p:cTn id="8" fill="hold">
+                      <p:stCondLst>
+                        <p:cond delay="indefinite"/>
+                      </p:stCondLst>
+                      <p:childTnLst>
+                        <p:par>
+                          <p:cTn id="9" fill="hold">
+                            <p:stCondLst>
+                              <p:cond delay="0"/>
+                            </p:stCondLst>
+                            <p:childTnLst>
+                              <p:par>
+                                <p:cTn id="10" presetID="10" presetClass="entr" presetSubtype="0" fill="hold" nodeType="clickEffect">
+                                  <p:stCondLst>
+                                    <p:cond delay="0"/>
+                                  </p:stCondLst>
+                                  <p:childTnLst>
+                                    <p:set>
+                                      <p:cBhvr>
+                                        <p:cTn id="11" dur="1" fill="hold">
+                                          <p:stCondLst>
+                                            <p:cond delay="0"/>
+                                          </p:stCondLst>
+                                        </p:cTn>
+                                        <p:tgtEl>
+                                          <p:spTgt spid="10"/>
+                                        </p:tgtEl>
+                                        <p:attrNameLst>
+                                          <p:attrName>style.visibility</p:attrName>
+                                        </p:attrNameLst>
+                                      </p:cBhvr>
+                                      <p:to>
+                                        <p:strVal val="visible"/>
+                                      </p:to>
+                                    </p:set>
+                                    <p:animEffect transition="in" filter="fade">
+                                      <p:cBhvr>
+                                        <p:cTn id="12" dur="500"/>
+                                        <p:tgtEl>
+                                          <p:spTgt spid="10"/>
+                                        </p:tgtEl>
+                                      </p:cBhvr>
+                                    </p:animEffect>
+                                  </p:childTnLst>
+                                </p:cTn>
+                              </p:par>
+                            </p:childTnLst>
+                          </p:cTn>
+                        </p:par>
+                      </p:childTnLst>
+                    </p:cTn>
+                  </p:par>
+                  <p:par>
+                    <p:cTn id="13" fill="hold">
+                      <p:stCondLst>
+                        <p:cond delay="indefinite"/>
+                      </p:stCondLst>
+                      <p:childTnLst>
+                        <p:par>
+                          <p:cTn id="14" fill="hold">
+                            <p:stCondLst>
+                              <p:cond delay="0"/>
+                            </p:stCondLst>
+                            <p:childTnLst>
+                              <p:par>
+                                <p:cTn id="15" presetID="10" presetClass="entr" presetSubtype="0" fill="hold" nodeType="clickEffect">
+                                  <p:stCondLst>
+                                    <p:cond delay="0"/>
+                                  </p:stCondLst>
+                                  <p:childTnLst>
+                                    <p:set>
+                                      <p:cBhvr>
+                                        <p:cTn id="16" dur="1" fill="hold">
+                                          <p:stCondLst>
+                                            <p:cond delay="0"/>
+                                          </p:stCondLst>
+                                        </p:cTn>
+                                        <p:tgtEl>
+                                          <p:spTgt spid="11"/>
+                                        </p:tgtEl>
+                                        <p:attrNameLst>
+                                          <p:attrName>style.visibility</p:attrName>
+                                        </p:attrNameLst>
+                                      </p:cBhvr>
+                                      <p:to>
+                                        <p:strVal val="visible"/>
+                                      </p:to>
+                                    </p:set>
+                                    <p:animEffect transition="in" filter="fade">
+                                      <p:cBhvr>
+                                        <p:cTn id="17" dur="500"/>
+                                        <p:tgtEl>
+                                          <p:spTgt spid="11"/>
+                                        </p:tgtEl>
+                                      </p:cBhvr>
+                                    </p:animEffect>
+                                  </p:childTnLst>
+                                </p:cTn>
+                              </p:par>
+                            </p:childTnLst>
+                          </p:cTn>
+                        </p:par>
+                      </p:childTnLst>
+                    </p:cTn>
+                  </p:par>
+                </p:childTnLst>
+              </p:cTn>
+              <p:prevCondLst>
+                <p:cond evt="onPrev" delay="0">
+                  <p:tgtEl>
+                    <p:sldTgt/>
+                  </p:tgtEl>
+                </p:cond>
+              </p:prevCondLst>
+              <p:nextCondLst>
+                <p:cond evt="onNext" delay="0">
+                  <p:tgtEl>
+                    <p:sldTgt/>
+                  </p:tgtEl>
+                </p:cond>
+              </p:nextCondLst>
+            </p:seq>
+          </p:childTnLst>
+        </p:cTn>
+      </p:par>
+    </p:tnLst>
+  </p:timing>
 </p:sld>
 </file>
 

--- a/Presentation-Bruce.pptx
+++ b/Presentation-Bruce.pptx
@@ -17,10 +17,9 @@
     <p:sldId id="266" r:id="rId11"/>
     <p:sldId id="264" r:id="rId12"/>
     <p:sldId id="258" r:id="rId13"/>
-    <p:sldId id="259" r:id="rId14"/>
-    <p:sldId id="261" r:id="rId15"/>
-    <p:sldId id="260" r:id="rId16"/>
-    <p:sldId id="262" r:id="rId17"/>
+    <p:sldId id="261" r:id="rId14"/>
+    <p:sldId id="260" r:id="rId15"/>
+    <p:sldId id="273" r:id="rId16"/>
   </p:sldIdLst>
   <p:sldSz cx="12192000" cy="6858000"/>
   <p:notesSz cx="6858000" cy="9144000"/>
@@ -3838,7 +3837,7 @@
         </p:nvSpPr>
         <p:spPr>
           <a:xfrm>
-            <a:off x="838200" y="5695126"/>
+            <a:off x="838200" y="5508317"/>
             <a:ext cx="10343606" cy="523220"/>
           </a:xfrm>
           <a:prstGeom prst="rect">
@@ -3899,7 +3898,7 @@
           <a:p>
             <a:r>
               <a:rPr lang="en-NZ" sz="2800" dirty="0"/>
-              <a:t>All initialized elements are all zeros. It looks like this: [0, 0, 0, 0, 0, 0, 0] </a:t>
+              <a:t>All initialized elements are zeros. It looks like this: [0, 0, 0, 0, 0, 0, 0] </a:t>
             </a:r>
           </a:p>
         </p:txBody>
@@ -3956,7 +3955,7 @@
         </p:nvSpPr>
         <p:spPr>
           <a:xfrm>
-            <a:off x="838200" y="6151453"/>
+            <a:off x="838200" y="5964644"/>
             <a:ext cx="10343606" cy="523220"/>
           </a:xfrm>
           <a:prstGeom prst="rect">
@@ -5135,7 +5134,12 @@
             <p:ph type="title"/>
           </p:nvPr>
         </p:nvSpPr>
-        <p:spPr/>
+        <p:spPr>
+          <a:xfrm>
+            <a:off x="838200" y="365125"/>
+            <a:ext cx="10515600" cy="1325563"/>
+          </a:xfrm>
+        </p:spPr>
         <p:txBody>
           <a:bodyPr/>
           <a:lstStyle/>
@@ -5193,138 +5197,6 @@
             <p:ph idx="1"/>
           </p:nvPr>
         </p:nvSpPr>
-        <p:spPr/>
-        <p:txBody>
-          <a:bodyPr/>
-          <a:lstStyle/>
-          <a:p>
-            <a:r>
-              <a:rPr lang="en-NZ" dirty="0"/>
-              <a:t>What does </a:t>
-            </a:r>
-            <a:r>
-              <a:rPr lang="en-NZ" dirty="0" err="1"/>
-              <a:t>msg.value</a:t>
-            </a:r>
-            <a:r>
-              <a:rPr lang="en-NZ" dirty="0"/>
-              <a:t> mean? People never set this value before using it. I have wrote some contract to test this value, but it seems like in different contracts it has different values. </a:t>
-            </a:r>
-          </a:p>
-          <a:p>
-            <a:pPr marL="0" indent="0">
-              <a:buNone/>
-            </a:pPr>
-            <a:r>
-              <a:rPr lang="en-NZ" dirty="0"/>
-              <a:t>It can be set some where?</a:t>
-            </a:r>
-          </a:p>
-        </p:txBody>
-      </p:sp>
-    </p:spTree>
-    <p:extLst>
-      <p:ext uri="{BB962C8B-B14F-4D97-AF65-F5344CB8AC3E}">
-        <p14:creationId xmlns:p14="http://schemas.microsoft.com/office/powerpoint/2010/main" val="703060177"/>
-      </p:ext>
-    </p:extLst>
-  </p:cSld>
-  <p:clrMapOvr>
-    <a:masterClrMapping/>
-  </p:clrMapOvr>
-</p:sld>
-</file>
-
-<file path=ppt/slides/slide14.xml><?xml version="1.0" encoding="utf-8"?>
-<p:sld xmlns:a="http://schemas.openxmlformats.org/drawingml/2006/main" xmlns:r="http://schemas.openxmlformats.org/officeDocument/2006/relationships" xmlns:p="http://schemas.openxmlformats.org/presentationml/2006/main">
-  <p:cSld>
-    <p:spTree>
-      <p:nvGrpSpPr>
-        <p:cNvPr id="1" name=""/>
-        <p:cNvGrpSpPr/>
-        <p:nvPr/>
-      </p:nvGrpSpPr>
-      <p:grpSpPr>
-        <a:xfrm>
-          <a:off x="0" y="0"/>
-          <a:ext cx="0" cy="0"/>
-          <a:chOff x="0" y="0"/>
-          <a:chExt cx="0" cy="0"/>
-        </a:xfrm>
-      </p:grpSpPr>
-      <p:sp>
-        <p:nvSpPr>
-          <p:cNvPr id="2" name="Title 1"/>
-          <p:cNvSpPr>
-            <a:spLocks noGrp="1"/>
-          </p:cNvSpPr>
-          <p:nvPr>
-            <p:ph type="title"/>
-          </p:nvPr>
-        </p:nvSpPr>
-        <p:spPr>
-          <a:xfrm>
-            <a:off x="838200" y="365125"/>
-            <a:ext cx="10515600" cy="1325563"/>
-          </a:xfrm>
-        </p:spPr>
-        <p:txBody>
-          <a:bodyPr/>
-          <a:lstStyle/>
-          <a:p>
-            <a:r>
-              <a:rPr lang="en-US" dirty="0"/>
-              <a:t>Problem 5</a:t>
-            </a:r>
-          </a:p>
-        </p:txBody>
-      </p:sp>
-      <p:pic>
-        <p:nvPicPr>
-          <p:cNvPr id="6" name="Picture 5"/>
-          <p:cNvPicPr>
-            <a:picLocks noChangeAspect="1"/>
-          </p:cNvPicPr>
-          <p:nvPr/>
-        </p:nvPicPr>
-        <p:blipFill>
-          <a:blip r:embed="rId2">
-            <a:extLst>
-              <a:ext uri="{28A0092B-C50C-407E-A947-70E740481C1C}">
-                <a14:useLocalDpi xmlns:a14="http://schemas.microsoft.com/office/drawing/2010/main" val="0"/>
-              </a:ext>
-            </a:extLst>
-          </a:blip>
-          <a:stretch>
-            <a:fillRect/>
-          </a:stretch>
-        </p:blipFill>
-        <p:spPr>
-          <a:xfrm>
-            <a:off x="9705474" y="0"/>
-            <a:ext cx="2486526" cy="1666792"/>
-          </a:xfrm>
-          <a:prstGeom prst="rect">
-            <a:avLst/>
-          </a:prstGeom>
-        </p:spPr>
-      </p:pic>
-      <p:sp>
-        <p:nvSpPr>
-          <p:cNvPr id="4" name="内容占位符 3">
-            <a:extLst>
-              <a:ext uri="{FF2B5EF4-FFF2-40B4-BE49-F238E27FC236}">
-                <a16:creationId xmlns:a16="http://schemas.microsoft.com/office/drawing/2014/main" id="{889CE1B0-099C-4482-BD06-5A8E6EAB34D3}"/>
-              </a:ext>
-            </a:extLst>
-          </p:cNvPr>
-          <p:cNvSpPr>
-            <a:spLocks noGrp="1"/>
-          </p:cNvSpPr>
-          <p:nvPr>
-            <p:ph idx="1"/>
-          </p:nvPr>
-        </p:nvSpPr>
         <p:spPr>
           <a:xfrm>
             <a:off x="838200" y="1825625"/>
@@ -5337,11 +5209,11 @@
           <a:p>
             <a:r>
               <a:rPr lang="en-NZ" dirty="0"/>
-              <a:t>How do you initiate an </a:t>
-            </a:r>
-            <a:r>
-              <a:rPr lang="en-US" altLang="zh-CN" dirty="0" err="1"/>
-              <a:t>struce</a:t>
+              <a:t>How do you initiate a </a:t>
+            </a:r>
+            <a:r>
+              <a:rPr lang="en-US" altLang="zh-CN" dirty="0"/>
+              <a:t>struct</a:t>
             </a:r>
             <a:r>
               <a:rPr lang="en-NZ" dirty="0"/>
@@ -5755,7 +5627,7 @@
 </p:sld>
 </file>
 
-<file path=ppt/slides/slide15.xml><?xml version="1.0" encoding="utf-8"?>
+<file path=ppt/slides/slide14.xml><?xml version="1.0" encoding="utf-8"?>
 <p:sld xmlns:a="http://schemas.openxmlformats.org/drawingml/2006/main" xmlns:r="http://schemas.openxmlformats.org/officeDocument/2006/relationships" xmlns:p="http://schemas.openxmlformats.org/presentationml/2006/main">
   <p:cSld>
     <p:spTree>
@@ -5794,7 +5666,7 @@
           <a:p>
             <a:r>
               <a:rPr lang="en-US" dirty="0"/>
-              <a:t>Problem 6</a:t>
+              <a:t>Problem 5</a:t>
             </a:r>
           </a:p>
         </p:txBody>
@@ -6650,7 +6522,7 @@
 </p:sld>
 </file>
 
-<file path=ppt/slides/slide16.xml><?xml version="1.0" encoding="utf-8"?>
+<file path=ppt/slides/slide15.xml><?xml version="1.0" encoding="utf-8"?>
 <p:sld xmlns:a="http://schemas.openxmlformats.org/drawingml/2006/main" xmlns:r="http://schemas.openxmlformats.org/officeDocument/2006/relationships" xmlns:p="http://schemas.openxmlformats.org/presentationml/2006/main">
   <p:cSld>
     <p:spTree>
@@ -6689,13 +6561,8 @@
           <a:p>
             <a:r>
               <a:rPr lang="en-US" dirty="0"/>
-              <a:t>Problem </a:t>
-            </a:r>
-            <a:r>
-              <a:rPr lang="zh-CN" altLang="en-US"/>
-              <a:t>**</a:t>
-            </a:r>
-            <a:endParaRPr lang="en-US" dirty="0"/>
+              <a:t>The End</a:t>
+            </a:r>
           </a:p>
         </p:txBody>
       </p:sp>
@@ -6729,138 +6596,12 @@
           </a:prstGeom>
         </p:spPr>
       </p:pic>
-      <p:sp>
-        <p:nvSpPr>
-          <p:cNvPr id="4" name="内容占位符 3">
+      <p:pic>
+        <p:nvPicPr>
+          <p:cNvPr id="17" name="图片 16" descr="图片包含 运输&#10;&#10;已生成极高可信度的说明">
             <a:extLst>
               <a:ext uri="{FF2B5EF4-FFF2-40B4-BE49-F238E27FC236}">
-                <a16:creationId xmlns:a16="http://schemas.microsoft.com/office/drawing/2014/main" id="{889CE1B0-099C-4482-BD06-5A8E6EAB34D3}"/>
-              </a:ext>
-            </a:extLst>
-          </p:cNvPr>
-          <p:cNvSpPr>
-            <a:spLocks noGrp="1"/>
-          </p:cNvSpPr>
-          <p:nvPr>
-            <p:ph idx="1"/>
-          </p:nvPr>
-        </p:nvSpPr>
-        <p:spPr>
-          <a:xfrm>
-            <a:off x="838200" y="1825625"/>
-            <a:ext cx="10515600" cy="4667250"/>
-          </a:xfrm>
-        </p:spPr>
-        <p:txBody>
-          <a:bodyPr/>
-          <a:lstStyle/>
-          <a:p>
-            <a:r>
-              <a:rPr lang="en-NZ" dirty="0"/>
-              <a:t>Struct array</a:t>
-            </a:r>
-          </a:p>
-          <a:p>
-            <a:pPr marL="0" indent="0">
-              <a:buNone/>
-            </a:pPr>
-            <a:r>
-              <a:rPr lang="en-NZ" dirty="0"/>
-              <a:t>struct Campaign{</a:t>
-            </a:r>
-          </a:p>
-          <a:p>
-            <a:pPr marL="0" indent="0">
-              <a:buNone/>
-            </a:pPr>
-            <a:r>
-              <a:rPr lang="en-NZ" dirty="0"/>
-              <a:t>    </a:t>
-            </a:r>
-            <a:r>
-              <a:rPr lang="en-NZ" dirty="0" err="1"/>
-              <a:t>uint</a:t>
-            </a:r>
-            <a:r>
-              <a:rPr lang="en-NZ" dirty="0"/>
-              <a:t> goal;</a:t>
-            </a:r>
-          </a:p>
-          <a:p>
-            <a:pPr marL="0" indent="0">
-              <a:buNone/>
-            </a:pPr>
-            <a:r>
-              <a:rPr lang="en-NZ" dirty="0"/>
-              <a:t>}</a:t>
-            </a:r>
-          </a:p>
-          <a:p>
-            <a:pPr marL="0" indent="0">
-              <a:buNone/>
-            </a:pPr>
-            <a:endParaRPr lang="en-NZ" dirty="0"/>
-          </a:p>
-          <a:p>
-            <a:pPr marL="0" indent="0">
-              <a:buNone/>
-            </a:pPr>
-            <a:r>
-              <a:rPr lang="en-NZ" dirty="0"/>
-              <a:t>mapping (</a:t>
-            </a:r>
-            <a:r>
-              <a:rPr lang="en-NZ" dirty="0" err="1"/>
-              <a:t>uint</a:t>
-            </a:r>
-            <a:r>
-              <a:rPr lang="en-NZ" dirty="0"/>
-              <a:t> =&gt; Campaign) public campaigns;</a:t>
-            </a:r>
-          </a:p>
-          <a:p>
-            <a:pPr marL="0" indent="0">
-              <a:buNone/>
-            </a:pPr>
-            <a:r>
-              <a:rPr lang="en-NZ" dirty="0">
-                <a:solidFill>
-                  <a:schemeClr val="tx1">
-                    <a:lumMod val="50000"/>
-                    <a:lumOff val="50000"/>
-                  </a:schemeClr>
-                </a:solidFill>
-              </a:rPr>
-              <a:t>//Campaign[] public campaigns;</a:t>
-            </a:r>
-          </a:p>
-          <a:p>
-            <a:pPr marL="0" indent="0">
-              <a:buNone/>
-            </a:pPr>
-            <a:endParaRPr lang="en-NZ" dirty="0">
-              <a:solidFill>
-                <a:schemeClr val="tx1">
-                  <a:lumMod val="50000"/>
-                  <a:lumOff val="50000"/>
-                </a:schemeClr>
-              </a:solidFill>
-            </a:endParaRPr>
-          </a:p>
-          <a:p>
-            <a:pPr marL="0" indent="0">
-              <a:buNone/>
-            </a:pPr>
-            <a:endParaRPr lang="en-NZ" dirty="0"/>
-          </a:p>
-        </p:txBody>
-      </p:sp>
-      <p:pic>
-        <p:nvPicPr>
-          <p:cNvPr id="3" name="图片 2">
-            <a:extLst>
-              <a:ext uri="{FF2B5EF4-FFF2-40B4-BE49-F238E27FC236}">
-                <a16:creationId xmlns:a16="http://schemas.microsoft.com/office/drawing/2014/main" id="{041B57CC-DA33-4A33-83CF-5F6480972FB0}"/>
+                <a16:creationId xmlns:a16="http://schemas.microsoft.com/office/drawing/2014/main" id="{68FCC801-FB73-4914-9645-ED99B85144A2}"/>
               </a:ext>
             </a:extLst>
           </p:cNvPr>
@@ -6877,8 +6618,8 @@
         </p:blipFill>
         <p:spPr>
           <a:xfrm>
-            <a:off x="838199" y="5471478"/>
-            <a:ext cx="9068785" cy="1325562"/>
+            <a:off x="3471978" y="1407948"/>
+            <a:ext cx="4306517" cy="4573710"/>
           </a:xfrm>
           <a:prstGeom prst="rect">
             <a:avLst/>
@@ -6888,7 +6629,7 @@
     </p:spTree>
     <p:extLst>
       <p:ext uri="{BB962C8B-B14F-4D97-AF65-F5344CB8AC3E}">
-        <p14:creationId xmlns:p14="http://schemas.microsoft.com/office/powerpoint/2010/main" val="3885386822"/>
+        <p14:creationId xmlns:p14="http://schemas.microsoft.com/office/powerpoint/2010/main" val="3572542514"/>
       </p:ext>
     </p:extLst>
   </p:cSld>
@@ -7489,7 +7230,12 @@
             <p:ph idx="1"/>
           </p:nvPr>
         </p:nvSpPr>
-        <p:spPr/>
+        <p:spPr>
+          <a:xfrm>
+            <a:off x="838200" y="1825625"/>
+            <a:ext cx="10515600" cy="4351338"/>
+          </a:xfrm>
+        </p:spPr>
         <p:txBody>
           <a:bodyPr>
             <a:normAutofit/>
@@ -7502,7 +7248,17 @@
             </a:pPr>
             <a:r>
               <a:rPr lang="en-NZ" dirty="0"/>
-              <a:t>Read through Solidity documentation to check if there are any parts I had missing </a:t>
+              <a:t>Read through Solidity documentation to check if there are any parts I missed </a:t>
+            </a:r>
+          </a:p>
+          <a:p>
+            <a:pPr lvl="0">
+              <a:buFont typeface="Wingdings" panose="05000000000000000000" pitchFamily="2" charset="2"/>
+              <a:buChar char="Ø"/>
+            </a:pPr>
+            <a:r>
+              <a:rPr lang="en-NZ" dirty="0"/>
+              <a:t>Practicing example codes from the documentation</a:t>
             </a:r>
           </a:p>
           <a:p>
